--- a/doc/GdalNetCoreGraphicsToExplain.pptx
+++ b/doc/GdalNetCoreGraphicsToExplain.pptx
@@ -157,7 +157,7 @@
           </a:lstStyle>
           <a:p>
             <a:r>
-              <a:rPr lang="de-DE" smtClean="0"/>
+              <a:rPr lang="de-DE"/>
               <a:t>Titelmasterformat durch Klicken bearbeiten</a:t>
             </a:r>
             <a:endParaRPr lang="de-CH"/>
@@ -222,7 +222,7 @@
           </a:lstStyle>
           <a:p>
             <a:r>
-              <a:rPr lang="de-DE" smtClean="0"/>
+              <a:rPr lang="de-DE"/>
               <a:t>Formatvorlage des Untertitelmasters durch Klicken bearbeiten</a:t>
             </a:r>
             <a:endParaRPr lang="de-CH"/>
@@ -246,7 +246,7 @@
           <a:p>
             <a:fld id="{CEE1A4D8-EFF7-4BF9-AC3C-4BFBCCD56EE7}" type="datetimeFigureOut">
               <a:rPr lang="de-CH" smtClean="0"/>
-              <a:t>30.01.2022</a:t>
+              <a:t>13.07.2024</a:t>
             </a:fld>
             <a:endParaRPr lang="de-CH"/>
           </a:p>
@@ -340,7 +340,7 @@
           <a:lstStyle/>
           <a:p>
             <a:r>
-              <a:rPr lang="de-DE" smtClean="0"/>
+              <a:rPr lang="de-DE"/>
               <a:t>Titelmasterformat durch Klicken bearbeiten</a:t>
             </a:r>
             <a:endParaRPr lang="de-CH"/>
@@ -364,35 +364,35 @@
           <a:p>
             <a:pPr lvl="0"/>
             <a:r>
-              <a:rPr lang="de-DE" smtClean="0"/>
+              <a:rPr lang="de-DE"/>
               <a:t>Formatvorlagen des Textmasters bearbeiten</a:t>
             </a:r>
           </a:p>
           <a:p>
             <a:pPr lvl="1"/>
             <a:r>
-              <a:rPr lang="de-DE" smtClean="0"/>
+              <a:rPr lang="de-DE"/>
               <a:t>Zweite Ebene</a:t>
             </a:r>
           </a:p>
           <a:p>
             <a:pPr lvl="2"/>
             <a:r>
-              <a:rPr lang="de-DE" smtClean="0"/>
+              <a:rPr lang="de-DE"/>
               <a:t>Dritte Ebene</a:t>
             </a:r>
           </a:p>
           <a:p>
             <a:pPr lvl="3"/>
             <a:r>
-              <a:rPr lang="de-DE" smtClean="0"/>
+              <a:rPr lang="de-DE"/>
               <a:t>Vierte Ebene</a:t>
             </a:r>
           </a:p>
           <a:p>
             <a:pPr lvl="4"/>
             <a:r>
-              <a:rPr lang="de-DE" smtClean="0"/>
+              <a:rPr lang="de-DE"/>
               <a:t>Fünfte Ebene</a:t>
             </a:r>
             <a:endParaRPr lang="de-CH"/>
@@ -416,7 +416,7 @@
           <a:p>
             <a:fld id="{CEE1A4D8-EFF7-4BF9-AC3C-4BFBCCD56EE7}" type="datetimeFigureOut">
               <a:rPr lang="de-CH" smtClean="0"/>
-              <a:t>30.01.2022</a:t>
+              <a:t>13.07.2024</a:t>
             </a:fld>
             <a:endParaRPr lang="de-CH"/>
           </a:p>
@@ -515,7 +515,7 @@
           <a:lstStyle/>
           <a:p>
             <a:r>
-              <a:rPr lang="de-DE" smtClean="0"/>
+              <a:rPr lang="de-DE"/>
               <a:t>Titelmasterformat durch Klicken bearbeiten</a:t>
             </a:r>
             <a:endParaRPr lang="de-CH"/>
@@ -544,35 +544,35 @@
           <a:p>
             <a:pPr lvl="0"/>
             <a:r>
-              <a:rPr lang="de-DE" smtClean="0"/>
+              <a:rPr lang="de-DE"/>
               <a:t>Formatvorlagen des Textmasters bearbeiten</a:t>
             </a:r>
           </a:p>
           <a:p>
             <a:pPr lvl="1"/>
             <a:r>
-              <a:rPr lang="de-DE" smtClean="0"/>
+              <a:rPr lang="de-DE"/>
               <a:t>Zweite Ebene</a:t>
             </a:r>
           </a:p>
           <a:p>
             <a:pPr lvl="2"/>
             <a:r>
-              <a:rPr lang="de-DE" smtClean="0"/>
+              <a:rPr lang="de-DE"/>
               <a:t>Dritte Ebene</a:t>
             </a:r>
           </a:p>
           <a:p>
             <a:pPr lvl="3"/>
             <a:r>
-              <a:rPr lang="de-DE" smtClean="0"/>
+              <a:rPr lang="de-DE"/>
               <a:t>Vierte Ebene</a:t>
             </a:r>
           </a:p>
           <a:p>
             <a:pPr lvl="4"/>
             <a:r>
-              <a:rPr lang="de-DE" smtClean="0"/>
+              <a:rPr lang="de-DE"/>
               <a:t>Fünfte Ebene</a:t>
             </a:r>
             <a:endParaRPr lang="de-CH"/>
@@ -596,7 +596,7 @@
           <a:p>
             <a:fld id="{CEE1A4D8-EFF7-4BF9-AC3C-4BFBCCD56EE7}" type="datetimeFigureOut">
               <a:rPr lang="de-CH" smtClean="0"/>
-              <a:t>30.01.2022</a:t>
+              <a:t>13.07.2024</a:t>
             </a:fld>
             <a:endParaRPr lang="de-CH"/>
           </a:p>
@@ -690,7 +690,7 @@
           <a:lstStyle/>
           <a:p>
             <a:r>
-              <a:rPr lang="de-DE" smtClean="0"/>
+              <a:rPr lang="de-DE"/>
               <a:t>Titelmasterformat durch Klicken bearbeiten</a:t>
             </a:r>
             <a:endParaRPr lang="de-CH"/>
@@ -714,35 +714,35 @@
           <a:p>
             <a:pPr lvl="0"/>
             <a:r>
-              <a:rPr lang="de-DE" smtClean="0"/>
+              <a:rPr lang="de-DE"/>
               <a:t>Formatvorlagen des Textmasters bearbeiten</a:t>
             </a:r>
           </a:p>
           <a:p>
             <a:pPr lvl="1"/>
             <a:r>
-              <a:rPr lang="de-DE" smtClean="0"/>
+              <a:rPr lang="de-DE"/>
               <a:t>Zweite Ebene</a:t>
             </a:r>
           </a:p>
           <a:p>
             <a:pPr lvl="2"/>
             <a:r>
-              <a:rPr lang="de-DE" smtClean="0"/>
+              <a:rPr lang="de-DE"/>
               <a:t>Dritte Ebene</a:t>
             </a:r>
           </a:p>
           <a:p>
             <a:pPr lvl="3"/>
             <a:r>
-              <a:rPr lang="de-DE" smtClean="0"/>
+              <a:rPr lang="de-DE"/>
               <a:t>Vierte Ebene</a:t>
             </a:r>
           </a:p>
           <a:p>
             <a:pPr lvl="4"/>
             <a:r>
-              <a:rPr lang="de-DE" smtClean="0"/>
+              <a:rPr lang="de-DE"/>
               <a:t>Fünfte Ebene</a:t>
             </a:r>
             <a:endParaRPr lang="de-CH"/>
@@ -766,7 +766,7 @@
           <a:p>
             <a:fld id="{CEE1A4D8-EFF7-4BF9-AC3C-4BFBCCD56EE7}" type="datetimeFigureOut">
               <a:rPr lang="de-CH" smtClean="0"/>
-              <a:t>30.01.2022</a:t>
+              <a:t>13.07.2024</a:t>
             </a:fld>
             <a:endParaRPr lang="de-CH"/>
           </a:p>
@@ -869,7 +869,7 @@
           </a:lstStyle>
           <a:p>
             <a:r>
-              <a:rPr lang="de-DE" smtClean="0"/>
+              <a:rPr lang="de-DE"/>
               <a:t>Titelmasterformat durch Klicken bearbeiten</a:t>
             </a:r>
             <a:endParaRPr lang="de-CH"/>
@@ -989,7 +989,7 @@
           <a:p>
             <a:pPr lvl="0"/>
             <a:r>
-              <a:rPr lang="de-DE" smtClean="0"/>
+              <a:rPr lang="de-DE"/>
               <a:t>Formatvorlagen des Textmasters bearbeiten</a:t>
             </a:r>
           </a:p>
@@ -1012,7 +1012,7 @@
           <a:p>
             <a:fld id="{CEE1A4D8-EFF7-4BF9-AC3C-4BFBCCD56EE7}" type="datetimeFigureOut">
               <a:rPr lang="de-CH" smtClean="0"/>
-              <a:t>30.01.2022</a:t>
+              <a:t>13.07.2024</a:t>
             </a:fld>
             <a:endParaRPr lang="de-CH"/>
           </a:p>
@@ -1106,7 +1106,7 @@
           <a:lstStyle/>
           <a:p>
             <a:r>
-              <a:rPr lang="de-DE" smtClean="0"/>
+              <a:rPr lang="de-DE"/>
               <a:t>Titelmasterformat durch Klicken bearbeiten</a:t>
             </a:r>
             <a:endParaRPr lang="de-CH"/>
@@ -1135,35 +1135,35 @@
           <a:p>
             <a:pPr lvl="0"/>
             <a:r>
-              <a:rPr lang="de-DE" smtClean="0"/>
+              <a:rPr lang="de-DE"/>
               <a:t>Formatvorlagen des Textmasters bearbeiten</a:t>
             </a:r>
           </a:p>
           <a:p>
             <a:pPr lvl="1"/>
             <a:r>
-              <a:rPr lang="de-DE" smtClean="0"/>
+              <a:rPr lang="de-DE"/>
               <a:t>Zweite Ebene</a:t>
             </a:r>
           </a:p>
           <a:p>
             <a:pPr lvl="2"/>
             <a:r>
-              <a:rPr lang="de-DE" smtClean="0"/>
+              <a:rPr lang="de-DE"/>
               <a:t>Dritte Ebene</a:t>
             </a:r>
           </a:p>
           <a:p>
             <a:pPr lvl="3"/>
             <a:r>
-              <a:rPr lang="de-DE" smtClean="0"/>
+              <a:rPr lang="de-DE"/>
               <a:t>Vierte Ebene</a:t>
             </a:r>
           </a:p>
           <a:p>
             <a:pPr lvl="4"/>
             <a:r>
-              <a:rPr lang="de-DE" smtClean="0"/>
+              <a:rPr lang="de-DE"/>
               <a:t>Fünfte Ebene</a:t>
             </a:r>
             <a:endParaRPr lang="de-CH"/>
@@ -1192,35 +1192,35 @@
           <a:p>
             <a:pPr lvl="0"/>
             <a:r>
-              <a:rPr lang="de-DE" smtClean="0"/>
+              <a:rPr lang="de-DE"/>
               <a:t>Formatvorlagen des Textmasters bearbeiten</a:t>
             </a:r>
           </a:p>
           <a:p>
             <a:pPr lvl="1"/>
             <a:r>
-              <a:rPr lang="de-DE" smtClean="0"/>
+              <a:rPr lang="de-DE"/>
               <a:t>Zweite Ebene</a:t>
             </a:r>
           </a:p>
           <a:p>
             <a:pPr lvl="2"/>
             <a:r>
-              <a:rPr lang="de-DE" smtClean="0"/>
+              <a:rPr lang="de-DE"/>
               <a:t>Dritte Ebene</a:t>
             </a:r>
           </a:p>
           <a:p>
             <a:pPr lvl="3"/>
             <a:r>
-              <a:rPr lang="de-DE" smtClean="0"/>
+              <a:rPr lang="de-DE"/>
               <a:t>Vierte Ebene</a:t>
             </a:r>
           </a:p>
           <a:p>
             <a:pPr lvl="4"/>
             <a:r>
-              <a:rPr lang="de-DE" smtClean="0"/>
+              <a:rPr lang="de-DE"/>
               <a:t>Fünfte Ebene</a:t>
             </a:r>
             <a:endParaRPr lang="de-CH"/>
@@ -1244,7 +1244,7 @@
           <a:p>
             <a:fld id="{CEE1A4D8-EFF7-4BF9-AC3C-4BFBCCD56EE7}" type="datetimeFigureOut">
               <a:rPr lang="de-CH" smtClean="0"/>
-              <a:t>30.01.2022</a:t>
+              <a:t>13.07.2024</a:t>
             </a:fld>
             <a:endParaRPr lang="de-CH"/>
           </a:p>
@@ -1343,7 +1343,7 @@
           <a:lstStyle/>
           <a:p>
             <a:r>
-              <a:rPr lang="de-DE" smtClean="0"/>
+              <a:rPr lang="de-DE"/>
               <a:t>Titelmasterformat durch Klicken bearbeiten</a:t>
             </a:r>
             <a:endParaRPr lang="de-CH"/>
@@ -1409,7 +1409,7 @@
           <a:p>
             <a:pPr lvl="0"/>
             <a:r>
-              <a:rPr lang="de-DE" smtClean="0"/>
+              <a:rPr lang="de-DE"/>
               <a:t>Formatvorlagen des Textmasters bearbeiten</a:t>
             </a:r>
           </a:p>
@@ -1437,35 +1437,35 @@
           <a:p>
             <a:pPr lvl="0"/>
             <a:r>
-              <a:rPr lang="de-DE" smtClean="0"/>
+              <a:rPr lang="de-DE"/>
               <a:t>Formatvorlagen des Textmasters bearbeiten</a:t>
             </a:r>
           </a:p>
           <a:p>
             <a:pPr lvl="1"/>
             <a:r>
-              <a:rPr lang="de-DE" smtClean="0"/>
+              <a:rPr lang="de-DE"/>
               <a:t>Zweite Ebene</a:t>
             </a:r>
           </a:p>
           <a:p>
             <a:pPr lvl="2"/>
             <a:r>
-              <a:rPr lang="de-DE" smtClean="0"/>
+              <a:rPr lang="de-DE"/>
               <a:t>Dritte Ebene</a:t>
             </a:r>
           </a:p>
           <a:p>
             <a:pPr lvl="3"/>
             <a:r>
-              <a:rPr lang="de-DE" smtClean="0"/>
+              <a:rPr lang="de-DE"/>
               <a:t>Vierte Ebene</a:t>
             </a:r>
           </a:p>
           <a:p>
             <a:pPr lvl="4"/>
             <a:r>
-              <a:rPr lang="de-DE" smtClean="0"/>
+              <a:rPr lang="de-DE"/>
               <a:t>Fünfte Ebene</a:t>
             </a:r>
             <a:endParaRPr lang="de-CH"/>
@@ -1531,7 +1531,7 @@
           <a:p>
             <a:pPr lvl="0"/>
             <a:r>
-              <a:rPr lang="de-DE" smtClean="0"/>
+              <a:rPr lang="de-DE"/>
               <a:t>Formatvorlagen des Textmasters bearbeiten</a:t>
             </a:r>
           </a:p>
@@ -1559,35 +1559,35 @@
           <a:p>
             <a:pPr lvl="0"/>
             <a:r>
-              <a:rPr lang="de-DE" smtClean="0"/>
+              <a:rPr lang="de-DE"/>
               <a:t>Formatvorlagen des Textmasters bearbeiten</a:t>
             </a:r>
           </a:p>
           <a:p>
             <a:pPr lvl="1"/>
             <a:r>
-              <a:rPr lang="de-DE" smtClean="0"/>
+              <a:rPr lang="de-DE"/>
               <a:t>Zweite Ebene</a:t>
             </a:r>
           </a:p>
           <a:p>
             <a:pPr lvl="2"/>
             <a:r>
-              <a:rPr lang="de-DE" smtClean="0"/>
+              <a:rPr lang="de-DE"/>
               <a:t>Dritte Ebene</a:t>
             </a:r>
           </a:p>
           <a:p>
             <a:pPr lvl="3"/>
             <a:r>
-              <a:rPr lang="de-DE" smtClean="0"/>
+              <a:rPr lang="de-DE"/>
               <a:t>Vierte Ebene</a:t>
             </a:r>
           </a:p>
           <a:p>
             <a:pPr lvl="4"/>
             <a:r>
-              <a:rPr lang="de-DE" smtClean="0"/>
+              <a:rPr lang="de-DE"/>
               <a:t>Fünfte Ebene</a:t>
             </a:r>
             <a:endParaRPr lang="de-CH"/>
@@ -1611,7 +1611,7 @@
           <a:p>
             <a:fld id="{CEE1A4D8-EFF7-4BF9-AC3C-4BFBCCD56EE7}" type="datetimeFigureOut">
               <a:rPr lang="de-CH" smtClean="0"/>
-              <a:t>30.01.2022</a:t>
+              <a:t>13.07.2024</a:t>
             </a:fld>
             <a:endParaRPr lang="de-CH"/>
           </a:p>
@@ -1705,7 +1705,7 @@
           <a:lstStyle/>
           <a:p>
             <a:r>
-              <a:rPr lang="de-DE" smtClean="0"/>
+              <a:rPr lang="de-DE"/>
               <a:t>Titelmasterformat durch Klicken bearbeiten</a:t>
             </a:r>
             <a:endParaRPr lang="de-CH"/>
@@ -1729,7 +1729,7 @@
           <a:p>
             <a:fld id="{CEE1A4D8-EFF7-4BF9-AC3C-4BFBCCD56EE7}" type="datetimeFigureOut">
               <a:rPr lang="de-CH" smtClean="0"/>
-              <a:t>30.01.2022</a:t>
+              <a:t>13.07.2024</a:t>
             </a:fld>
             <a:endParaRPr lang="de-CH"/>
           </a:p>
@@ -1824,7 +1824,7 @@
           <a:p>
             <a:fld id="{CEE1A4D8-EFF7-4BF9-AC3C-4BFBCCD56EE7}" type="datetimeFigureOut">
               <a:rPr lang="de-CH" smtClean="0"/>
-              <a:t>30.01.2022</a:t>
+              <a:t>13.07.2024</a:t>
             </a:fld>
             <a:endParaRPr lang="de-CH"/>
           </a:p>
@@ -1927,7 +1927,7 @@
           </a:lstStyle>
           <a:p>
             <a:r>
-              <a:rPr lang="de-DE" smtClean="0"/>
+              <a:rPr lang="de-DE"/>
               <a:t>Titelmasterformat durch Klicken bearbeiten</a:t>
             </a:r>
             <a:endParaRPr lang="de-CH"/>
@@ -1984,35 +1984,35 @@
           <a:p>
             <a:pPr lvl="0"/>
             <a:r>
-              <a:rPr lang="de-DE" smtClean="0"/>
+              <a:rPr lang="de-DE"/>
               <a:t>Formatvorlagen des Textmasters bearbeiten</a:t>
             </a:r>
           </a:p>
           <a:p>
             <a:pPr lvl="1"/>
             <a:r>
-              <a:rPr lang="de-DE" smtClean="0"/>
+              <a:rPr lang="de-DE"/>
               <a:t>Zweite Ebene</a:t>
             </a:r>
           </a:p>
           <a:p>
             <a:pPr lvl="2"/>
             <a:r>
-              <a:rPr lang="de-DE" smtClean="0"/>
+              <a:rPr lang="de-DE"/>
               <a:t>Dritte Ebene</a:t>
             </a:r>
           </a:p>
           <a:p>
             <a:pPr lvl="3"/>
             <a:r>
-              <a:rPr lang="de-DE" smtClean="0"/>
+              <a:rPr lang="de-DE"/>
               <a:t>Vierte Ebene</a:t>
             </a:r>
           </a:p>
           <a:p>
             <a:pPr lvl="4"/>
             <a:r>
-              <a:rPr lang="de-DE" smtClean="0"/>
+              <a:rPr lang="de-DE"/>
               <a:t>Fünfte Ebene</a:t>
             </a:r>
             <a:endParaRPr lang="de-CH"/>
@@ -2078,7 +2078,7 @@
           <a:p>
             <a:pPr lvl="0"/>
             <a:r>
-              <a:rPr lang="de-DE" smtClean="0"/>
+              <a:rPr lang="de-DE"/>
               <a:t>Formatvorlagen des Textmasters bearbeiten</a:t>
             </a:r>
           </a:p>
@@ -2101,7 +2101,7 @@
           <a:p>
             <a:fld id="{CEE1A4D8-EFF7-4BF9-AC3C-4BFBCCD56EE7}" type="datetimeFigureOut">
               <a:rPr lang="de-CH" smtClean="0"/>
-              <a:t>30.01.2022</a:t>
+              <a:t>13.07.2024</a:t>
             </a:fld>
             <a:endParaRPr lang="de-CH"/>
           </a:p>
@@ -2204,7 +2204,7 @@
           </a:lstStyle>
           <a:p>
             <a:r>
-              <a:rPr lang="de-DE" smtClean="0"/>
+              <a:rPr lang="de-DE"/>
               <a:t>Titelmasterformat durch Klicken bearbeiten</a:t>
             </a:r>
             <a:endParaRPr lang="de-CH"/>
@@ -2331,7 +2331,7 @@
           <a:p>
             <a:pPr lvl="0"/>
             <a:r>
-              <a:rPr lang="de-DE" smtClean="0"/>
+              <a:rPr lang="de-DE"/>
               <a:t>Formatvorlagen des Textmasters bearbeiten</a:t>
             </a:r>
           </a:p>
@@ -2354,7 +2354,7 @@
           <a:p>
             <a:fld id="{CEE1A4D8-EFF7-4BF9-AC3C-4BFBCCD56EE7}" type="datetimeFigureOut">
               <a:rPr lang="de-CH" smtClean="0"/>
-              <a:t>30.01.2022</a:t>
+              <a:t>13.07.2024</a:t>
             </a:fld>
             <a:endParaRPr lang="de-CH"/>
           </a:p>
@@ -2463,7 +2463,7 @@
           <a:lstStyle/>
           <a:p>
             <a:r>
-              <a:rPr lang="de-DE" smtClean="0"/>
+              <a:rPr lang="de-DE"/>
               <a:t>Titelmasterformat durch Klicken bearbeiten</a:t>
             </a:r>
             <a:endParaRPr lang="de-CH"/>
@@ -2497,35 +2497,35 @@
           <a:p>
             <a:pPr lvl="0"/>
             <a:r>
-              <a:rPr lang="de-DE" smtClean="0"/>
+              <a:rPr lang="de-DE"/>
               <a:t>Formatvorlagen des Textmasters bearbeiten</a:t>
             </a:r>
           </a:p>
           <a:p>
             <a:pPr lvl="1"/>
             <a:r>
-              <a:rPr lang="de-DE" smtClean="0"/>
+              <a:rPr lang="de-DE"/>
               <a:t>Zweite Ebene</a:t>
             </a:r>
           </a:p>
           <a:p>
             <a:pPr lvl="2"/>
             <a:r>
-              <a:rPr lang="de-DE" smtClean="0"/>
+              <a:rPr lang="de-DE"/>
               <a:t>Dritte Ebene</a:t>
             </a:r>
           </a:p>
           <a:p>
             <a:pPr lvl="3"/>
             <a:r>
-              <a:rPr lang="de-DE" smtClean="0"/>
+              <a:rPr lang="de-DE"/>
               <a:t>Vierte Ebene</a:t>
             </a:r>
           </a:p>
           <a:p>
             <a:pPr lvl="4"/>
             <a:r>
-              <a:rPr lang="de-DE" smtClean="0"/>
+              <a:rPr lang="de-DE"/>
               <a:t>Fünfte Ebene</a:t>
             </a:r>
             <a:endParaRPr lang="de-CH"/>
@@ -2567,7 +2567,7 @@
           <a:p>
             <a:fld id="{CEE1A4D8-EFF7-4BF9-AC3C-4BFBCCD56EE7}" type="datetimeFigureOut">
               <a:rPr lang="de-CH" smtClean="0"/>
-              <a:t>30.01.2022</a:t>
+              <a:t>13.07.2024</a:t>
             </a:fld>
             <a:endParaRPr lang="de-CH"/>
           </a:p>
@@ -2995,10 +2995,9 @@
           <a:lstStyle/>
           <a:p>
             <a:r>
-              <a:rPr lang="de-CH" dirty="0" smtClean="0"/>
+              <a:rPr lang="de-CH" dirty="0"/>
               <a:t>Shape</a:t>
             </a:r>
-            <a:endParaRPr lang="de-CH" dirty="0"/>
           </a:p>
         </p:txBody>
       </p:sp>
@@ -3064,10 +3063,9 @@
           <a:lstStyle/>
           <a:p>
             <a:r>
-              <a:rPr lang="de-CH" i="1" dirty="0" smtClean="0"/>
+              <a:rPr lang="de-CH" i="1" dirty="0"/>
               <a:t>DATA</a:t>
             </a:r>
-            <a:endParaRPr lang="de-CH" i="1" dirty="0"/>
           </a:p>
         </p:txBody>
       </p:sp>
@@ -3118,7 +3116,7 @@
           <a:lstStyle/>
           <a:p>
             <a:r>
-              <a:rPr lang="de-CH" dirty="0" err="1" smtClean="0"/>
+              <a:rPr lang="de-CH" dirty="0" err="1"/>
               <a:t>Geopackage</a:t>
             </a:r>
             <a:endParaRPr lang="de-CH" dirty="0"/>
@@ -3148,10 +3146,9 @@
           <a:lstStyle/>
           <a:p>
             <a:r>
-              <a:rPr lang="de-CH" dirty="0" smtClean="0"/>
+              <a:rPr lang="de-CH" dirty="0"/>
               <a:t>File-GDB</a:t>
             </a:r>
-            <a:endParaRPr lang="de-CH" dirty="0"/>
           </a:p>
         </p:txBody>
       </p:sp>
@@ -3217,7 +3214,7 @@
           <a:lstStyle/>
           <a:p>
             <a:r>
-              <a:rPr lang="de-CH" dirty="0" err="1" smtClean="0"/>
+              <a:rPr lang="de-CH" dirty="0" err="1"/>
               <a:t>DataSource</a:t>
             </a:r>
             <a:endParaRPr lang="de-CH" dirty="0"/>
@@ -3261,22 +3258,22 @@
           <a:p>
             <a:pPr algn="ctr"/>
             <a:r>
-              <a:rPr lang="de-CH" dirty="0" err="1" smtClean="0"/>
+              <a:rPr lang="de-CH" dirty="0" err="1"/>
               <a:t>DataAccessor</a:t>
             </a:r>
-            <a:endParaRPr lang="de-CH" dirty="0" smtClean="0"/>
+            <a:endParaRPr lang="de-CH" dirty="0"/>
           </a:p>
           <a:p>
             <a:pPr algn="ctr"/>
             <a:r>
-              <a:rPr lang="de-CH" sz="800" dirty="0" smtClean="0"/>
+              <a:rPr lang="de-CH" sz="800" dirty="0"/>
               <a:t>SQL, </a:t>
             </a:r>
             <a:r>
-              <a:rPr lang="de-CH" sz="800" dirty="0" err="1" smtClean="0"/>
+              <a:rPr lang="de-CH" sz="800" dirty="0" err="1"/>
               <a:t>Metadata</a:t>
             </a:r>
-            <a:endParaRPr lang="de-CH" sz="800" dirty="0" smtClean="0"/>
+            <a:endParaRPr lang="de-CH" sz="800" dirty="0"/>
           </a:p>
         </p:txBody>
       </p:sp>
@@ -3303,14 +3300,13 @@
           <a:lstStyle/>
           <a:p>
             <a:r>
-              <a:rPr lang="de-CH" dirty="0" err="1" smtClean="0"/>
+              <a:rPr lang="de-CH" dirty="0" err="1"/>
               <a:t>DataSource</a:t>
             </a:r>
             <a:r>
-              <a:rPr lang="de-CH" dirty="0" smtClean="0"/>
+              <a:rPr lang="de-CH" dirty="0"/>
               <a:t> &amp; Info</a:t>
             </a:r>
-            <a:endParaRPr lang="de-CH" dirty="0"/>
           </a:p>
         </p:txBody>
       </p:sp>
@@ -3351,10 +3347,10 @@
           <a:p>
             <a:pPr algn="ctr"/>
             <a:r>
-              <a:rPr lang="de-CH" dirty="0" err="1" smtClean="0"/>
+              <a:rPr lang="de-CH" dirty="0" err="1"/>
               <a:t>LayerAccessor</a:t>
             </a:r>
-            <a:endParaRPr lang="de-CH" dirty="0" smtClean="0"/>
+            <a:endParaRPr lang="de-CH" dirty="0"/>
           </a:p>
         </p:txBody>
       </p:sp>
@@ -3396,18 +3392,17 @@
           <a:lstStyle/>
           <a:p>
             <a:r>
-              <a:rPr lang="de-CH" dirty="0" smtClean="0"/>
+              <a:rPr lang="de-CH" dirty="0"/>
               <a:t>Layer (</a:t>
             </a:r>
             <a:r>
-              <a:rPr lang="de-CH" dirty="0" err="1" smtClean="0"/>
+              <a:rPr lang="de-CH" dirty="0" err="1"/>
               <a:t>Vector</a:t>
             </a:r>
             <a:r>
-              <a:rPr lang="de-CH" dirty="0" smtClean="0"/>
+              <a:rPr lang="de-CH" dirty="0"/>
               <a:t>)</a:t>
             </a:r>
-            <a:endParaRPr lang="de-CH" dirty="0"/>
           </a:p>
         </p:txBody>
       </p:sp>
@@ -3434,10 +3429,9 @@
           <a:lstStyle/>
           <a:p>
             <a:r>
-              <a:rPr lang="de-CH" dirty="0" smtClean="0"/>
+              <a:rPr lang="de-CH" dirty="0"/>
               <a:t>Layer</a:t>
             </a:r>
-            <a:endParaRPr lang="de-CH" dirty="0"/>
           </a:p>
         </p:txBody>
       </p:sp>
@@ -3479,7 +3473,7 @@
           <a:lstStyle/>
           <a:p>
             <a:r>
-              <a:rPr lang="de-CH" dirty="0" err="1" smtClean="0"/>
+              <a:rPr lang="de-CH" dirty="0" err="1"/>
               <a:t>Geometry</a:t>
             </a:r>
             <a:endParaRPr lang="de-CH" dirty="0"/>
@@ -3527,17 +3521,16 @@
           </a:lstStyle>
           <a:p>
             <a:r>
-              <a:rPr lang="de-CH" dirty="0" err="1" smtClean="0"/>
+              <a:rPr lang="de-CH" dirty="0" err="1"/>
               <a:t>GeoProcessor</a:t>
             </a:r>
-            <a:endParaRPr lang="de-CH" dirty="0" smtClean="0"/>
-          </a:p>
-          <a:p>
-            <a:r>
-              <a:rPr lang="de-CH" sz="800" dirty="0" smtClean="0"/>
+            <a:endParaRPr lang="de-CH" dirty="0"/>
+          </a:p>
+          <a:p>
+            <a:r>
+              <a:rPr lang="de-CH" sz="800" dirty="0"/>
               <a:t>( &gt; 1 Layer)</a:t>
             </a:r>
-            <a:endParaRPr lang="de-CH" sz="800" dirty="0"/>
           </a:p>
         </p:txBody>
       </p:sp>
@@ -3627,14 +3620,13 @@
           <a:lstStyle/>
           <a:p>
             <a:r>
-              <a:rPr lang="de-CH" dirty="0" err="1" smtClean="0"/>
+              <a:rPr lang="de-CH" dirty="0" err="1"/>
               <a:t>FileGdb</a:t>
             </a:r>
             <a:r>
-              <a:rPr lang="de-CH" dirty="0" smtClean="0"/>
+              <a:rPr lang="de-CH" dirty="0"/>
               <a:t>-API</a:t>
             </a:r>
-            <a:endParaRPr lang="de-CH" dirty="0"/>
           </a:p>
         </p:txBody>
       </p:sp>
@@ -3679,49 +3671,36 @@
           </a:lstStyle>
           <a:p>
             <a:r>
-              <a:rPr lang="de-CH" dirty="0" err="1" smtClean="0"/>
-              <a:t>Layer</a:t>
-            </a:r>
-            <a:r>
               <a:rPr lang="de-CH" dirty="0" err="1"/>
-              <a:t>P</a:t>
-            </a:r>
-            <a:r>
-              <a:rPr lang="de-CH" dirty="0" err="1" smtClean="0"/>
-              <a:t>rocessor</a:t>
-            </a:r>
-            <a:endParaRPr lang="de-CH" dirty="0" smtClean="0"/>
-          </a:p>
-          <a:p>
-            <a:r>
-              <a:rPr lang="de-CH" sz="800" dirty="0" err="1" smtClean="0"/>
+              <a:t>LayerProcessor</a:t>
+            </a:r>
+            <a:endParaRPr lang="de-CH" dirty="0"/>
+          </a:p>
+          <a:p>
+            <a:r>
+              <a:rPr lang="de-CH" sz="800" dirty="0" err="1"/>
               <a:t>One</a:t>
             </a:r>
             <a:r>
-              <a:rPr lang="de-CH" sz="800" dirty="0" smtClean="0"/>
-              <a:t> Layer: </a:t>
-            </a:r>
-            <a:r>
-              <a:rPr lang="de-CH" sz="800" dirty="0" smtClean="0"/>
-              <a:t>Filter, </a:t>
-            </a:r>
-            <a:r>
-              <a:rPr lang="de-CH" sz="800" dirty="0" err="1" smtClean="0"/>
+              <a:rPr lang="de-CH" sz="800" dirty="0"/>
+              <a:t> Layer: Filter, </a:t>
+            </a:r>
+            <a:r>
+              <a:rPr lang="de-CH" sz="800" dirty="0" err="1"/>
               <a:t>GeoValidation</a:t>
             </a:r>
             <a:r>
-              <a:rPr lang="de-CH" sz="800" dirty="0" smtClean="0"/>
+              <a:rPr lang="de-CH" sz="800" dirty="0"/>
               <a:t>, </a:t>
             </a:r>
             <a:r>
-              <a:rPr lang="de-CH" sz="800" dirty="0" err="1" smtClean="0"/>
+              <a:rPr lang="de-CH" sz="800" dirty="0" err="1"/>
               <a:t>Dissolve</a:t>
             </a:r>
             <a:r>
-              <a:rPr lang="de-CH" sz="800" dirty="0" smtClean="0"/>
+              <a:rPr lang="de-CH" sz="800" dirty="0"/>
               <a:t>, CRUD - Attributes</a:t>
             </a:r>
-            <a:endParaRPr lang="de-CH" sz="800" dirty="0"/>
           </a:p>
         </p:txBody>
       </p:sp>
@@ -3766,10 +3745,10 @@
           </a:lstStyle>
           <a:p>
             <a:r>
-              <a:rPr lang="de-CH" dirty="0" err="1" smtClean="0"/>
+              <a:rPr lang="de-CH" dirty="0" err="1"/>
               <a:t>GeometryProcessor</a:t>
             </a:r>
-            <a:endParaRPr lang="de-CH" dirty="0" smtClean="0"/>
+            <a:endParaRPr lang="de-CH" dirty="0"/>
           </a:p>
         </p:txBody>
       </p:sp>
@@ -3811,10 +3790,9 @@
           <a:lstStyle/>
           <a:p>
             <a:r>
-              <a:rPr lang="de-CH" dirty="0" smtClean="0"/>
+              <a:rPr lang="de-CH" dirty="0"/>
               <a:t>Feature</a:t>
             </a:r>
-            <a:endParaRPr lang="de-CH" dirty="0"/>
           </a:p>
         </p:txBody>
       </p:sp>
@@ -3859,22 +3837,18 @@
           </a:lstStyle>
           <a:p>
             <a:r>
-              <a:rPr lang="de-CH" dirty="0" err="1" smtClean="0"/>
+              <a:rPr lang="de-CH" dirty="0" err="1"/>
               <a:t>FeatureProcessor</a:t>
             </a:r>
-            <a:endParaRPr lang="de-CH" dirty="0" smtClean="0"/>
+            <a:endParaRPr lang="de-CH" dirty="0"/>
           </a:p>
           <a:p>
             <a:r>
               <a:rPr lang="de-CH" sz="800" dirty="0"/>
-              <a:t>CRUD </a:t>
-            </a:r>
-            <a:r>
-              <a:rPr lang="de-CH" sz="800" dirty="0" smtClean="0"/>
-              <a:t>– </a:t>
-            </a:r>
-            <a:r>
-              <a:rPr lang="de-CH" sz="800" smtClean="0"/>
+              <a:t>CRUD – </a:t>
+            </a:r>
+            <a:r>
+              <a:rPr lang="de-CH" sz="800"/>
               <a:t>Attribute Content</a:t>
             </a:r>
             <a:endParaRPr lang="de-CH" sz="800" dirty="0"/>
@@ -3919,10 +3893,9 @@
           <a:lstStyle/>
           <a:p>
             <a:r>
-              <a:rPr lang="de-CH" dirty="0" smtClean="0"/>
+              <a:rPr lang="de-CH" dirty="0"/>
               <a:t>Field</a:t>
             </a:r>
-            <a:endParaRPr lang="de-CH" dirty="0"/>
           </a:p>
         </p:txBody>
       </p:sp>
@@ -3965,14 +3938,14 @@
           <p:nvPr>
             <p:extLst>
               <p:ext uri="{D42A27DB-BD31-4B8C-83A1-F6EECF244321}">
-                <p14:modId xmlns:p14="http://schemas.microsoft.com/office/powerpoint/2010/main" val="2038237660"/>
+                <p14:modId xmlns:p14="http://schemas.microsoft.com/office/powerpoint/2010/main" val="3606899825"/>
               </p:ext>
             </p:extLst>
           </p:nvPr>
         </p:nvGraphicFramePr>
         <p:xfrm>
           <a:off x="2786744" y="688300"/>
-          <a:ext cx="4180113" cy="1744678"/>
+          <a:ext cx="4236356" cy="1744678"/>
         </p:xfrm>
         <a:graphic>
           <a:graphicData uri="http://schemas.openxmlformats.org/drawingml/2006/table">
@@ -3981,28 +3954,28 @@
                 <a:tableStyleId>{5C22544A-7EE6-4342-B048-85BDC9FD1C3A}</a:tableStyleId>
               </a:tblPr>
               <a:tblGrid>
-                <a:gridCol w="792479">
+                <a:gridCol w="737506">
                   <a:extLst>
                     <a:ext uri="{9D8B030D-6E8A-4147-A177-3AD203B41FA5}">
                       <a16:colId xmlns:a16="http://schemas.microsoft.com/office/drawing/2014/main" val="2128285972"/>
                     </a:ext>
                   </a:extLst>
                 </a:gridCol>
-                <a:gridCol w="1254034">
+                <a:gridCol w="1206500">
                   <a:extLst>
                     <a:ext uri="{9D8B030D-6E8A-4147-A177-3AD203B41FA5}">
                       <a16:colId xmlns:a16="http://schemas.microsoft.com/office/drawing/2014/main" val="3794734093"/>
                     </a:ext>
                   </a:extLst>
                 </a:gridCol>
-                <a:gridCol w="1166949">
+                <a:gridCol w="1149350">
                   <a:extLst>
                     <a:ext uri="{9D8B030D-6E8A-4147-A177-3AD203B41FA5}">
                       <a16:colId xmlns:a16="http://schemas.microsoft.com/office/drawing/2014/main" val="3320659036"/>
                     </a:ext>
                   </a:extLst>
                 </a:gridCol>
-                <a:gridCol w="966651">
+                <a:gridCol w="1143000">
                   <a:extLst>
                     <a:ext uri="{9D8B030D-6E8A-4147-A177-3AD203B41FA5}">
                       <a16:colId xmlns:a16="http://schemas.microsoft.com/office/drawing/2014/main" val="612775866"/>
@@ -4028,10 +4001,9 @@
                     <a:p>
                       <a:pPr algn="ctr"/>
                       <a:r>
-                        <a:rPr lang="de-CH" dirty="0" smtClean="0"/>
+                        <a:rPr lang="de-CH" dirty="0"/>
                         <a:t>SHP</a:t>
                       </a:r>
-                      <a:endParaRPr lang="de-CH" dirty="0"/>
                     </a:p>
                   </a:txBody>
                   <a:tcPr/>
@@ -4043,10 +4015,9 @@
                     <a:p>
                       <a:pPr algn="ctr"/>
                       <a:r>
-                        <a:rPr lang="de-CH" dirty="0" smtClean="0"/>
+                        <a:rPr lang="de-CH" dirty="0"/>
                         <a:t>GPKG</a:t>
                       </a:r>
-                      <a:endParaRPr lang="de-CH" dirty="0"/>
                     </a:p>
                   </a:txBody>
                   <a:tcPr/>
@@ -4058,10 +4029,9 @@
                     <a:p>
                       <a:pPr algn="ctr"/>
                       <a:r>
-                        <a:rPr lang="de-CH" dirty="0" smtClean="0"/>
+                        <a:rPr lang="de-CH" dirty="0"/>
                         <a:t>FGDB</a:t>
                       </a:r>
-                      <a:endParaRPr lang="de-CH" dirty="0"/>
                     </a:p>
                   </a:txBody>
                   <a:tcPr/>
@@ -4079,10 +4049,9 @@
                     <a:lstStyle/>
                     <a:p>
                       <a:r>
-                        <a:rPr lang="de-CH" dirty="0" smtClean="0"/>
+                        <a:rPr lang="de-CH" dirty="0"/>
                         <a:t>SHP</a:t>
                       </a:r>
-                      <a:endParaRPr lang="de-CH" dirty="0"/>
                     </a:p>
                   </a:txBody>
                   <a:tcPr/>
@@ -4110,7 +4079,7 @@
                         <a:defRPr/>
                       </a:pPr>
                       <a:r>
-                        <a:rPr kumimoji="0" lang="de-CH" sz="1000" b="0" i="0" u="none" strike="noStrike" kern="1200" cap="none" spc="0" normalizeH="0" baseline="0" dirty="0" err="1" smtClean="0">
+                        <a:rPr kumimoji="0" lang="de-CH" sz="1000" b="0" i="0" u="none" strike="noStrike" kern="1200" cap="none" spc="0" normalizeH="0" baseline="0" dirty="0" err="1">
                           <a:ln>
                             <a:noFill/>
                           </a:ln>
@@ -4126,7 +4095,7 @@
                         </a:rPr>
                         <a:t>CreateDatasource</a:t>
                       </a:r>
-                      <a:endParaRPr kumimoji="0" lang="de-CH" sz="1000" b="0" i="0" u="none" strike="noStrike" kern="1200" cap="none" spc="0" normalizeH="0" baseline="0" dirty="0" smtClean="0">
+                      <a:endParaRPr kumimoji="0" lang="de-CH" sz="1000" b="0" i="0" u="none" strike="noStrike" kern="1200" cap="none" spc="0" normalizeH="0" baseline="0" dirty="0">
                         <a:ln>
                           <a:noFill/>
                         </a:ln>
@@ -4144,7 +4113,7 @@
                     <a:p>
                       <a:pPr algn="ctr"/>
                       <a:r>
-                        <a:rPr lang="de-CH" sz="1400" dirty="0" err="1" smtClean="0"/>
+                        <a:rPr lang="de-CH" sz="1400" dirty="0" err="1"/>
                         <a:t>CopyLayer</a:t>
                       </a:r>
                       <a:endParaRPr lang="de-CH" sz="1400" dirty="0"/>
@@ -4155,61 +4124,6 @@
                       <a:srgbClr val="92D050"/>
                     </a:solidFill>
                   </a:tcPr>
-                </a:tc>
-                <a:tc>
-                  <a:txBody>
-                    <a:bodyPr/>
-                    <a:lstStyle/>
-                    <a:p>
-                      <a:pPr algn="ctr"/>
-                      <a:r>
-                        <a:rPr lang="de-CH" sz="1400" dirty="0" err="1" smtClean="0"/>
-                        <a:t>CopyLayer</a:t>
-                      </a:r>
-                      <a:endParaRPr lang="de-CH" sz="1400" dirty="0"/>
-                    </a:p>
-                  </a:txBody>
-                  <a:tcPr>
-                    <a:solidFill>
-                      <a:srgbClr val="92D050"/>
-                    </a:solidFill>
-                  </a:tcPr>
-                </a:tc>
-                <a:tc>
-                  <a:txBody>
-                    <a:bodyPr/>
-                    <a:lstStyle/>
-                    <a:p>
-                      <a:pPr algn="ctr"/>
-                      <a:r>
-                        <a:rPr lang="de-CH" sz="1000" dirty="0" err="1" smtClean="0"/>
-                        <a:t>NotSupported</a:t>
-                      </a:r>
-                      <a:endParaRPr lang="de-CH" sz="1000" dirty="0"/>
-                    </a:p>
-                  </a:txBody>
-                  <a:tcPr/>
-                </a:tc>
-                <a:extLst>
-                  <a:ext uri="{0D108BD9-81ED-4DB2-BD59-A6C34878D82A}">
-                    <a16:rowId xmlns:a16="http://schemas.microsoft.com/office/drawing/2014/main" val="2398075966"/>
-                  </a:ext>
-                </a:extLst>
-              </a:tr>
-              <a:tr h="373078">
-                <a:tc>
-                  <a:txBody>
-                    <a:bodyPr/>
-                    <a:lstStyle/>
-                    <a:p>
-                      <a:r>
-                        <a:rPr lang="de-CH" dirty="0" smtClean="0"/>
-                        <a:t>GPKG</a:t>
-                      </a:r>
-                      <a:endParaRPr lang="de-CH" dirty="0"/>
-                    </a:p>
-                  </a:txBody>
-                  <a:tcPr/>
                 </a:tc>
                 <a:tc>
                   <a:txBody>
@@ -4234,7 +4148,7 @@
                         <a:defRPr/>
                       </a:pPr>
                       <a:r>
-                        <a:rPr kumimoji="0" lang="de-CH" sz="1000" b="0" i="0" u="none" strike="noStrike" kern="1200" cap="none" spc="0" normalizeH="0" baseline="0" dirty="0" err="1" smtClean="0">
+                        <a:rPr kumimoji="0" lang="de-CH" sz="1000" b="0" i="0" u="none" strike="noStrike" kern="1200" cap="none" spc="0" normalizeH="0" baseline="0" dirty="0" err="1">
                           <a:ln>
                             <a:noFill/>
                           </a:ln>
@@ -4250,7 +4164,7 @@
                         </a:rPr>
                         <a:t>CreateDatasource</a:t>
                       </a:r>
-                      <a:endParaRPr kumimoji="0" lang="de-CH" sz="1000" b="0" i="0" u="none" strike="noStrike" kern="1200" cap="none" spc="0" normalizeH="0" baseline="0" dirty="0" smtClean="0">
+                      <a:endParaRPr kumimoji="0" lang="de-CH" sz="1000" b="0" i="0" u="none" strike="noStrike" kern="1200" cap="none" spc="0" normalizeH="0" baseline="0" dirty="0">
                         <a:ln>
                           <a:noFill/>
                         </a:ln>
@@ -4268,94 +4182,10 @@
                     <a:p>
                       <a:pPr algn="ctr"/>
                       <a:r>
-                        <a:rPr lang="de-CH" sz="1400" dirty="0" err="1" smtClean="0"/>
+                        <a:rPr lang="de-CH" sz="1400" dirty="0" err="1"/>
                         <a:t>CopyLayer</a:t>
                       </a:r>
-                      <a:endParaRPr lang="de-CH" sz="1400" dirty="0" smtClean="0"/>
-                    </a:p>
-                  </a:txBody>
-                  <a:tcPr>
-                    <a:solidFill>
-                      <a:srgbClr val="92D050"/>
-                    </a:solidFill>
-                  </a:tcPr>
-                </a:tc>
-                <a:tc>
-                  <a:txBody>
-                    <a:bodyPr/>
-                    <a:lstStyle/>
-                    <a:p>
-                      <a:pPr marL="0" algn="ctr" defTabSz="914400" rtl="0" eaLnBrk="1" latinLnBrk="0" hangingPunct="1"/>
-                      <a:r>
-                        <a:rPr kumimoji="0" lang="de-CH" sz="1000" b="0" i="0" u="none" strike="noStrike" kern="1200" cap="none" spc="0" normalizeH="0" baseline="0" dirty="0" smtClean="0">
-                          <a:ln>
-                            <a:noFill/>
-                          </a:ln>
-                          <a:solidFill>
-                            <a:prstClr val="black"/>
-                          </a:solidFill>
-                          <a:effectLst/>
-                          <a:uLnTx/>
-                          <a:uFillTx/>
-                          <a:latin typeface="+mn-lt"/>
-                          <a:ea typeface="+mn-ea"/>
-                          <a:cs typeface="+mn-cs"/>
-                        </a:rPr>
-                        <a:t>Internal / </a:t>
-                      </a:r>
-                      <a:r>
-                        <a:rPr kumimoji="0" lang="de-CH" sz="1000" b="0" i="0" u="none" strike="noStrike" kern="1200" cap="none" spc="0" normalizeH="0" baseline="0" dirty="0" err="1" smtClean="0">
-                          <a:ln>
-                            <a:noFill/>
-                          </a:ln>
-                          <a:solidFill>
-                            <a:prstClr val="black"/>
-                          </a:solidFill>
-                          <a:effectLst/>
-                          <a:uLnTx/>
-                          <a:uFillTx/>
-                          <a:latin typeface="+mn-lt"/>
-                          <a:ea typeface="+mn-ea"/>
-                          <a:cs typeface="+mn-cs"/>
-                        </a:rPr>
-                        <a:t>External</a:t>
-                      </a:r>
-                      <a:endParaRPr kumimoji="0" lang="de-CH" sz="1000" b="0" i="0" u="none" strike="noStrike" kern="1200" cap="none" spc="0" normalizeH="0" baseline="0" dirty="0" smtClean="0">
-                        <a:ln>
-                          <a:noFill/>
-                        </a:ln>
-                        <a:solidFill>
-                          <a:prstClr val="black"/>
-                        </a:solidFill>
-                        <a:effectLst/>
-                        <a:uLnTx/>
-                        <a:uFillTx/>
-                        <a:latin typeface="+mn-lt"/>
-                        <a:ea typeface="+mn-ea"/>
-                        <a:cs typeface="+mn-cs"/>
-                      </a:endParaRPr>
-                    </a:p>
-                    <a:p>
-                      <a:pPr marL="0" algn="ctr" defTabSz="914400" rtl="0" eaLnBrk="1" latinLnBrk="0" hangingPunct="1"/>
-                      <a:r>
-                        <a:rPr lang="de-CH" sz="1400" kern="1200" dirty="0" err="1" smtClean="0">
-                          <a:solidFill>
-                            <a:schemeClr val="dk1"/>
-                          </a:solidFill>
-                          <a:latin typeface="+mn-lt"/>
-                          <a:ea typeface="+mn-ea"/>
-                          <a:cs typeface="+mn-cs"/>
-                        </a:rPr>
-                        <a:t>CopyLayer</a:t>
-                      </a:r>
-                      <a:endParaRPr lang="de-CH" sz="1400" kern="1200" dirty="0">
-                        <a:solidFill>
-                          <a:schemeClr val="dk1"/>
-                        </a:solidFill>
-                        <a:latin typeface="+mn-lt"/>
-                        <a:ea typeface="+mn-ea"/>
-                        <a:cs typeface="+mn-cs"/>
-                      </a:endParaRPr>
+                      <a:endParaRPr lang="de-CH" sz="1400" dirty="0"/>
                     </a:p>
                   </a:txBody>
                   <a:tcPr>
@@ -4387,7 +4217,7 @@
                         <a:defRPr/>
                       </a:pPr>
                       <a:r>
-                        <a:rPr kumimoji="0" lang="de-CH" sz="1000" b="0" i="0" u="none" strike="noStrike" kern="1200" cap="none" spc="0" normalizeH="0" baseline="0" noProof="0" dirty="0" err="1" smtClean="0">
+                        <a:rPr kumimoji="0" lang="de-CH" sz="1000" b="0" i="0" u="none" strike="noStrike" kern="1200" cap="none" spc="0" normalizeH="0" baseline="0" dirty="0" err="1">
                           <a:ln>
                             <a:noFill/>
                           </a:ln>
@@ -4401,9 +4231,9 @@
                           <a:ea typeface="+mn-ea"/>
                           <a:cs typeface="+mn-cs"/>
                         </a:rPr>
-                        <a:t>NotSupported</a:t>
-                      </a:r>
-                      <a:endParaRPr kumimoji="0" lang="de-CH" sz="1000" b="0" i="0" u="none" strike="noStrike" kern="1200" cap="none" spc="0" normalizeH="0" baseline="0" noProof="0" dirty="0">
+                        <a:t>CreateDatasource</a:t>
+                      </a:r>
+                      <a:endParaRPr kumimoji="0" lang="de-CH" sz="1000" b="0" i="0" u="none" strike="noStrike" kern="1200" cap="none" spc="0" normalizeH="0" baseline="0" dirty="0">
                         <a:ln>
                           <a:noFill/>
                         </a:ln>
@@ -4418,12 +4248,24 @@
                         <a:cs typeface="+mn-cs"/>
                       </a:endParaRPr>
                     </a:p>
-                  </a:txBody>
-                  <a:tcPr/>
+                    <a:p>
+                      <a:pPr algn="ctr"/>
+                      <a:r>
+                        <a:rPr lang="de-CH" sz="1400" dirty="0" err="1"/>
+                        <a:t>CopyLayer</a:t>
+                      </a:r>
+                      <a:endParaRPr lang="de-CH" sz="1400" dirty="0"/>
+                    </a:p>
+                  </a:txBody>
+                  <a:tcPr>
+                    <a:solidFill>
+                      <a:srgbClr val="92D050"/>
+                    </a:solidFill>
+                  </a:tcPr>
                 </a:tc>
                 <a:extLst>
                   <a:ext uri="{0D108BD9-81ED-4DB2-BD59-A6C34878D82A}">
-                    <a16:rowId xmlns:a16="http://schemas.microsoft.com/office/drawing/2014/main" val="1702255637"/>
+                    <a16:rowId xmlns:a16="http://schemas.microsoft.com/office/drawing/2014/main" val="2398075966"/>
                   </a:ext>
                 </a:extLst>
               </a:tr>
@@ -4434,10 +4276,9 @@
                     <a:lstStyle/>
                     <a:p>
                       <a:r>
-                        <a:rPr lang="de-CH" dirty="0" smtClean="0"/>
-                        <a:t>FGDB</a:t>
-                      </a:r>
-                      <a:endParaRPr lang="de-CH" dirty="0"/>
+                        <a:rPr lang="de-CH" dirty="0"/>
+                        <a:t>GPKG</a:t>
+                      </a:r>
                     </a:p>
                   </a:txBody>
                   <a:tcPr/>
@@ -4465,7 +4306,7 @@
                         <a:defRPr/>
                       </a:pPr>
                       <a:r>
-                        <a:rPr kumimoji="0" lang="de-CH" sz="1000" b="0" i="0" u="none" strike="noStrike" kern="1200" cap="none" spc="0" normalizeH="0" baseline="0" dirty="0" err="1" smtClean="0">
+                        <a:rPr kumimoji="0" lang="de-CH" sz="1000" b="0" i="0" u="none" strike="noStrike" kern="1200" cap="none" spc="0" normalizeH="0" baseline="0" dirty="0" err="1">
                           <a:ln>
                             <a:noFill/>
                           </a:ln>
@@ -4481,7 +4322,7 @@
                         </a:rPr>
                         <a:t>CreateDatasource</a:t>
                       </a:r>
-                      <a:endParaRPr kumimoji="0" lang="de-CH" sz="1000" b="0" i="0" u="none" strike="noStrike" kern="1200" cap="none" spc="0" normalizeH="0" baseline="0" dirty="0" smtClean="0">
+                      <a:endParaRPr kumimoji="0" lang="de-CH" sz="1000" b="0" i="0" u="none" strike="noStrike" kern="1200" cap="none" spc="0" normalizeH="0" baseline="0" dirty="0">
                         <a:ln>
                           <a:noFill/>
                         </a:ln>
@@ -4499,10 +4340,18 @@
                     <a:p>
                       <a:pPr algn="ctr"/>
                       <a:r>
-                        <a:rPr lang="de-CH" sz="1400" dirty="0" err="1" smtClean="0"/>
+                        <a:rPr lang="de-CH" sz="1400" dirty="0" err="1">
+                          <a:solidFill>
+                            <a:srgbClr val="FF0000"/>
+                          </a:solidFill>
+                        </a:rPr>
                         <a:t>CopyLayer</a:t>
                       </a:r>
-                      <a:endParaRPr lang="de-CH" sz="1400" dirty="0" smtClean="0"/>
+                      <a:endParaRPr lang="de-CH" sz="1400" dirty="0">
+                        <a:solidFill>
+                          <a:srgbClr val="FF0000"/>
+                        </a:solidFill>
+                      </a:endParaRPr>
                     </a:p>
                   </a:txBody>
                   <a:tcPr>
@@ -4518,7 +4367,27 @@
                     <a:p>
                       <a:pPr marL="0" algn="ctr" defTabSz="914400" rtl="0" eaLnBrk="1" latinLnBrk="0" hangingPunct="1"/>
                       <a:r>
-                        <a:rPr lang="de-CH" sz="1400" kern="1200" dirty="0" err="1" smtClean="0">
+                        <a:rPr kumimoji="0" lang="de-CH" sz="1000" b="0" i="0" u="none" strike="noStrike" kern="1200" cap="none" spc="0" normalizeH="0" baseline="0" dirty="0">
+                          <a:ln>
+                            <a:noFill/>
+                          </a:ln>
+                          <a:solidFill>
+                            <a:srgbClr val="FF0000"/>
+                          </a:solidFill>
+                          <a:effectLst/>
+                          <a:uLnTx/>
+                          <a:uFillTx/>
+                          <a:latin typeface="+mn-lt"/>
+                          <a:ea typeface="+mn-ea"/>
+                          <a:cs typeface="+mn-cs"/>
+                        </a:rPr>
+                        <a:t>Internal / External</a:t>
+                      </a:r>
+                    </a:p>
+                    <a:p>
+                      <a:pPr marL="0" algn="ctr" defTabSz="914400" rtl="0" eaLnBrk="1" latinLnBrk="0" hangingPunct="1"/>
+                      <a:r>
+                        <a:rPr lang="de-CH" sz="1400" kern="1200" dirty="0" err="1">
                           <a:solidFill>
                             <a:schemeClr val="dk1"/>
                           </a:solidFill>
@@ -4567,7 +4436,7 @@
                         <a:defRPr/>
                       </a:pPr>
                       <a:r>
-                        <a:rPr kumimoji="0" lang="de-CH" sz="1000" b="0" i="0" u="none" strike="noStrike" kern="1200" cap="none" spc="0" normalizeH="0" baseline="0" noProof="0" dirty="0" err="1" smtClean="0">
+                        <a:rPr kumimoji="0" lang="de-CH" sz="1000" b="0" i="0" u="none" strike="noStrike" kern="1200" cap="none" spc="0" normalizeH="0" baseline="0" dirty="0" err="1">
                           <a:ln>
                             <a:noFill/>
                           </a:ln>
@@ -4581,9 +4450,9 @@
                           <a:ea typeface="+mn-ea"/>
                           <a:cs typeface="+mn-cs"/>
                         </a:rPr>
-                        <a:t>NotSupported</a:t>
-                      </a:r>
-                      <a:endParaRPr kumimoji="0" lang="de-CH" sz="1000" b="0" i="0" u="none" strike="noStrike" kern="1200" cap="none" spc="0" normalizeH="0" baseline="0" noProof="0" dirty="0" smtClean="0">
+                        <a:t>CreateDatasource</a:t>
+                      </a:r>
+                      <a:endParaRPr kumimoji="0" lang="de-CH" sz="1000" b="0" i="0" u="none" strike="noStrike" kern="1200" cap="none" spc="0" normalizeH="0" baseline="0" dirty="0">
                         <a:ln>
                           <a:noFill/>
                         </a:ln>
@@ -4598,8 +4467,258 @@
                         <a:cs typeface="+mn-cs"/>
                       </a:endParaRPr>
                     </a:p>
-                  </a:txBody>
-                  <a:tcPr/>
+                    <a:p>
+                      <a:pPr algn="ctr"/>
+                      <a:r>
+                        <a:rPr lang="de-CH" sz="1400" dirty="0" err="1"/>
+                        <a:t>CopyLayer</a:t>
+                      </a:r>
+                      <a:endParaRPr lang="de-CH" sz="1400" dirty="0"/>
+                    </a:p>
+                  </a:txBody>
+                  <a:tcPr>
+                    <a:solidFill>
+                      <a:srgbClr val="92D050"/>
+                    </a:solidFill>
+                  </a:tcPr>
+                </a:tc>
+                <a:extLst>
+                  <a:ext uri="{0D108BD9-81ED-4DB2-BD59-A6C34878D82A}">
+                    <a16:rowId xmlns:a16="http://schemas.microsoft.com/office/drawing/2014/main" val="1702255637"/>
+                  </a:ext>
+                </a:extLst>
+              </a:tr>
+              <a:tr h="373078">
+                <a:tc>
+                  <a:txBody>
+                    <a:bodyPr/>
+                    <a:lstStyle/>
+                    <a:p>
+                      <a:r>
+                        <a:rPr lang="de-CH" dirty="0"/>
+                        <a:t>FGDB</a:t>
+                      </a:r>
+                    </a:p>
+                  </a:txBody>
+                  <a:tcPr/>
+                </a:tc>
+                <a:tc>
+                  <a:txBody>
+                    <a:bodyPr/>
+                    <a:lstStyle/>
+                    <a:p>
+                      <a:pPr marL="0" marR="0" lvl="0" indent="0" algn="ctr" defTabSz="914400" rtl="0" eaLnBrk="1" fontAlgn="auto" latinLnBrk="0" hangingPunct="1">
+                        <a:lnSpc>
+                          <a:spcPct val="100000"/>
+                        </a:lnSpc>
+                        <a:spcBef>
+                          <a:spcPts val="0"/>
+                        </a:spcBef>
+                        <a:spcAft>
+                          <a:spcPts val="0"/>
+                        </a:spcAft>
+                        <a:buClrTx/>
+                        <a:buSzTx/>
+                        <a:buFontTx/>
+                        <a:buNone/>
+                        <a:tabLst/>
+                        <a:defRPr/>
+                      </a:pPr>
+                      <a:r>
+                        <a:rPr kumimoji="0" lang="de-CH" sz="1000" b="0" i="0" u="none" strike="noStrike" kern="1200" cap="none" spc="0" normalizeH="0" baseline="0" dirty="0" err="1">
+                          <a:ln>
+                            <a:noFill/>
+                          </a:ln>
+                          <a:solidFill>
+                            <a:prstClr val="black"/>
+                          </a:solidFill>
+                          <a:effectLst/>
+                          <a:uLnTx/>
+                          <a:uFillTx/>
+                          <a:latin typeface="+mn-lt"/>
+                          <a:ea typeface="+mn-ea"/>
+                          <a:cs typeface="+mn-cs"/>
+                        </a:rPr>
+                        <a:t>CreateDatasource</a:t>
+                      </a:r>
+                      <a:endParaRPr kumimoji="0" lang="de-CH" sz="1000" b="0" i="0" u="none" strike="noStrike" kern="1200" cap="none" spc="0" normalizeH="0" baseline="0" dirty="0">
+                        <a:ln>
+                          <a:noFill/>
+                        </a:ln>
+                        <a:solidFill>
+                          <a:prstClr val="black"/>
+                        </a:solidFill>
+                        <a:effectLst/>
+                        <a:uLnTx/>
+                        <a:uFillTx/>
+                        <a:latin typeface="+mn-lt"/>
+                        <a:ea typeface="+mn-ea"/>
+                        <a:cs typeface="+mn-cs"/>
+                      </a:endParaRPr>
+                    </a:p>
+                    <a:p>
+                      <a:pPr marL="0" algn="ctr" defTabSz="914400" rtl="0" eaLnBrk="1" latinLnBrk="0" hangingPunct="1"/>
+                      <a:r>
+                        <a:rPr lang="de-CH" sz="1400" kern="1200" dirty="0" err="1">
+                          <a:solidFill>
+                            <a:srgbClr val="FF0000"/>
+                          </a:solidFill>
+                          <a:latin typeface="+mn-lt"/>
+                          <a:ea typeface="+mn-ea"/>
+                          <a:cs typeface="+mn-cs"/>
+                        </a:rPr>
+                        <a:t>CopyLayer</a:t>
+                      </a:r>
+                      <a:endParaRPr lang="de-CH" sz="1400" kern="1200" dirty="0">
+                        <a:solidFill>
+                          <a:srgbClr val="FF0000"/>
+                        </a:solidFill>
+                        <a:latin typeface="+mn-lt"/>
+                        <a:ea typeface="+mn-ea"/>
+                        <a:cs typeface="+mn-cs"/>
+                      </a:endParaRPr>
+                    </a:p>
+                  </a:txBody>
+                  <a:tcPr>
+                    <a:solidFill>
+                      <a:srgbClr val="92D050"/>
+                    </a:solidFill>
+                  </a:tcPr>
+                </a:tc>
+                <a:tc>
+                  <a:txBody>
+                    <a:bodyPr/>
+                    <a:lstStyle/>
+                    <a:p>
+                      <a:pPr marL="0" marR="0" lvl="0" indent="0" algn="ctr" defTabSz="914400" rtl="0" eaLnBrk="1" fontAlgn="auto" latinLnBrk="0" hangingPunct="1">
+                        <a:lnSpc>
+                          <a:spcPct val="100000"/>
+                        </a:lnSpc>
+                        <a:spcBef>
+                          <a:spcPts val="0"/>
+                        </a:spcBef>
+                        <a:spcAft>
+                          <a:spcPts val="0"/>
+                        </a:spcAft>
+                        <a:buClrTx/>
+                        <a:buSzTx/>
+                        <a:buFontTx/>
+                        <a:buNone/>
+                        <a:tabLst/>
+                        <a:defRPr/>
+                      </a:pPr>
+                      <a:r>
+                        <a:rPr lang="de-CH" sz="1400" kern="1200" dirty="0" err="1">
+                          <a:solidFill>
+                            <a:schemeClr val="dk1"/>
+                          </a:solidFill>
+                          <a:latin typeface="+mn-lt"/>
+                          <a:ea typeface="+mn-ea"/>
+                          <a:cs typeface="+mn-cs"/>
+                        </a:rPr>
+                        <a:t>CopyLayer</a:t>
+                      </a:r>
+                      <a:endParaRPr lang="de-CH" sz="1400" kern="1200" dirty="0">
+                        <a:solidFill>
+                          <a:schemeClr val="dk1"/>
+                        </a:solidFill>
+                        <a:latin typeface="+mn-lt"/>
+                        <a:ea typeface="+mn-ea"/>
+                        <a:cs typeface="+mn-cs"/>
+                      </a:endParaRPr>
+                    </a:p>
+                  </a:txBody>
+                  <a:tcPr>
+                    <a:solidFill>
+                      <a:srgbClr val="92D050"/>
+                    </a:solidFill>
+                  </a:tcPr>
+                </a:tc>
+                <a:tc>
+                  <a:txBody>
+                    <a:bodyPr/>
+                    <a:lstStyle/>
+                    <a:p>
+                      <a:pPr marL="0" marR="0" lvl="0" indent="0" algn="ctr" defTabSz="914400" rtl="0" eaLnBrk="1" fontAlgn="auto" latinLnBrk="0" hangingPunct="1">
+                        <a:lnSpc>
+                          <a:spcPct val="100000"/>
+                        </a:lnSpc>
+                        <a:spcBef>
+                          <a:spcPts val="0"/>
+                        </a:spcBef>
+                        <a:spcAft>
+                          <a:spcPts val="0"/>
+                        </a:spcAft>
+                        <a:buClrTx/>
+                        <a:buSzTx/>
+                        <a:buFontTx/>
+                        <a:buNone/>
+                        <a:tabLst/>
+                        <a:defRPr/>
+                      </a:pPr>
+                      <a:r>
+                        <a:rPr kumimoji="0" lang="de-CH" sz="1000" b="0" i="0" u="none" strike="noStrike" kern="1200" cap="none" spc="0" normalizeH="0" baseline="0" dirty="0">
+                          <a:ln>
+                            <a:noFill/>
+                          </a:ln>
+                          <a:solidFill>
+                            <a:prstClr val="black"/>
+                          </a:solidFill>
+                          <a:effectLst/>
+                          <a:uLnTx/>
+                          <a:uFillTx/>
+                          <a:latin typeface="+mn-lt"/>
+                          <a:ea typeface="+mn-ea"/>
+                          <a:cs typeface="+mn-cs"/>
+                        </a:rPr>
+                        <a:t>Internal / </a:t>
+                      </a:r>
+                      <a:r>
+                        <a:rPr kumimoji="0" lang="de-CH" sz="1000" b="0" i="0" u="none" strike="noStrike" kern="1200" cap="none" spc="0" normalizeH="0" baseline="0" dirty="0">
+                          <a:ln>
+                            <a:noFill/>
+                          </a:ln>
+                          <a:solidFill>
+                            <a:srgbClr val="FF0000"/>
+                          </a:solidFill>
+                          <a:effectLst/>
+                          <a:uLnTx/>
+                          <a:uFillTx/>
+                          <a:latin typeface="+mn-lt"/>
+                          <a:ea typeface="+mn-ea"/>
+                          <a:cs typeface="+mn-cs"/>
+                        </a:rPr>
+                        <a:t>External</a:t>
+                      </a:r>
+                    </a:p>
+                    <a:p>
+                      <a:pPr marL="0" algn="ctr" defTabSz="914400" rtl="0" eaLnBrk="1" latinLnBrk="0" hangingPunct="1"/>
+                      <a:r>
+                        <a:rPr lang="de-CH" sz="1400" kern="1200" dirty="0" err="1">
+                          <a:solidFill>
+                            <a:schemeClr val="dk1"/>
+                          </a:solidFill>
+                          <a:latin typeface="+mn-lt"/>
+                          <a:ea typeface="+mn-ea"/>
+                          <a:cs typeface="+mn-cs"/>
+                        </a:rPr>
+                        <a:t>CopyLayer</a:t>
+                      </a:r>
+                      <a:endParaRPr lang="de-CH" sz="1400" kern="1200" dirty="0">
+                        <a:solidFill>
+                          <a:schemeClr val="dk1"/>
+                        </a:solidFill>
+                        <a:latin typeface="+mn-lt"/>
+                        <a:ea typeface="+mn-ea"/>
+                        <a:cs typeface="+mn-cs"/>
+                      </a:endParaRPr>
+                    </a:p>
+                  </a:txBody>
+                  <a:tcPr>
+                    <a:solidFill>
+                      <a:srgbClr val="92D050"/>
+                    </a:solidFill>
+                  </a:tcPr>
                 </a:tc>
                 <a:extLst>
                   <a:ext uri="{0D108BD9-81ED-4DB2-BD59-A6C34878D82A}">
@@ -4620,7 +4739,7 @@
         <p:spPr>
           <a:xfrm>
             <a:off x="3718560" y="318968"/>
-            <a:ext cx="3145861" cy="369332"/>
+            <a:ext cx="2053191" cy="369332"/>
           </a:xfrm>
           <a:prstGeom prst="rect">
             <a:avLst/>
@@ -4634,26 +4753,17 @@
           <a:lstStyle/>
           <a:p>
             <a:r>
-              <a:rPr lang="de-CH" dirty="0" smtClean="0"/>
+              <a:rPr lang="de-CH" dirty="0"/>
               <a:t>Target - </a:t>
             </a:r>
             <a:r>
-              <a:rPr lang="de-CH" dirty="0" err="1" smtClean="0"/>
+              <a:rPr lang="de-CH" dirty="0" err="1"/>
               <a:t>Datasource</a:t>
             </a:r>
             <a:r>
-              <a:rPr lang="de-CH" dirty="0" smtClean="0"/>
-              <a:t> (must </a:t>
-            </a:r>
-            <a:r>
-              <a:rPr lang="de-CH" dirty="0" err="1" smtClean="0"/>
-              <a:t>exist</a:t>
-            </a:r>
-            <a:r>
-              <a:rPr lang="de-CH" dirty="0" smtClean="0"/>
-              <a:t>)</a:t>
-            </a:r>
-            <a:endParaRPr lang="de-CH" dirty="0"/>
+              <a:rPr lang="de-CH" dirty="0"/>
+              <a:t> </a:t>
+            </a:r>
           </a:p>
         </p:txBody>
       </p:sp>
@@ -4680,13 +4790,13 @@
           <a:lstStyle/>
           <a:p>
             <a:r>
-              <a:rPr lang="de-CH" dirty="0" smtClean="0"/>
+              <a:rPr lang="de-CH" dirty="0"/>
               <a:t>Source – </a:t>
             </a:r>
           </a:p>
           <a:p>
             <a:r>
-              <a:rPr lang="de-CH" dirty="0" err="1" smtClean="0"/>
+              <a:rPr lang="de-CH" dirty="0" err="1"/>
               <a:t>Datasource</a:t>
             </a:r>
             <a:endParaRPr lang="de-CH" dirty="0"/>
@@ -4717,6 +4827,102 @@
           </a:prstGeom>
         </p:spPr>
       </p:pic>
+      <p:sp>
+        <p:nvSpPr>
+          <p:cNvPr id="2" name="Textfeld 1">
+            <a:extLst>
+              <a:ext uri="{FF2B5EF4-FFF2-40B4-BE49-F238E27FC236}">
+                <a16:creationId xmlns:a16="http://schemas.microsoft.com/office/drawing/2014/main" id="{FACCDE38-58E5-FB04-7521-121DC9AA073E}"/>
+              </a:ext>
+            </a:extLst>
+          </p:cNvPr>
+          <p:cNvSpPr txBox="1"/>
+          <p:nvPr/>
+        </p:nvSpPr>
+        <p:spPr>
+          <a:xfrm>
+            <a:off x="3178175" y="2486025"/>
+            <a:ext cx="1992853" cy="369332"/>
+          </a:xfrm>
+          <a:prstGeom prst="rect">
+            <a:avLst/>
+          </a:prstGeom>
+          <a:noFill/>
+        </p:spPr>
+        <p:txBody>
+          <a:bodyPr wrap="none" rtlCol="0">
+            <a:spAutoFit/>
+          </a:bodyPr>
+          <a:lstStyle/>
+          <a:p>
+            <a:r>
+              <a:rPr lang="de-CH" sz="900" dirty="0">
+                <a:highlight>
+                  <a:srgbClr val="FFFF00"/>
+                </a:highlight>
+              </a:rPr>
+              <a:t>Felder mit Namen über 10 Buchstaben</a:t>
+            </a:r>
+          </a:p>
+          <a:p>
+            <a:r>
+              <a:rPr lang="de-CH" sz="800" dirty="0">
+                <a:highlight>
+                  <a:srgbClr val="FFFF00"/>
+                </a:highlight>
+              </a:rPr>
+              <a:t>werden</a:t>
+            </a:r>
+            <a:r>
+              <a:rPr lang="de-CH" sz="900" dirty="0">
+                <a:highlight>
+                  <a:srgbClr val="FFFF00"/>
+                </a:highlight>
+              </a:rPr>
+              <a:t> nicht übertragen</a:t>
+            </a:r>
+          </a:p>
+        </p:txBody>
+      </p:sp>
+      <p:sp>
+        <p:nvSpPr>
+          <p:cNvPr id="3" name="Textfeld 2">
+            <a:extLst>
+              <a:ext uri="{FF2B5EF4-FFF2-40B4-BE49-F238E27FC236}">
+                <a16:creationId xmlns:a16="http://schemas.microsoft.com/office/drawing/2014/main" id="{90E0DF84-86EC-E6C5-49E1-2F2ADF6706FC}"/>
+              </a:ext>
+            </a:extLst>
+          </p:cNvPr>
+          <p:cNvSpPr txBox="1"/>
+          <p:nvPr/>
+        </p:nvSpPr>
+        <p:spPr>
+          <a:xfrm rot="1908585">
+            <a:off x="5593847" y="1834100"/>
+            <a:ext cx="649537" cy="215444"/>
+          </a:xfrm>
+          <a:prstGeom prst="rect">
+            <a:avLst/>
+          </a:prstGeom>
+          <a:noFill/>
+        </p:spPr>
+        <p:txBody>
+          <a:bodyPr wrap="none" rtlCol="0">
+            <a:spAutoFit/>
+          </a:bodyPr>
+          <a:lstStyle/>
+          <a:p>
+            <a:r>
+              <a:rPr lang="de-CH" sz="800" dirty="0">
+                <a:highlight>
+                  <a:srgbClr val="FFFF00"/>
+                </a:highlight>
+              </a:rPr>
+              <a:t>Noch offen</a:t>
+            </a:r>
+          </a:p>
+        </p:txBody>
+      </p:sp>
     </p:spTree>
     <p:extLst>
       <p:ext uri="{BB962C8B-B14F-4D97-AF65-F5344CB8AC3E}">
@@ -4770,19 +4976,19 @@
           <a:lstStyle/>
           <a:p>
             <a:r>
-              <a:rPr lang="de-CH" dirty="0" smtClean="0"/>
+              <a:rPr lang="de-CH" dirty="0"/>
               <a:t>Values </a:t>
             </a:r>
             <a:r>
-              <a:rPr lang="de-CH" dirty="0" err="1" smtClean="0"/>
+              <a:rPr lang="de-CH" dirty="0" err="1"/>
               <a:t>to</a:t>
             </a:r>
             <a:r>
-              <a:rPr lang="de-CH" dirty="0" smtClean="0"/>
+              <a:rPr lang="de-CH" dirty="0"/>
               <a:t> </a:t>
             </a:r>
             <a:r>
-              <a:rPr lang="de-CH" dirty="0" err="1" smtClean="0"/>
+              <a:rPr lang="de-CH" dirty="0" err="1"/>
               <a:t>store</a:t>
             </a:r>
             <a:endParaRPr lang="de-CH" dirty="0"/>
@@ -4812,11 +5018,11 @@
           <a:lstStyle/>
           <a:p>
             <a:r>
-              <a:rPr lang="de-CH" dirty="0" smtClean="0"/>
+              <a:rPr lang="de-CH" dirty="0"/>
               <a:t>15 Fields in </a:t>
             </a:r>
             <a:r>
-              <a:rPr lang="de-CH" dirty="0" err="1" smtClean="0"/>
+              <a:rPr lang="de-CH" dirty="0" err="1"/>
               <a:t>Datasource</a:t>
             </a:r>
             <a:endParaRPr lang="de-CH" dirty="0"/>
@@ -4968,60 +5174,155 @@
                     <a:lstStyle/>
                     <a:p>
                       <a:r>
-                        <a:rPr lang="de-CH" sz="800" b="1" dirty="0" smtClean="0"/>
+                        <a:rPr lang="de-CH" sz="800" b="1" dirty="0"/>
                         <a:t>Feldname</a:t>
                       </a:r>
+                    </a:p>
+                  </a:txBody>
+                  <a:tcPr/>
+                </a:tc>
+                <a:tc hMerge="1">
+                  <a:txBody>
+                    <a:bodyPr/>
+                    <a:lstStyle/>
+                    <a:p>
+                      <a:endParaRPr lang="de-CH"/>
+                    </a:p>
+                  </a:txBody>
+                  <a:tcPr/>
+                </a:tc>
+                <a:tc>
+                  <a:txBody>
+                    <a:bodyPr/>
+                    <a:lstStyle/>
+                    <a:p>
+                      <a:r>
+                        <a:rPr lang="de-CH" sz="800" b="1" dirty="0"/>
+                        <a:t>Typ</a:t>
+                      </a:r>
+                    </a:p>
+                  </a:txBody>
+                  <a:tcPr/>
+                </a:tc>
+                <a:tc>
+                  <a:txBody>
+                    <a:bodyPr/>
+                    <a:lstStyle/>
+                    <a:p>
+                      <a:r>
+                        <a:rPr lang="de-CH" sz="800" b="1" dirty="0"/>
+                        <a:t>W</a:t>
+                      </a:r>
+                    </a:p>
+                  </a:txBody>
+                  <a:tcPr/>
+                </a:tc>
+                <a:tc>
+                  <a:txBody>
+                    <a:bodyPr/>
+                    <a:lstStyle/>
+                    <a:p>
+                      <a:r>
+                        <a:rPr lang="de-CH" sz="800" b="1" dirty="0"/>
+                        <a:t>N</a:t>
+                      </a:r>
+                    </a:p>
+                  </a:txBody>
+                  <a:tcPr/>
+                </a:tc>
+                <a:tc>
+                  <a:txBody>
+                    <a:bodyPr/>
+                    <a:lstStyle/>
+                    <a:p>
+                      <a:r>
+                        <a:rPr lang="de-CH" sz="800" b="1" dirty="0" err="1"/>
+                        <a:t>Int</a:t>
+                      </a:r>
                       <a:endParaRPr lang="de-CH" sz="800" b="1" dirty="0"/>
                     </a:p>
-                  </a:txBody>
-                  <a:tcPr/>
-                </a:tc>
-                <a:tc hMerge="1">
-                  <a:txBody>
-                    <a:bodyPr/>
-                    <a:lstStyle/>
-                    <a:p>
-                      <a:endParaRPr lang="de-CH"/>
-                    </a:p>
-                  </a:txBody>
-                  <a:tcPr/>
-                </a:tc>
-                <a:tc>
-                  <a:txBody>
-                    <a:bodyPr/>
-                    <a:lstStyle/>
-                    <a:p>
-                      <a:r>
-                        <a:rPr lang="de-CH" sz="800" b="1" dirty="0" smtClean="0"/>
-                        <a:t>Typ</a:t>
+                    <a:p>
+                      <a:r>
+                        <a:rPr lang="de-CH" sz="800" b="1" dirty="0"/>
+                        <a:t>1</a:t>
+                      </a:r>
+                    </a:p>
+                  </a:txBody>
+                  <a:tcPr/>
+                </a:tc>
+                <a:tc>
+                  <a:txBody>
+                    <a:bodyPr/>
+                    <a:lstStyle/>
+                    <a:p>
+                      <a:r>
+                        <a:rPr lang="de-CH" sz="800" b="1" dirty="0"/>
+                        <a:t>Int64</a:t>
+                      </a:r>
+                    </a:p>
+                    <a:p>
+                      <a:r>
+                        <a:rPr lang="de-CH" sz="800" b="1" dirty="0"/>
+                        <a:t>3’147’483’647</a:t>
+                      </a:r>
+                    </a:p>
+                  </a:txBody>
+                  <a:tcPr/>
+                </a:tc>
+                <a:tc>
+                  <a:txBody>
+                    <a:bodyPr/>
+                    <a:lstStyle/>
+                    <a:p>
+                      <a:r>
+                        <a:rPr lang="de-CH" sz="800" b="1" dirty="0"/>
+                        <a:t>Real</a:t>
+                      </a:r>
+                    </a:p>
+                    <a:p>
+                      <a:r>
+                        <a:rPr lang="de-CH" sz="800" b="1" dirty="0"/>
+                        <a:t>1.5</a:t>
+                      </a:r>
+                    </a:p>
+                  </a:txBody>
+                  <a:tcPr/>
+                </a:tc>
+                <a:tc>
+                  <a:txBody>
+                    <a:bodyPr/>
+                    <a:lstStyle/>
+                    <a:p>
+                      <a:r>
+                        <a:rPr lang="de-CH" sz="800" b="1" dirty="0" err="1"/>
+                        <a:t>RealBig</a:t>
                       </a:r>
                       <a:endParaRPr lang="de-CH" sz="800" b="1" dirty="0"/>
                     </a:p>
-                  </a:txBody>
-                  <a:tcPr/>
-                </a:tc>
-                <a:tc>
-                  <a:txBody>
-                    <a:bodyPr/>
-                    <a:lstStyle/>
-                    <a:p>
-                      <a:r>
-                        <a:rPr lang="de-CH" sz="800" b="1" dirty="0" smtClean="0"/>
-                        <a:t>W</a:t>
+                    <a:p>
+                      <a:r>
+                        <a:rPr lang="de-CH" sz="800" b="1" dirty="0"/>
+                        <a:t>-13’800’000’000.5</a:t>
+                      </a:r>
+                    </a:p>
+                  </a:txBody>
+                  <a:tcPr/>
+                </a:tc>
+                <a:tc>
+                  <a:txBody>
+                    <a:bodyPr/>
+                    <a:lstStyle/>
+                    <a:p>
+                      <a:r>
+                        <a:rPr lang="de-CH" sz="800" b="1" dirty="0" err="1"/>
+                        <a:t>DateTime</a:t>
                       </a:r>
                       <a:endParaRPr lang="de-CH" sz="800" b="1" dirty="0"/>
                     </a:p>
-                  </a:txBody>
-                  <a:tcPr/>
-                </a:tc>
-                <a:tc>
-                  <a:txBody>
-                    <a:bodyPr/>
-                    <a:lstStyle/>
-                    <a:p>
-                      <a:r>
-                        <a:rPr lang="de-CH" sz="800" b="1" dirty="0" smtClean="0"/>
-                        <a:t>N</a:t>
+                    <a:p>
+                      <a:r>
+                        <a:rPr lang="de-CH" sz="800" b="1" dirty="0" err="1"/>
+                        <a:t>DateTime.Now</a:t>
                       </a:r>
                       <a:endParaRPr lang="de-CH" sz="800" b="1" dirty="0"/>
                     </a:p>
@@ -5033,17 +5334,6 @@
                     <a:bodyPr/>
                     <a:lstStyle/>
                     <a:p>
-                      <a:r>
-                        <a:rPr lang="de-CH" sz="800" b="1" dirty="0" err="1" smtClean="0"/>
-                        <a:t>Int</a:t>
-                      </a:r>
-                      <a:endParaRPr lang="de-CH" sz="800" b="1" dirty="0" smtClean="0"/>
-                    </a:p>
-                    <a:p>
-                      <a:r>
-                        <a:rPr lang="de-CH" sz="800" b="1" dirty="0" smtClean="0"/>
-                        <a:t>1</a:t>
-                      </a:r>
                       <a:endParaRPr lang="de-CH" sz="800" b="1" dirty="0"/>
                     </a:p>
                   </a:txBody>
@@ -5055,178 +5345,82 @@
                     <a:lstStyle/>
                     <a:p>
                       <a:r>
-                        <a:rPr lang="de-CH" sz="800" b="1" dirty="0" smtClean="0"/>
-                        <a:t>Int64</a:t>
-                      </a:r>
-                    </a:p>
-                    <a:p>
-                      <a:r>
-                        <a:rPr lang="de-CH" sz="800" b="1" dirty="0" smtClean="0"/>
-                        <a:t>3’147’483’647</a:t>
+                        <a:rPr lang="de-CH" sz="800" b="1" dirty="0"/>
+                        <a:t>String5</a:t>
+                      </a:r>
+                    </a:p>
+                    <a:p>
+                      <a:r>
+                        <a:rPr lang="de-CH" sz="800" b="1" dirty="0"/>
+                        <a:t>«123»</a:t>
+                      </a:r>
+                    </a:p>
+                  </a:txBody>
+                  <a:tcPr/>
+                </a:tc>
+                <a:tc>
+                  <a:txBody>
+                    <a:bodyPr/>
+                    <a:lstStyle/>
+                    <a:p>
+                      <a:r>
+                        <a:rPr lang="de-CH" sz="800" b="1" dirty="0"/>
+                        <a:t>String</a:t>
+                      </a:r>
+                    </a:p>
+                    <a:p>
+                      <a:r>
+                        <a:rPr lang="de-CH" sz="800" b="1" dirty="0"/>
+                        <a:t>«</a:t>
+                      </a:r>
+                      <a:r>
+                        <a:rPr lang="de-CH" sz="800" b="1" dirty="0" err="1"/>
+                        <a:t>abcdefghij</a:t>
+                      </a:r>
+                      <a:r>
+                        <a:rPr lang="de-CH" sz="800" b="1" dirty="0"/>
+                        <a:t>»</a:t>
+                      </a:r>
+                    </a:p>
+                  </a:txBody>
+                  <a:tcPr/>
+                </a:tc>
+                <a:tc>
+                  <a:txBody>
+                    <a:bodyPr/>
+                    <a:lstStyle/>
+                    <a:p>
+                      <a:r>
+                        <a:rPr lang="de-CH" sz="800" b="1" dirty="0" err="1"/>
+                        <a:t>StringDateTime</a:t>
                       </a:r>
                       <a:endParaRPr lang="de-CH" sz="800" b="1" dirty="0"/>
                     </a:p>
-                  </a:txBody>
-                  <a:tcPr/>
-                </a:tc>
-                <a:tc>
-                  <a:txBody>
-                    <a:bodyPr/>
-                    <a:lstStyle/>
-                    <a:p>
-                      <a:r>
-                        <a:rPr lang="de-CH" sz="800" b="1" dirty="0" smtClean="0"/>
-                        <a:t>Real</a:t>
-                      </a:r>
-                    </a:p>
-                    <a:p>
-                      <a:r>
-                        <a:rPr lang="de-CH" sz="800" b="1" dirty="0" smtClean="0"/>
-                        <a:t>1.5</a:t>
+                    <a:p>
+                      <a:r>
+                        <a:rPr lang="de-CH" sz="800" b="1" dirty="0"/>
+                        <a:t>«31.12.2021»</a:t>
+                      </a:r>
+                    </a:p>
+                  </a:txBody>
+                  <a:tcPr/>
+                </a:tc>
+                <a:tc>
+                  <a:txBody>
+                    <a:bodyPr/>
+                    <a:lstStyle/>
+                    <a:p>
+                      <a:r>
+                        <a:rPr lang="de-CH" sz="800" b="1" dirty="0" err="1"/>
+                        <a:t>nullValue</a:t>
                       </a:r>
                       <a:endParaRPr lang="de-CH" sz="800" b="1" dirty="0"/>
                     </a:p>
-                  </a:txBody>
-                  <a:tcPr/>
-                </a:tc>
-                <a:tc>
-                  <a:txBody>
-                    <a:bodyPr/>
-                    <a:lstStyle/>
-                    <a:p>
-                      <a:r>
-                        <a:rPr lang="de-CH" sz="800" b="1" dirty="0" err="1" smtClean="0"/>
-                        <a:t>RealBig</a:t>
-                      </a:r>
-                      <a:endParaRPr lang="de-CH" sz="800" b="1" dirty="0" smtClean="0"/>
-                    </a:p>
-                    <a:p>
-                      <a:r>
-                        <a:rPr lang="de-CH" sz="800" b="1" dirty="0" smtClean="0"/>
-                        <a:t>-13’800’000’000.5</a:t>
-                      </a:r>
-                      <a:endParaRPr lang="de-CH" sz="800" b="1" dirty="0"/>
-                    </a:p>
-                  </a:txBody>
-                  <a:tcPr/>
-                </a:tc>
-                <a:tc>
-                  <a:txBody>
-                    <a:bodyPr/>
-                    <a:lstStyle/>
-                    <a:p>
-                      <a:r>
-                        <a:rPr lang="de-CH" sz="800" b="1" dirty="0" err="1" smtClean="0"/>
-                        <a:t>DateTime</a:t>
-                      </a:r>
-                      <a:endParaRPr lang="de-CH" sz="800" b="1" dirty="0" smtClean="0"/>
-                    </a:p>
-                    <a:p>
-                      <a:r>
-                        <a:rPr lang="de-CH" sz="800" b="1" dirty="0" err="1" smtClean="0"/>
-                        <a:t>DateTime.Now</a:t>
-                      </a:r>
-                      <a:endParaRPr lang="de-CH" sz="800" b="1" dirty="0"/>
-                    </a:p>
-                  </a:txBody>
-                  <a:tcPr/>
-                </a:tc>
-                <a:tc>
-                  <a:txBody>
-                    <a:bodyPr/>
-                    <a:lstStyle/>
-                    <a:p>
-                      <a:endParaRPr lang="de-CH" sz="800" b="1" dirty="0"/>
-                    </a:p>
-                  </a:txBody>
-                  <a:tcPr/>
-                </a:tc>
-                <a:tc>
-                  <a:txBody>
-                    <a:bodyPr/>
-                    <a:lstStyle/>
-                    <a:p>
-                      <a:r>
-                        <a:rPr lang="de-CH" sz="800" b="1" dirty="0" smtClean="0"/>
-                        <a:t>String5</a:t>
-                      </a:r>
-                    </a:p>
-                    <a:p>
-                      <a:r>
-                        <a:rPr lang="de-CH" sz="800" b="1" dirty="0" smtClean="0"/>
-                        <a:t>«123»</a:t>
-                      </a:r>
-                      <a:endParaRPr lang="de-CH" sz="800" b="1" dirty="0"/>
-                    </a:p>
-                  </a:txBody>
-                  <a:tcPr/>
-                </a:tc>
-                <a:tc>
-                  <a:txBody>
-                    <a:bodyPr/>
-                    <a:lstStyle/>
-                    <a:p>
-                      <a:r>
-                        <a:rPr lang="de-CH" sz="800" b="1" dirty="0" smtClean="0"/>
-                        <a:t>String</a:t>
-                      </a:r>
-                    </a:p>
-                    <a:p>
-                      <a:r>
-                        <a:rPr lang="de-CH" sz="800" b="1" dirty="0" smtClean="0"/>
-                        <a:t>«</a:t>
-                      </a:r>
-                      <a:r>
-                        <a:rPr lang="de-CH" sz="800" b="1" dirty="0" err="1" smtClean="0"/>
-                        <a:t>abcdefghij</a:t>
-                      </a:r>
-                      <a:r>
-                        <a:rPr lang="de-CH" sz="800" b="1" dirty="0" smtClean="0"/>
-                        <a:t>»</a:t>
-                      </a:r>
-                      <a:endParaRPr lang="de-CH" sz="800" b="1" dirty="0"/>
-                    </a:p>
-                  </a:txBody>
-                  <a:tcPr/>
-                </a:tc>
-                <a:tc>
-                  <a:txBody>
-                    <a:bodyPr/>
-                    <a:lstStyle/>
-                    <a:p>
-                      <a:r>
-                        <a:rPr lang="de-CH" sz="800" b="1" dirty="0" err="1" smtClean="0"/>
-                        <a:t>StringDateTime</a:t>
-                      </a:r>
-                      <a:endParaRPr lang="de-CH" sz="800" b="1" dirty="0" smtClean="0"/>
-                    </a:p>
-                    <a:p>
-                      <a:r>
-                        <a:rPr lang="de-CH" sz="800" b="1" dirty="0" smtClean="0"/>
-                        <a:t>«31.12.2021»</a:t>
-                      </a:r>
-                      <a:endParaRPr lang="de-CH" sz="800" b="1" dirty="0"/>
-                    </a:p>
-                  </a:txBody>
-                  <a:tcPr/>
-                </a:tc>
-                <a:tc>
-                  <a:txBody>
-                    <a:bodyPr/>
-                    <a:lstStyle/>
-                    <a:p>
-                      <a:r>
-                        <a:rPr lang="de-CH" sz="800" b="1" dirty="0" err="1" smtClean="0"/>
-                        <a:t>nullValue</a:t>
-                      </a:r>
-                      <a:endParaRPr lang="de-CH" sz="800" b="1" dirty="0" smtClean="0"/>
-                    </a:p>
-                    <a:p>
-                      <a:r>
-                        <a:rPr lang="de-CH" sz="800" b="1" dirty="0" smtClean="0"/>
+                    <a:p>
+                      <a:r>
+                        <a:rPr lang="de-CH" sz="800" b="1" dirty="0"/>
                         <a:t>null</a:t>
                       </a:r>
-                      <a:endParaRPr lang="de-CH" sz="800" b="1" dirty="0"/>
                     </a:p>
                   </a:txBody>
                   <a:tcPr/>
@@ -5254,7 +5448,7 @@
                     <a:lstStyle/>
                     <a:p>
                       <a:r>
-                        <a:rPr lang="de-CH" sz="800" dirty="0" err="1" smtClean="0"/>
+                        <a:rPr lang="de-CH" sz="800" dirty="0" err="1"/>
                         <a:t>Id</a:t>
                       </a:r>
                       <a:endParaRPr lang="de-CH" sz="800" dirty="0"/>
@@ -5289,7 +5483,7 @@
                     <a:lstStyle/>
                     <a:p>
                       <a:r>
-                        <a:rPr lang="de-CH" sz="800" dirty="0" err="1" smtClean="0"/>
+                        <a:rPr lang="de-CH" sz="800" dirty="0" err="1"/>
                         <a:t>ObjID</a:t>
                       </a:r>
                       <a:endParaRPr lang="de-CH" sz="800" dirty="0"/>
@@ -5303,160 +5497,149 @@
                     <a:lstStyle/>
                     <a:p>
                       <a:r>
-                        <a:rPr lang="de-CH" sz="800" dirty="0" smtClean="0"/>
+                        <a:rPr lang="de-CH" sz="800" dirty="0"/>
                         <a:t>-</a:t>
                       </a:r>
-                      <a:endParaRPr lang="de-CH" sz="800" dirty="0"/>
-                    </a:p>
-                  </a:txBody>
-                  <a:tcPr/>
-                </a:tc>
-                <a:tc>
-                  <a:txBody>
-                    <a:bodyPr/>
-                    <a:lstStyle/>
-                    <a:p>
-                      <a:r>
-                        <a:rPr lang="de-CH" sz="800" dirty="0" smtClean="0"/>
+                    </a:p>
+                  </a:txBody>
+                  <a:tcPr/>
+                </a:tc>
+                <a:tc>
+                  <a:txBody>
+                    <a:bodyPr/>
+                    <a:lstStyle/>
+                    <a:p>
+                      <a:r>
+                        <a:rPr lang="de-CH" sz="800" dirty="0"/>
                         <a:t>N</a:t>
                       </a:r>
-                      <a:endParaRPr lang="de-CH" sz="800" dirty="0"/>
-                    </a:p>
-                  </a:txBody>
-                  <a:tcPr/>
-                </a:tc>
-                <a:tc>
-                  <a:txBody>
-                    <a:bodyPr/>
-                    <a:lstStyle/>
-                    <a:p>
-                      <a:r>
-                        <a:rPr lang="de-CH" sz="800" dirty="0" smtClean="0"/>
+                    </a:p>
+                  </a:txBody>
+                  <a:tcPr/>
+                </a:tc>
+                <a:tc>
+                  <a:txBody>
+                    <a:bodyPr/>
+                    <a:lstStyle/>
+                    <a:p>
+                      <a:r>
+                        <a:rPr lang="de-CH" sz="800" dirty="0"/>
                         <a:t>r</a:t>
                       </a:r>
-                      <a:endParaRPr lang="de-CH" sz="800" dirty="0"/>
-                    </a:p>
-                  </a:txBody>
-                  <a:tcPr/>
-                </a:tc>
-                <a:tc>
-                  <a:txBody>
-                    <a:bodyPr/>
-                    <a:lstStyle/>
-                    <a:p>
-                      <a:r>
-                        <a:rPr lang="de-CH" sz="800" dirty="0" smtClean="0"/>
+                    </a:p>
+                  </a:txBody>
+                  <a:tcPr/>
+                </a:tc>
+                <a:tc>
+                  <a:txBody>
+                    <a:bodyPr/>
+                    <a:lstStyle/>
+                    <a:p>
+                      <a:r>
+                        <a:rPr lang="de-CH" sz="800" dirty="0"/>
                         <a:t>r</a:t>
                       </a:r>
-                      <a:endParaRPr lang="de-CH" sz="800" dirty="0"/>
-                    </a:p>
-                  </a:txBody>
-                  <a:tcPr/>
-                </a:tc>
-                <a:tc>
-                  <a:txBody>
-                    <a:bodyPr/>
-                    <a:lstStyle/>
-                    <a:p>
-                      <a:r>
-                        <a:rPr lang="de-CH" sz="800" dirty="0" smtClean="0"/>
+                    </a:p>
+                  </a:txBody>
+                  <a:tcPr/>
+                </a:tc>
+                <a:tc>
+                  <a:txBody>
+                    <a:bodyPr/>
+                    <a:lstStyle/>
+                    <a:p>
+                      <a:r>
+                        <a:rPr lang="de-CH" sz="800" dirty="0"/>
                         <a:t>r</a:t>
                       </a:r>
-                      <a:endParaRPr lang="de-CH" sz="800" dirty="0"/>
-                    </a:p>
-                  </a:txBody>
-                  <a:tcPr/>
-                </a:tc>
-                <a:tc>
-                  <a:txBody>
-                    <a:bodyPr/>
-                    <a:lstStyle/>
-                    <a:p>
-                      <a:r>
-                        <a:rPr lang="de-CH" sz="800" dirty="0" smtClean="0"/>
+                    </a:p>
+                  </a:txBody>
+                  <a:tcPr/>
+                </a:tc>
+                <a:tc>
+                  <a:txBody>
+                    <a:bodyPr/>
+                    <a:lstStyle/>
+                    <a:p>
+                      <a:r>
+                        <a:rPr lang="de-CH" sz="800" dirty="0"/>
                         <a:t>r</a:t>
                       </a:r>
-                      <a:endParaRPr lang="de-CH" sz="800" dirty="0"/>
-                    </a:p>
-                  </a:txBody>
-                  <a:tcPr/>
-                </a:tc>
-                <a:tc>
-                  <a:txBody>
-                    <a:bodyPr/>
-                    <a:lstStyle/>
-                    <a:p>
-                      <a:r>
-                        <a:rPr lang="de-CH" sz="800" dirty="0" smtClean="0"/>
+                    </a:p>
+                  </a:txBody>
+                  <a:tcPr/>
+                </a:tc>
+                <a:tc>
+                  <a:txBody>
+                    <a:bodyPr/>
+                    <a:lstStyle/>
+                    <a:p>
+                      <a:r>
+                        <a:rPr lang="de-CH" sz="800" dirty="0"/>
                         <a:t>r</a:t>
                       </a:r>
-                      <a:endParaRPr lang="de-CH" sz="800" dirty="0"/>
-                    </a:p>
-                  </a:txBody>
-                  <a:tcPr/>
-                </a:tc>
-                <a:tc>
-                  <a:txBody>
-                    <a:bodyPr/>
-                    <a:lstStyle/>
-                    <a:p>
-                      <a:endParaRPr lang="de-CH" sz="800" dirty="0"/>
-                    </a:p>
-                  </a:txBody>
-                  <a:tcPr/>
-                </a:tc>
-                <a:tc>
-                  <a:txBody>
-                    <a:bodyPr/>
-                    <a:lstStyle/>
-                    <a:p>
-                      <a:r>
-                        <a:rPr lang="de-CH" sz="800" dirty="0" smtClean="0"/>
+                    </a:p>
+                  </a:txBody>
+                  <a:tcPr/>
+                </a:tc>
+                <a:tc>
+                  <a:txBody>
+                    <a:bodyPr/>
+                    <a:lstStyle/>
+                    <a:p>
+                      <a:endParaRPr lang="de-CH" sz="800" dirty="0"/>
+                    </a:p>
+                  </a:txBody>
+                  <a:tcPr/>
+                </a:tc>
+                <a:tc>
+                  <a:txBody>
+                    <a:bodyPr/>
+                    <a:lstStyle/>
+                    <a:p>
+                      <a:r>
+                        <a:rPr lang="de-CH" sz="800" dirty="0"/>
                         <a:t>r</a:t>
                       </a:r>
-                      <a:endParaRPr lang="de-CH" sz="800" dirty="0"/>
-                    </a:p>
-                  </a:txBody>
-                  <a:tcPr/>
-                </a:tc>
-                <a:tc>
-                  <a:txBody>
-                    <a:bodyPr/>
-                    <a:lstStyle/>
-                    <a:p>
-                      <a:r>
-                        <a:rPr lang="de-CH" sz="800" dirty="0" smtClean="0"/>
+                    </a:p>
+                  </a:txBody>
+                  <a:tcPr/>
+                </a:tc>
+                <a:tc>
+                  <a:txBody>
+                    <a:bodyPr/>
+                    <a:lstStyle/>
+                    <a:p>
+                      <a:r>
+                        <a:rPr lang="de-CH" sz="800" dirty="0"/>
                         <a:t>r</a:t>
                       </a:r>
-                      <a:endParaRPr lang="de-CH" sz="800" dirty="0"/>
-                    </a:p>
-                  </a:txBody>
-                  <a:tcPr/>
-                </a:tc>
-                <a:tc>
-                  <a:txBody>
-                    <a:bodyPr/>
-                    <a:lstStyle/>
-                    <a:p>
-                      <a:r>
-                        <a:rPr lang="de-CH" sz="800" dirty="0" smtClean="0"/>
+                    </a:p>
+                  </a:txBody>
+                  <a:tcPr/>
+                </a:tc>
+                <a:tc>
+                  <a:txBody>
+                    <a:bodyPr/>
+                    <a:lstStyle/>
+                    <a:p>
+                      <a:r>
+                        <a:rPr lang="de-CH" sz="800" dirty="0"/>
                         <a:t>r</a:t>
                       </a:r>
-                      <a:endParaRPr lang="de-CH" sz="800" dirty="0"/>
-                    </a:p>
-                  </a:txBody>
-                  <a:tcPr/>
-                </a:tc>
-                <a:tc>
-                  <a:txBody>
-                    <a:bodyPr/>
-                    <a:lstStyle/>
-                    <a:p>
-                      <a:r>
-                        <a:rPr lang="de-CH" sz="800" dirty="0" smtClean="0"/>
+                    </a:p>
+                  </a:txBody>
+                  <a:tcPr/>
+                </a:tc>
+                <a:tc>
+                  <a:txBody>
+                    <a:bodyPr/>
+                    <a:lstStyle/>
+                    <a:p>
+                      <a:r>
+                        <a:rPr lang="de-CH" sz="800" dirty="0"/>
                         <a:t>r</a:t>
                       </a:r>
-                      <a:endParaRPr lang="de-CH" sz="800" dirty="0"/>
                     </a:p>
                   </a:txBody>
                   <a:tcPr/>
@@ -5484,7 +5667,7 @@
                     <a:lstStyle/>
                     <a:p>
                       <a:r>
-                        <a:rPr lang="de-CH" sz="800" dirty="0" err="1" smtClean="0"/>
+                        <a:rPr lang="de-CH" sz="800" dirty="0" err="1"/>
                         <a:t>Geom</a:t>
                       </a:r>
                       <a:endParaRPr lang="de-CH" sz="800" dirty="0"/>
@@ -5519,7 +5702,7 @@
                     <a:lstStyle/>
                     <a:p>
                       <a:r>
-                        <a:rPr lang="de-CH" sz="800" dirty="0" err="1" smtClean="0"/>
+                        <a:rPr lang="de-CH" sz="800" dirty="0" err="1"/>
                         <a:t>Geometry</a:t>
                       </a:r>
                       <a:endParaRPr lang="de-CH" sz="800" dirty="0"/>
@@ -5533,160 +5716,149 @@
                     <a:lstStyle/>
                     <a:p>
                       <a:r>
-                        <a:rPr lang="de-CH" sz="800" dirty="0" smtClean="0"/>
+                        <a:rPr lang="de-CH" sz="800" dirty="0"/>
                         <a:t>-</a:t>
                       </a:r>
-                      <a:endParaRPr lang="de-CH" sz="800" dirty="0"/>
-                    </a:p>
-                  </a:txBody>
-                  <a:tcPr/>
-                </a:tc>
-                <a:tc>
-                  <a:txBody>
-                    <a:bodyPr/>
-                    <a:lstStyle/>
-                    <a:p>
-                      <a:r>
-                        <a:rPr lang="de-CH" sz="800" dirty="0" smtClean="0"/>
+                    </a:p>
+                  </a:txBody>
+                  <a:tcPr/>
+                </a:tc>
+                <a:tc>
+                  <a:txBody>
+                    <a:bodyPr/>
+                    <a:lstStyle/>
+                    <a:p>
+                      <a:r>
+                        <a:rPr lang="de-CH" sz="800" dirty="0"/>
                         <a:t>N</a:t>
                       </a:r>
-                      <a:endParaRPr lang="de-CH" sz="800" dirty="0"/>
-                    </a:p>
-                  </a:txBody>
-                  <a:tcPr/>
-                </a:tc>
-                <a:tc>
-                  <a:txBody>
-                    <a:bodyPr/>
-                    <a:lstStyle/>
-                    <a:p>
-                      <a:r>
-                        <a:rPr lang="de-CH" sz="800" dirty="0" smtClean="0"/>
+                    </a:p>
+                  </a:txBody>
+                  <a:tcPr/>
+                </a:tc>
+                <a:tc>
+                  <a:txBody>
+                    <a:bodyPr/>
+                    <a:lstStyle/>
+                    <a:p>
+                      <a:r>
+                        <a:rPr lang="de-CH" sz="800" dirty="0"/>
                         <a:t>r</a:t>
                       </a:r>
-                      <a:endParaRPr lang="de-CH" sz="800" dirty="0"/>
-                    </a:p>
-                  </a:txBody>
-                  <a:tcPr/>
-                </a:tc>
-                <a:tc>
-                  <a:txBody>
-                    <a:bodyPr/>
-                    <a:lstStyle/>
-                    <a:p>
-                      <a:r>
-                        <a:rPr lang="de-CH" sz="800" dirty="0" smtClean="0"/>
+                    </a:p>
+                  </a:txBody>
+                  <a:tcPr/>
+                </a:tc>
+                <a:tc>
+                  <a:txBody>
+                    <a:bodyPr/>
+                    <a:lstStyle/>
+                    <a:p>
+                      <a:r>
+                        <a:rPr lang="de-CH" sz="800" dirty="0"/>
                         <a:t>r</a:t>
                       </a:r>
-                      <a:endParaRPr lang="de-CH" sz="800" dirty="0"/>
-                    </a:p>
-                  </a:txBody>
-                  <a:tcPr/>
-                </a:tc>
-                <a:tc>
-                  <a:txBody>
-                    <a:bodyPr/>
-                    <a:lstStyle/>
-                    <a:p>
-                      <a:r>
-                        <a:rPr lang="de-CH" sz="800" dirty="0" smtClean="0"/>
+                    </a:p>
+                  </a:txBody>
+                  <a:tcPr/>
+                </a:tc>
+                <a:tc>
+                  <a:txBody>
+                    <a:bodyPr/>
+                    <a:lstStyle/>
+                    <a:p>
+                      <a:r>
+                        <a:rPr lang="de-CH" sz="800" dirty="0"/>
                         <a:t>r</a:t>
                       </a:r>
-                      <a:endParaRPr lang="de-CH" sz="800" dirty="0"/>
-                    </a:p>
-                  </a:txBody>
-                  <a:tcPr/>
-                </a:tc>
-                <a:tc>
-                  <a:txBody>
-                    <a:bodyPr/>
-                    <a:lstStyle/>
-                    <a:p>
-                      <a:r>
-                        <a:rPr lang="de-CH" sz="800" dirty="0" smtClean="0"/>
+                    </a:p>
+                  </a:txBody>
+                  <a:tcPr/>
+                </a:tc>
+                <a:tc>
+                  <a:txBody>
+                    <a:bodyPr/>
+                    <a:lstStyle/>
+                    <a:p>
+                      <a:r>
+                        <a:rPr lang="de-CH" sz="800" dirty="0"/>
                         <a:t>r</a:t>
                       </a:r>
-                      <a:endParaRPr lang="de-CH" sz="800" dirty="0"/>
-                    </a:p>
-                  </a:txBody>
-                  <a:tcPr/>
-                </a:tc>
-                <a:tc>
-                  <a:txBody>
-                    <a:bodyPr/>
-                    <a:lstStyle/>
-                    <a:p>
-                      <a:r>
-                        <a:rPr lang="de-CH" sz="800" dirty="0" smtClean="0"/>
+                    </a:p>
+                  </a:txBody>
+                  <a:tcPr/>
+                </a:tc>
+                <a:tc>
+                  <a:txBody>
+                    <a:bodyPr/>
+                    <a:lstStyle/>
+                    <a:p>
+                      <a:r>
+                        <a:rPr lang="de-CH" sz="800" dirty="0"/>
                         <a:t>r</a:t>
                       </a:r>
-                      <a:endParaRPr lang="de-CH" sz="800" dirty="0"/>
-                    </a:p>
-                  </a:txBody>
-                  <a:tcPr/>
-                </a:tc>
-                <a:tc>
-                  <a:txBody>
-                    <a:bodyPr/>
-                    <a:lstStyle/>
-                    <a:p>
-                      <a:endParaRPr lang="de-CH" sz="800" dirty="0"/>
-                    </a:p>
-                  </a:txBody>
-                  <a:tcPr/>
-                </a:tc>
-                <a:tc>
-                  <a:txBody>
-                    <a:bodyPr/>
-                    <a:lstStyle/>
-                    <a:p>
-                      <a:r>
-                        <a:rPr lang="de-CH" sz="800" dirty="0" smtClean="0"/>
+                    </a:p>
+                  </a:txBody>
+                  <a:tcPr/>
+                </a:tc>
+                <a:tc>
+                  <a:txBody>
+                    <a:bodyPr/>
+                    <a:lstStyle/>
+                    <a:p>
+                      <a:endParaRPr lang="de-CH" sz="800" dirty="0"/>
+                    </a:p>
+                  </a:txBody>
+                  <a:tcPr/>
+                </a:tc>
+                <a:tc>
+                  <a:txBody>
+                    <a:bodyPr/>
+                    <a:lstStyle/>
+                    <a:p>
+                      <a:r>
+                        <a:rPr lang="de-CH" sz="800" dirty="0"/>
                         <a:t>r</a:t>
                       </a:r>
-                      <a:endParaRPr lang="de-CH" sz="800" dirty="0"/>
-                    </a:p>
-                  </a:txBody>
-                  <a:tcPr/>
-                </a:tc>
-                <a:tc>
-                  <a:txBody>
-                    <a:bodyPr/>
-                    <a:lstStyle/>
-                    <a:p>
-                      <a:r>
-                        <a:rPr lang="de-CH" sz="800" dirty="0" smtClean="0"/>
+                    </a:p>
+                  </a:txBody>
+                  <a:tcPr/>
+                </a:tc>
+                <a:tc>
+                  <a:txBody>
+                    <a:bodyPr/>
+                    <a:lstStyle/>
+                    <a:p>
+                      <a:r>
+                        <a:rPr lang="de-CH" sz="800" dirty="0"/>
                         <a:t>r</a:t>
                       </a:r>
-                      <a:endParaRPr lang="de-CH" sz="800" dirty="0"/>
-                    </a:p>
-                  </a:txBody>
-                  <a:tcPr/>
-                </a:tc>
-                <a:tc>
-                  <a:txBody>
-                    <a:bodyPr/>
-                    <a:lstStyle/>
-                    <a:p>
-                      <a:r>
-                        <a:rPr lang="de-CH" sz="800" dirty="0" smtClean="0"/>
+                    </a:p>
+                  </a:txBody>
+                  <a:tcPr/>
+                </a:tc>
+                <a:tc>
+                  <a:txBody>
+                    <a:bodyPr/>
+                    <a:lstStyle/>
+                    <a:p>
+                      <a:r>
+                        <a:rPr lang="de-CH" sz="800" dirty="0"/>
                         <a:t>r</a:t>
                       </a:r>
-                      <a:endParaRPr lang="de-CH" sz="800" dirty="0"/>
-                    </a:p>
-                  </a:txBody>
-                  <a:tcPr/>
-                </a:tc>
-                <a:tc>
-                  <a:txBody>
-                    <a:bodyPr/>
-                    <a:lstStyle/>
-                    <a:p>
-                      <a:r>
-                        <a:rPr lang="de-CH" sz="800" dirty="0" smtClean="0"/>
+                    </a:p>
+                  </a:txBody>
+                  <a:tcPr/>
+                </a:tc>
+                <a:tc>
+                  <a:txBody>
+                    <a:bodyPr/>
+                    <a:lstStyle/>
+                    <a:p>
+                      <a:r>
+                        <a:rPr lang="de-CH" sz="800" dirty="0"/>
                         <a:t>r</a:t>
                       </a:r>
-                      <a:endParaRPr lang="de-CH" sz="800" dirty="0"/>
                     </a:p>
                   </a:txBody>
                   <a:tcPr/>
@@ -5714,7 +5886,7 @@
                     <a:lstStyle/>
                     <a:p>
                       <a:r>
-                        <a:rPr lang="de-CH" sz="800" dirty="0" err="1" smtClean="0"/>
+                        <a:rPr lang="de-CH" sz="800" dirty="0" err="1"/>
                         <a:t>ObjktId</a:t>
                       </a:r>
                       <a:endParaRPr lang="de-CH" sz="800" dirty="0"/>
@@ -5751,166 +5923,154 @@
                     <a:lstStyle/>
                     <a:p>
                       <a:r>
-                        <a:rPr lang="de-CH" sz="800" dirty="0" smtClean="0"/>
+                        <a:rPr lang="de-CH" sz="800" dirty="0"/>
                         <a:t>Long</a:t>
                       </a:r>
-                      <a:endParaRPr lang="de-CH" sz="800" dirty="0"/>
-                    </a:p>
-                  </a:txBody>
-                  <a:tcPr/>
-                </a:tc>
-                <a:tc>
-                  <a:txBody>
-                    <a:bodyPr/>
-                    <a:lstStyle/>
-                    <a:p>
-                      <a:endParaRPr lang="de-CH" sz="800" dirty="0"/>
-                    </a:p>
-                  </a:txBody>
-                  <a:tcPr/>
-                </a:tc>
-                <a:tc>
-                  <a:txBody>
-                    <a:bodyPr/>
-                    <a:lstStyle/>
-                    <a:p>
-                      <a:endParaRPr lang="de-CH" sz="800" dirty="0"/>
-                    </a:p>
-                  </a:txBody>
-                  <a:tcPr/>
-                </a:tc>
-                <a:tc>
-                  <a:txBody>
-                    <a:bodyPr/>
-                    <a:lstStyle/>
-                    <a:p>
-                      <a:endParaRPr lang="de-CH" sz="800" dirty="0"/>
-                    </a:p>
-                  </a:txBody>
-                  <a:tcPr/>
-                </a:tc>
-                <a:tc>
-                  <a:txBody>
-                    <a:bodyPr/>
-                    <a:lstStyle/>
-                    <a:p>
-                      <a:r>
-                        <a:rPr lang="de-CH" sz="800" dirty="0" smtClean="0">
+                    </a:p>
+                  </a:txBody>
+                  <a:tcPr/>
+                </a:tc>
+                <a:tc>
+                  <a:txBody>
+                    <a:bodyPr/>
+                    <a:lstStyle/>
+                    <a:p>
+                      <a:endParaRPr lang="de-CH" sz="800" dirty="0"/>
+                    </a:p>
+                  </a:txBody>
+                  <a:tcPr/>
+                </a:tc>
+                <a:tc>
+                  <a:txBody>
+                    <a:bodyPr/>
+                    <a:lstStyle/>
+                    <a:p>
+                      <a:endParaRPr lang="de-CH" sz="800" dirty="0"/>
+                    </a:p>
+                  </a:txBody>
+                  <a:tcPr/>
+                </a:tc>
+                <a:tc>
+                  <a:txBody>
+                    <a:bodyPr/>
+                    <a:lstStyle/>
+                    <a:p>
+                      <a:endParaRPr lang="de-CH" sz="800" dirty="0"/>
+                    </a:p>
+                  </a:txBody>
+                  <a:tcPr/>
+                </a:tc>
+                <a:tc>
+                  <a:txBody>
+                    <a:bodyPr/>
+                    <a:lstStyle/>
+                    <a:p>
+                      <a:r>
+                        <a:rPr lang="de-CH" sz="800" dirty="0">
                           <a:solidFill>
                             <a:srgbClr val="FF66FF"/>
                           </a:solidFill>
                         </a:rPr>
                         <a:t>c</a:t>
                       </a:r>
-                      <a:endParaRPr lang="de-CH" sz="800" dirty="0">
-                        <a:solidFill>
-                          <a:srgbClr val="FF66FF"/>
-                        </a:solidFill>
-                      </a:endParaRPr>
-                    </a:p>
-                  </a:txBody>
-                  <a:tcPr/>
-                </a:tc>
-                <a:tc>
-                  <a:txBody>
-                    <a:bodyPr/>
-                    <a:lstStyle/>
-                    <a:p>
-                      <a:r>
-                        <a:rPr lang="de-CH" sz="800" dirty="0" smtClean="0"/>
+                    </a:p>
+                  </a:txBody>
+                  <a:tcPr/>
+                </a:tc>
+                <a:tc>
+                  <a:txBody>
+                    <a:bodyPr/>
+                    <a:lstStyle/>
+                    <a:p>
+                      <a:r>
+                        <a:rPr lang="de-CH" sz="800" dirty="0"/>
                         <a:t>c</a:t>
                       </a:r>
-                      <a:endParaRPr lang="de-CH" sz="800" dirty="0"/>
-                    </a:p>
-                  </a:txBody>
-                  <a:tcPr/>
-                </a:tc>
-                <a:tc>
-                  <a:txBody>
-                    <a:bodyPr/>
-                    <a:lstStyle/>
-                    <a:p>
-                      <a:r>
-                        <a:rPr lang="de-CH" sz="800" dirty="0" smtClean="0"/>
+                    </a:p>
+                  </a:txBody>
+                  <a:tcPr/>
+                </a:tc>
+                <a:tc>
+                  <a:txBody>
+                    <a:bodyPr/>
+                    <a:lstStyle/>
+                    <a:p>
+                      <a:r>
+                        <a:rPr lang="de-CH" sz="800" dirty="0"/>
                         <a:t>c</a:t>
                       </a:r>
-                      <a:endParaRPr lang="de-CH" sz="800" dirty="0"/>
-                    </a:p>
-                  </a:txBody>
-                  <a:tcPr/>
-                </a:tc>
-                <a:tc>
-                  <a:txBody>
-                    <a:bodyPr/>
-                    <a:lstStyle/>
-                    <a:p>
-                      <a:r>
-                        <a:rPr lang="de-CH" sz="800" dirty="0" smtClean="0"/>
+                    </a:p>
+                  </a:txBody>
+                  <a:tcPr/>
+                </a:tc>
+                <a:tc>
+                  <a:txBody>
+                    <a:bodyPr/>
+                    <a:lstStyle/>
+                    <a:p>
+                      <a:r>
+                        <a:rPr lang="de-CH" sz="800" dirty="0"/>
                         <a:t>c</a:t>
                       </a:r>
-                      <a:endParaRPr lang="de-CH" sz="800" dirty="0"/>
-                    </a:p>
-                  </a:txBody>
-                  <a:tcPr/>
-                </a:tc>
-                <a:tc>
-                  <a:txBody>
-                    <a:bodyPr/>
-                    <a:lstStyle/>
-                    <a:p>
-                      <a:endParaRPr lang="de-CH" sz="800" dirty="0"/>
-                    </a:p>
-                  </a:txBody>
-                  <a:tcPr/>
-                </a:tc>
-                <a:tc>
-                  <a:txBody>
-                    <a:bodyPr/>
-                    <a:lstStyle/>
-                    <a:p>
-                      <a:endParaRPr lang="de-CH" sz="800" dirty="0"/>
-                    </a:p>
-                  </a:txBody>
-                  <a:tcPr/>
-                </a:tc>
-                <a:tc>
-                  <a:txBody>
-                    <a:bodyPr/>
-                    <a:lstStyle/>
-                    <a:p>
-                      <a:r>
-                        <a:rPr lang="de-CH" sz="800" dirty="0" smtClean="0"/>
+                    </a:p>
+                  </a:txBody>
+                  <a:tcPr/>
+                </a:tc>
+                <a:tc>
+                  <a:txBody>
+                    <a:bodyPr/>
+                    <a:lstStyle/>
+                    <a:p>
+                      <a:endParaRPr lang="de-CH" sz="800" dirty="0"/>
+                    </a:p>
+                  </a:txBody>
+                  <a:tcPr/>
+                </a:tc>
+                <a:tc>
+                  <a:txBody>
+                    <a:bodyPr/>
+                    <a:lstStyle/>
+                    <a:p>
+                      <a:endParaRPr lang="de-CH" sz="800" dirty="0"/>
+                    </a:p>
+                  </a:txBody>
+                  <a:tcPr/>
+                </a:tc>
+                <a:tc>
+                  <a:txBody>
+                    <a:bodyPr/>
+                    <a:lstStyle/>
+                    <a:p>
+                      <a:r>
+                        <a:rPr lang="de-CH" sz="800" dirty="0"/>
                         <a:t>c</a:t>
                       </a:r>
-                      <a:endParaRPr lang="de-CH" sz="800" dirty="0"/>
-                    </a:p>
-                  </a:txBody>
-                  <a:tcPr/>
-                </a:tc>
-                <a:tc>
-                  <a:txBody>
-                    <a:bodyPr/>
-                    <a:lstStyle/>
-                    <a:p>
-                      <a:r>
-                        <a:rPr lang="de-CH" sz="800" dirty="0" smtClean="0"/>
+                    </a:p>
+                  </a:txBody>
+                  <a:tcPr/>
+                </a:tc>
+                <a:tc>
+                  <a:txBody>
+                    <a:bodyPr/>
+                    <a:lstStyle/>
+                    <a:p>
+                      <a:r>
+                        <a:rPr lang="de-CH" sz="800" dirty="0"/>
                         <a:t>c</a:t>
                       </a:r>
-                      <a:endParaRPr lang="de-CH" sz="800" dirty="0"/>
-                    </a:p>
-                  </a:txBody>
-                  <a:tcPr/>
-                </a:tc>
-                <a:tc>
-                  <a:txBody>
-                    <a:bodyPr/>
-                    <a:lstStyle/>
-                    <a:p>
-                      <a:r>
-                        <a:rPr lang="de-CH" sz="800" dirty="0" smtClean="0"/>
+                    </a:p>
+                  </a:txBody>
+                  <a:tcPr/>
+                </a:tc>
+                <a:tc>
+                  <a:txBody>
+                    <a:bodyPr/>
+                    <a:lstStyle/>
+                    <a:p>
+                      <a:r>
+                        <a:rPr lang="de-CH" sz="800" dirty="0"/>
                         <a:t>n</a:t>
                       </a:r>
-                      <a:endParaRPr lang="de-CH" sz="800" dirty="0"/>
                     </a:p>
                   </a:txBody>
                   <a:tcPr/>
@@ -5938,10 +6098,9 @@
                     <a:lstStyle/>
                     <a:p>
                       <a:r>
-                        <a:rPr lang="de-CH" sz="800" dirty="0" smtClean="0"/>
+                        <a:rPr lang="de-CH" sz="800" dirty="0"/>
                         <a:t>TextFeld3</a:t>
                       </a:r>
-                      <a:endParaRPr lang="de-CH" sz="800" dirty="0"/>
                     </a:p>
                   </a:txBody>
                   <a:tcPr/>
@@ -5962,140 +6121,134 @@
                     <a:lstStyle/>
                     <a:p>
                       <a:r>
-                        <a:rPr lang="de-CH" sz="800" dirty="0" smtClean="0"/>
+                        <a:rPr lang="de-CH" sz="800" dirty="0"/>
                         <a:t>Text</a:t>
                       </a:r>
-                      <a:endParaRPr lang="de-CH" sz="800" dirty="0"/>
-                    </a:p>
-                  </a:txBody>
-                  <a:tcPr/>
-                </a:tc>
-                <a:tc>
-                  <a:txBody>
-                    <a:bodyPr/>
-                    <a:lstStyle/>
-                    <a:p>
-                      <a:endParaRPr lang="de-CH" sz="800" dirty="0"/>
-                    </a:p>
-                  </a:txBody>
-                  <a:tcPr/>
-                </a:tc>
-                <a:tc>
-                  <a:txBody>
-                    <a:bodyPr/>
-                    <a:lstStyle/>
-                    <a:p>
-                      <a:endParaRPr lang="de-CH" sz="800" dirty="0"/>
-                    </a:p>
-                  </a:txBody>
-                  <a:tcPr/>
-                </a:tc>
-                <a:tc>
-                  <a:txBody>
-                    <a:bodyPr/>
-                    <a:lstStyle/>
-                    <a:p>
-                      <a:endParaRPr lang="de-CH" sz="800" dirty="0"/>
-                    </a:p>
-                  </a:txBody>
-                  <a:tcPr/>
-                </a:tc>
-                <a:tc>
-                  <a:txBody>
-                    <a:bodyPr/>
-                    <a:lstStyle/>
-                    <a:p>
-                      <a:r>
-                        <a:rPr lang="de-CH" sz="800" dirty="0" smtClean="0"/>
+                    </a:p>
+                  </a:txBody>
+                  <a:tcPr/>
+                </a:tc>
+                <a:tc>
+                  <a:txBody>
+                    <a:bodyPr/>
+                    <a:lstStyle/>
+                    <a:p>
+                      <a:endParaRPr lang="de-CH" sz="800" dirty="0"/>
+                    </a:p>
+                  </a:txBody>
+                  <a:tcPr/>
+                </a:tc>
+                <a:tc>
+                  <a:txBody>
+                    <a:bodyPr/>
+                    <a:lstStyle/>
+                    <a:p>
+                      <a:endParaRPr lang="de-CH" sz="800" dirty="0"/>
+                    </a:p>
+                  </a:txBody>
+                  <a:tcPr/>
+                </a:tc>
+                <a:tc>
+                  <a:txBody>
+                    <a:bodyPr/>
+                    <a:lstStyle/>
+                    <a:p>
+                      <a:endParaRPr lang="de-CH" sz="800" dirty="0"/>
+                    </a:p>
+                  </a:txBody>
+                  <a:tcPr/>
+                </a:tc>
+                <a:tc>
+                  <a:txBody>
+                    <a:bodyPr/>
+                    <a:lstStyle/>
+                    <a:p>
+                      <a:r>
+                        <a:rPr lang="de-CH" sz="800" dirty="0"/>
                         <a:t>l</a:t>
                       </a:r>
-                      <a:endParaRPr lang="de-CH" sz="800" dirty="0"/>
-                    </a:p>
-                  </a:txBody>
-                  <a:tcPr/>
-                </a:tc>
-                <a:tc>
-                  <a:txBody>
-                    <a:bodyPr/>
-                    <a:lstStyle/>
-                    <a:p>
-                      <a:endParaRPr lang="de-CH" sz="800" dirty="0"/>
-                    </a:p>
-                  </a:txBody>
-                  <a:tcPr/>
-                </a:tc>
-                <a:tc>
-                  <a:txBody>
-                    <a:bodyPr/>
-                    <a:lstStyle/>
-                    <a:p>
-                      <a:r>
-                        <a:rPr lang="de-CH" sz="800" dirty="0" smtClean="0"/>
+                    </a:p>
+                  </a:txBody>
+                  <a:tcPr/>
+                </a:tc>
+                <a:tc>
+                  <a:txBody>
+                    <a:bodyPr/>
+                    <a:lstStyle/>
+                    <a:p>
+                      <a:endParaRPr lang="de-CH" sz="800" dirty="0"/>
+                    </a:p>
+                  </a:txBody>
+                  <a:tcPr/>
+                </a:tc>
+                <a:tc>
+                  <a:txBody>
+                    <a:bodyPr/>
+                    <a:lstStyle/>
+                    <a:p>
+                      <a:r>
+                        <a:rPr lang="de-CH" sz="800" dirty="0"/>
                         <a:t>l</a:t>
                       </a:r>
-                      <a:endParaRPr lang="de-CH" sz="800" dirty="0"/>
-                    </a:p>
-                  </a:txBody>
-                  <a:tcPr/>
-                </a:tc>
-                <a:tc>
-                  <a:txBody>
-                    <a:bodyPr/>
-                    <a:lstStyle/>
-                    <a:p>
-                      <a:r>
-                        <a:rPr lang="de-CH" sz="800" dirty="0" smtClean="0"/>
+                    </a:p>
+                  </a:txBody>
+                  <a:tcPr/>
+                </a:tc>
+                <a:tc>
+                  <a:txBody>
+                    <a:bodyPr/>
+                    <a:lstStyle/>
+                    <a:p>
+                      <a:r>
+                        <a:rPr lang="de-CH" sz="800" dirty="0"/>
                         <a:t>l</a:t>
                       </a:r>
-                      <a:endParaRPr lang="de-CH" sz="800" dirty="0"/>
-                    </a:p>
-                  </a:txBody>
-                  <a:tcPr/>
-                </a:tc>
-                <a:tc>
-                  <a:txBody>
-                    <a:bodyPr/>
-                    <a:lstStyle/>
-                    <a:p>
-                      <a:endParaRPr lang="de-CH" sz="800" dirty="0"/>
-                    </a:p>
-                  </a:txBody>
-                  <a:tcPr/>
-                </a:tc>
-                <a:tc>
-                  <a:txBody>
-                    <a:bodyPr/>
-                    <a:lstStyle/>
-                    <a:p>
-                      <a:endParaRPr lang="de-CH" sz="800" dirty="0"/>
-                    </a:p>
-                  </a:txBody>
-                  <a:tcPr/>
-                </a:tc>
-                <a:tc>
-                  <a:txBody>
-                    <a:bodyPr/>
-                    <a:lstStyle/>
-                    <a:p>
-                      <a:r>
-                        <a:rPr lang="de-CH" sz="800" dirty="0" smtClean="0"/>
+                    </a:p>
+                  </a:txBody>
+                  <a:tcPr/>
+                </a:tc>
+                <a:tc>
+                  <a:txBody>
+                    <a:bodyPr/>
+                    <a:lstStyle/>
+                    <a:p>
+                      <a:endParaRPr lang="de-CH" sz="800" dirty="0"/>
+                    </a:p>
+                  </a:txBody>
+                  <a:tcPr/>
+                </a:tc>
+                <a:tc>
+                  <a:txBody>
+                    <a:bodyPr/>
+                    <a:lstStyle/>
+                    <a:p>
+                      <a:endParaRPr lang="de-CH" sz="800" dirty="0"/>
+                    </a:p>
+                  </a:txBody>
+                  <a:tcPr/>
+                </a:tc>
+                <a:tc>
+                  <a:txBody>
+                    <a:bodyPr/>
+                    <a:lstStyle/>
+                    <a:p>
+                      <a:r>
+                        <a:rPr lang="de-CH" sz="800" dirty="0"/>
                         <a:t>l</a:t>
                       </a:r>
-                      <a:endParaRPr lang="de-CH" sz="800" dirty="0"/>
-                    </a:p>
-                  </a:txBody>
-                  <a:tcPr/>
-                </a:tc>
-                <a:tc>
-                  <a:txBody>
-                    <a:bodyPr/>
-                    <a:lstStyle/>
-                    <a:p>
-                      <a:r>
-                        <a:rPr lang="de-CH" sz="800" dirty="0" smtClean="0"/>
+                    </a:p>
+                  </a:txBody>
+                  <a:tcPr/>
+                </a:tc>
+                <a:tc>
+                  <a:txBody>
+                    <a:bodyPr/>
+                    <a:lstStyle/>
+                    <a:p>
+                      <a:r>
+                        <a:rPr lang="de-CH" sz="800" dirty="0"/>
                         <a:t>l</a:t>
                       </a:r>
-                      <a:endParaRPr lang="de-CH" sz="800" dirty="0"/>
                     </a:p>
                   </a:txBody>
                   <a:tcPr/>
@@ -6133,10 +6286,9 @@
                     <a:lstStyle/>
                     <a:p>
                       <a:r>
-                        <a:rPr lang="de-CH" sz="800" dirty="0" smtClean="0"/>
+                        <a:rPr lang="de-CH" sz="800" dirty="0"/>
                         <a:t>Textfeld60</a:t>
                       </a:r>
-                      <a:endParaRPr lang="de-CH" sz="800" dirty="0"/>
                     </a:p>
                   </a:txBody>
                   <a:tcPr/>
@@ -6157,10 +6309,9 @@
                     <a:lstStyle/>
                     <a:p>
                       <a:r>
-                        <a:rPr lang="de-CH" sz="800" dirty="0" smtClean="0"/>
+                        <a:rPr lang="de-CH" sz="800" dirty="0"/>
                         <a:t>Text</a:t>
                       </a:r>
-                      <a:endParaRPr lang="de-CH" sz="800" dirty="0"/>
                     </a:p>
                   </a:txBody>
                   <a:tcPr/>
@@ -6308,7 +6459,7 @@
                     <a:lstStyle/>
                     <a:p>
                       <a:r>
-                        <a:rPr lang="de-CH" sz="800" dirty="0" err="1" smtClean="0"/>
+                        <a:rPr lang="de-CH" sz="800" dirty="0" err="1"/>
                         <a:t>IntFeld</a:t>
                       </a:r>
                       <a:endParaRPr lang="de-CH" sz="800" dirty="0"/>
@@ -6332,174 +6483,161 @@
                     <a:lstStyle/>
                     <a:p>
                       <a:r>
-                        <a:rPr lang="de-CH" sz="800" dirty="0" smtClean="0"/>
+                        <a:rPr lang="de-CH" sz="800" dirty="0"/>
                         <a:t>Long</a:t>
                       </a:r>
-                      <a:endParaRPr lang="de-CH" sz="800" dirty="0"/>
-                    </a:p>
-                  </a:txBody>
-                  <a:tcPr/>
-                </a:tc>
-                <a:tc>
-                  <a:txBody>
-                    <a:bodyPr/>
-                    <a:lstStyle/>
-                    <a:p>
-                      <a:endParaRPr lang="de-CH" sz="800" dirty="0"/>
-                    </a:p>
-                  </a:txBody>
-                  <a:tcPr/>
-                </a:tc>
-                <a:tc>
-                  <a:txBody>
-                    <a:bodyPr/>
-                    <a:lstStyle/>
-                    <a:p>
-                      <a:r>
-                        <a:rPr lang="de-CH" sz="800" dirty="0" smtClean="0"/>
+                    </a:p>
+                  </a:txBody>
+                  <a:tcPr/>
+                </a:tc>
+                <a:tc>
+                  <a:txBody>
+                    <a:bodyPr/>
+                    <a:lstStyle/>
+                    <a:p>
+                      <a:endParaRPr lang="de-CH" sz="800" dirty="0"/>
+                    </a:p>
+                  </a:txBody>
+                  <a:tcPr/>
+                </a:tc>
+                <a:tc>
+                  <a:txBody>
+                    <a:bodyPr/>
+                    <a:lstStyle/>
+                    <a:p>
+                      <a:r>
+                        <a:rPr lang="de-CH" sz="800" dirty="0"/>
                         <a:t>N</a:t>
                       </a:r>
-                      <a:endParaRPr lang="de-CH" sz="800" dirty="0"/>
-                    </a:p>
-                  </a:txBody>
-                  <a:tcPr/>
-                </a:tc>
-                <a:tc>
-                  <a:txBody>
-                    <a:bodyPr/>
-                    <a:lstStyle/>
-                    <a:p>
-                      <a:endParaRPr lang="de-CH" sz="800" dirty="0"/>
-                    </a:p>
-                  </a:txBody>
-                  <a:tcPr/>
-                </a:tc>
-                <a:tc>
-                  <a:txBody>
-                    <a:bodyPr/>
-                    <a:lstStyle/>
-                    <a:p>
-                      <a:r>
-                        <a:rPr lang="de-CH" sz="800" dirty="0" smtClean="0"/>
+                    </a:p>
+                  </a:txBody>
+                  <a:tcPr/>
+                </a:tc>
+                <a:tc>
+                  <a:txBody>
+                    <a:bodyPr/>
+                    <a:lstStyle/>
+                    <a:p>
+                      <a:endParaRPr lang="de-CH" sz="800" dirty="0"/>
+                    </a:p>
+                  </a:txBody>
+                  <a:tcPr/>
+                </a:tc>
+                <a:tc>
+                  <a:txBody>
+                    <a:bodyPr/>
+                    <a:lstStyle/>
+                    <a:p>
+                      <a:r>
+                        <a:rPr lang="de-CH" sz="800" dirty="0"/>
                         <a:t>(c) </a:t>
                       </a:r>
                       <a:r>
-                        <a:rPr lang="de-CH" sz="800" dirty="0" smtClean="0">
+                        <a:rPr lang="de-CH" sz="800" dirty="0">
                           <a:solidFill>
                             <a:srgbClr val="FF66FF"/>
                           </a:solidFill>
                         </a:rPr>
                         <a:t>c</a:t>
                       </a:r>
-                      <a:endParaRPr lang="de-CH" sz="800" dirty="0">
-                        <a:solidFill>
-                          <a:srgbClr val="FF66FF"/>
-                        </a:solidFill>
-                      </a:endParaRPr>
-                    </a:p>
-                  </a:txBody>
-                  <a:tcPr/>
-                </a:tc>
-                <a:tc>
-                  <a:txBody>
-                    <a:bodyPr/>
-                    <a:lstStyle/>
-                    <a:p>
-                      <a:r>
-                        <a:rPr lang="de-CH" sz="800" dirty="0" smtClean="0"/>
+                    </a:p>
+                  </a:txBody>
+                  <a:tcPr/>
+                </a:tc>
+                <a:tc>
+                  <a:txBody>
+                    <a:bodyPr/>
+                    <a:lstStyle/>
+                    <a:p>
+                      <a:r>
+                        <a:rPr lang="de-CH" sz="800" dirty="0"/>
                         <a:t>c</a:t>
                       </a:r>
-                      <a:endParaRPr lang="de-CH" sz="800" dirty="0"/>
-                    </a:p>
-                  </a:txBody>
-                  <a:tcPr/>
-                </a:tc>
-                <a:tc>
-                  <a:txBody>
-                    <a:bodyPr/>
-                    <a:lstStyle/>
-                    <a:p>
-                      <a:r>
-                        <a:rPr lang="de-CH" sz="800" dirty="0" smtClean="0"/>
+                    </a:p>
+                  </a:txBody>
+                  <a:tcPr/>
+                </a:tc>
+                <a:tc>
+                  <a:txBody>
+                    <a:bodyPr/>
+                    <a:lstStyle/>
+                    <a:p>
+                      <a:r>
+                        <a:rPr lang="de-CH" sz="800" dirty="0"/>
                         <a:t>c</a:t>
                       </a:r>
-                      <a:endParaRPr lang="de-CH" sz="800" dirty="0"/>
-                    </a:p>
-                  </a:txBody>
-                  <a:tcPr/>
-                </a:tc>
-                <a:tc>
-                  <a:txBody>
-                    <a:bodyPr/>
-                    <a:lstStyle/>
-                    <a:p>
-                      <a:r>
-                        <a:rPr lang="de-CH" sz="800" dirty="0" smtClean="0"/>
+                    </a:p>
+                  </a:txBody>
+                  <a:tcPr/>
+                </a:tc>
+                <a:tc>
+                  <a:txBody>
+                    <a:bodyPr/>
+                    <a:lstStyle/>
+                    <a:p>
+                      <a:r>
+                        <a:rPr lang="de-CH" sz="800" dirty="0"/>
                         <a:t>c</a:t>
                       </a:r>
-                      <a:endParaRPr lang="de-CH" sz="800" dirty="0"/>
-                    </a:p>
-                  </a:txBody>
-                  <a:tcPr/>
-                </a:tc>
-                <a:tc>
-                  <a:txBody>
-                    <a:bodyPr/>
-                    <a:lstStyle/>
-                    <a:p>
-                      <a:endParaRPr lang="de-CH" sz="800" dirty="0"/>
-                    </a:p>
-                  </a:txBody>
-                  <a:tcPr/>
-                </a:tc>
-                <a:tc>
-                  <a:txBody>
-                    <a:bodyPr/>
-                    <a:lstStyle/>
-                    <a:p>
-                      <a:endParaRPr lang="de-CH" sz="800" dirty="0"/>
-                    </a:p>
-                  </a:txBody>
-                  <a:tcPr/>
-                </a:tc>
-                <a:tc>
-                  <a:txBody>
-                    <a:bodyPr/>
-                    <a:lstStyle/>
-                    <a:p>
-                      <a:r>
-                        <a:rPr lang="de-CH" sz="800" dirty="0" smtClean="0"/>
+                    </a:p>
+                  </a:txBody>
+                  <a:tcPr/>
+                </a:tc>
+                <a:tc>
+                  <a:txBody>
+                    <a:bodyPr/>
+                    <a:lstStyle/>
+                    <a:p>
+                      <a:endParaRPr lang="de-CH" sz="800" dirty="0"/>
+                    </a:p>
+                  </a:txBody>
+                  <a:tcPr/>
+                </a:tc>
+                <a:tc>
+                  <a:txBody>
+                    <a:bodyPr/>
+                    <a:lstStyle/>
+                    <a:p>
+                      <a:endParaRPr lang="de-CH" sz="800" dirty="0"/>
+                    </a:p>
+                  </a:txBody>
+                  <a:tcPr/>
+                </a:tc>
+                <a:tc>
+                  <a:txBody>
+                    <a:bodyPr/>
+                    <a:lstStyle/>
+                    <a:p>
+                      <a:r>
+                        <a:rPr lang="de-CH" sz="800" dirty="0"/>
                         <a:t>c</a:t>
                       </a:r>
-                      <a:endParaRPr lang="de-CH" sz="800" dirty="0"/>
-                    </a:p>
-                  </a:txBody>
-                  <a:tcPr/>
-                </a:tc>
-                <a:tc>
-                  <a:txBody>
-                    <a:bodyPr/>
-                    <a:lstStyle/>
-                    <a:p>
-                      <a:r>
-                        <a:rPr lang="de-CH" sz="800" dirty="0" smtClean="0"/>
+                    </a:p>
+                  </a:txBody>
+                  <a:tcPr/>
+                </a:tc>
+                <a:tc>
+                  <a:txBody>
+                    <a:bodyPr/>
+                    <a:lstStyle/>
+                    <a:p>
+                      <a:r>
+                        <a:rPr lang="de-CH" sz="800" dirty="0"/>
                         <a:t>c</a:t>
                       </a:r>
-                      <a:endParaRPr lang="de-CH" sz="800" dirty="0"/>
-                    </a:p>
-                  </a:txBody>
-                  <a:tcPr/>
-                </a:tc>
-                <a:tc>
-                  <a:txBody>
-                    <a:bodyPr/>
-                    <a:lstStyle/>
-                    <a:p>
-                      <a:r>
-                        <a:rPr lang="de-CH" sz="800" dirty="0" smtClean="0"/>
+                    </a:p>
+                  </a:txBody>
+                  <a:tcPr/>
+                </a:tc>
+                <a:tc>
+                  <a:txBody>
+                    <a:bodyPr/>
+                    <a:lstStyle/>
+                    <a:p>
+                      <a:r>
+                        <a:rPr lang="de-CH" sz="800" dirty="0"/>
                         <a:t>n</a:t>
                       </a:r>
-                      <a:endParaRPr lang="de-CH" sz="800" dirty="0"/>
                     </a:p>
                   </a:txBody>
                   <a:tcPr/>
@@ -6527,10 +6665,9 @@
                     <a:lstStyle/>
                     <a:p>
                       <a:r>
-                        <a:rPr lang="de-CH" sz="800" dirty="0" smtClean="0"/>
+                        <a:rPr lang="de-CH" sz="800" dirty="0"/>
                         <a:t>Int64Feld</a:t>
                       </a:r>
-                      <a:endParaRPr lang="de-CH" sz="800" dirty="0"/>
                     </a:p>
                   </a:txBody>
                   <a:tcPr/>
@@ -6551,170 +6688,157 @@
                     <a:lstStyle/>
                     <a:p>
                       <a:r>
-                        <a:rPr lang="de-CH" sz="800" dirty="0" smtClean="0"/>
+                        <a:rPr lang="de-CH" sz="800" dirty="0"/>
                         <a:t>Long</a:t>
                       </a:r>
-                      <a:endParaRPr lang="de-CH" sz="800" dirty="0"/>
-                    </a:p>
-                  </a:txBody>
-                  <a:tcPr/>
-                </a:tc>
-                <a:tc>
-                  <a:txBody>
-                    <a:bodyPr/>
-                    <a:lstStyle/>
-                    <a:p>
-                      <a:endParaRPr lang="de-CH" sz="800" dirty="0"/>
-                    </a:p>
-                  </a:txBody>
-                  <a:tcPr/>
-                </a:tc>
-                <a:tc>
-                  <a:txBody>
-                    <a:bodyPr/>
-                    <a:lstStyle/>
-                    <a:p>
-                      <a:r>
-                        <a:rPr lang="de-CH" sz="800" dirty="0" smtClean="0"/>
+                    </a:p>
+                  </a:txBody>
+                  <a:tcPr/>
+                </a:tc>
+                <a:tc>
+                  <a:txBody>
+                    <a:bodyPr/>
+                    <a:lstStyle/>
+                    <a:p>
+                      <a:endParaRPr lang="de-CH" sz="800" dirty="0"/>
+                    </a:p>
+                  </a:txBody>
+                  <a:tcPr/>
+                </a:tc>
+                <a:tc>
+                  <a:txBody>
+                    <a:bodyPr/>
+                    <a:lstStyle/>
+                    <a:p>
+                      <a:r>
+                        <a:rPr lang="de-CH" sz="800" dirty="0"/>
                         <a:t>N</a:t>
                       </a:r>
-                      <a:endParaRPr lang="de-CH" sz="800" dirty="0"/>
-                    </a:p>
-                  </a:txBody>
-                  <a:tcPr/>
-                </a:tc>
-                <a:tc>
-                  <a:txBody>
-                    <a:bodyPr/>
-                    <a:lstStyle/>
-                    <a:p>
-                      <a:endParaRPr lang="de-CH" sz="800" dirty="0"/>
-                    </a:p>
-                  </a:txBody>
-                  <a:tcPr/>
-                </a:tc>
-                <a:tc>
-                  <a:txBody>
-                    <a:bodyPr/>
-                    <a:lstStyle/>
-                    <a:p>
-                      <a:r>
-                        <a:rPr lang="de-CH" sz="800" dirty="0" smtClean="0">
+                    </a:p>
+                  </a:txBody>
+                  <a:tcPr/>
+                </a:tc>
+                <a:tc>
+                  <a:txBody>
+                    <a:bodyPr/>
+                    <a:lstStyle/>
+                    <a:p>
+                      <a:endParaRPr lang="de-CH" sz="800" dirty="0"/>
+                    </a:p>
+                  </a:txBody>
+                  <a:tcPr/>
+                </a:tc>
+                <a:tc>
+                  <a:txBody>
+                    <a:bodyPr/>
+                    <a:lstStyle/>
+                    <a:p>
+                      <a:r>
+                        <a:rPr lang="de-CH" sz="800" dirty="0">
                           <a:solidFill>
                             <a:srgbClr val="FF66FF"/>
                           </a:solidFill>
                         </a:rPr>
                         <a:t>c</a:t>
                       </a:r>
-                      <a:endParaRPr lang="de-CH" sz="800" dirty="0">
-                        <a:solidFill>
-                          <a:srgbClr val="FF66FF"/>
-                        </a:solidFill>
-                      </a:endParaRPr>
-                    </a:p>
-                  </a:txBody>
-                  <a:tcPr/>
-                </a:tc>
-                <a:tc>
-                  <a:txBody>
-                    <a:bodyPr/>
-                    <a:lstStyle/>
-                    <a:p>
-                      <a:r>
-                        <a:rPr lang="de-CH" sz="800" dirty="0" smtClean="0"/>
+                    </a:p>
+                  </a:txBody>
+                  <a:tcPr/>
+                </a:tc>
+                <a:tc>
+                  <a:txBody>
+                    <a:bodyPr/>
+                    <a:lstStyle/>
+                    <a:p>
+                      <a:r>
+                        <a:rPr lang="de-CH" sz="800" dirty="0"/>
                         <a:t>c</a:t>
                       </a:r>
-                      <a:endParaRPr lang="de-CH" sz="800" dirty="0"/>
-                    </a:p>
-                  </a:txBody>
-                  <a:tcPr/>
-                </a:tc>
-                <a:tc>
-                  <a:txBody>
-                    <a:bodyPr/>
-                    <a:lstStyle/>
-                    <a:p>
-                      <a:r>
-                        <a:rPr lang="de-CH" sz="800" dirty="0" smtClean="0"/>
+                    </a:p>
+                  </a:txBody>
+                  <a:tcPr/>
+                </a:tc>
+                <a:tc>
+                  <a:txBody>
+                    <a:bodyPr/>
+                    <a:lstStyle/>
+                    <a:p>
+                      <a:r>
+                        <a:rPr lang="de-CH" sz="800" dirty="0"/>
                         <a:t>c</a:t>
                       </a:r>
-                      <a:endParaRPr lang="de-CH" sz="800" dirty="0"/>
-                    </a:p>
-                  </a:txBody>
-                  <a:tcPr/>
-                </a:tc>
-                <a:tc>
-                  <a:txBody>
-                    <a:bodyPr/>
-                    <a:lstStyle/>
-                    <a:p>
-                      <a:r>
-                        <a:rPr lang="de-CH" sz="800" dirty="0" smtClean="0"/>
+                    </a:p>
+                  </a:txBody>
+                  <a:tcPr/>
+                </a:tc>
+                <a:tc>
+                  <a:txBody>
+                    <a:bodyPr/>
+                    <a:lstStyle/>
+                    <a:p>
+                      <a:r>
+                        <a:rPr lang="de-CH" sz="800" dirty="0"/>
                         <a:t>c</a:t>
                       </a:r>
-                      <a:endParaRPr lang="de-CH" sz="800" dirty="0"/>
-                    </a:p>
-                  </a:txBody>
-                  <a:tcPr/>
-                </a:tc>
-                <a:tc>
-                  <a:txBody>
-                    <a:bodyPr/>
-                    <a:lstStyle/>
-                    <a:p>
-                      <a:endParaRPr lang="de-CH" sz="800" dirty="0"/>
-                    </a:p>
-                  </a:txBody>
-                  <a:tcPr/>
-                </a:tc>
-                <a:tc>
-                  <a:txBody>
-                    <a:bodyPr/>
-                    <a:lstStyle/>
-                    <a:p>
-                      <a:endParaRPr lang="de-CH" sz="800" dirty="0"/>
-                    </a:p>
-                  </a:txBody>
-                  <a:tcPr/>
-                </a:tc>
-                <a:tc>
-                  <a:txBody>
-                    <a:bodyPr/>
-                    <a:lstStyle/>
-                    <a:p>
-                      <a:r>
-                        <a:rPr lang="de-CH" sz="800" dirty="0" smtClean="0"/>
+                    </a:p>
+                  </a:txBody>
+                  <a:tcPr/>
+                </a:tc>
+                <a:tc>
+                  <a:txBody>
+                    <a:bodyPr/>
+                    <a:lstStyle/>
+                    <a:p>
+                      <a:endParaRPr lang="de-CH" sz="800" dirty="0"/>
+                    </a:p>
+                  </a:txBody>
+                  <a:tcPr/>
+                </a:tc>
+                <a:tc>
+                  <a:txBody>
+                    <a:bodyPr/>
+                    <a:lstStyle/>
+                    <a:p>
+                      <a:endParaRPr lang="de-CH" sz="800" dirty="0"/>
+                    </a:p>
+                  </a:txBody>
+                  <a:tcPr/>
+                </a:tc>
+                <a:tc>
+                  <a:txBody>
+                    <a:bodyPr/>
+                    <a:lstStyle/>
+                    <a:p>
+                      <a:r>
+                        <a:rPr lang="de-CH" sz="800" dirty="0"/>
                         <a:t>c</a:t>
                       </a:r>
-                      <a:endParaRPr lang="de-CH" sz="800" dirty="0"/>
-                    </a:p>
-                  </a:txBody>
-                  <a:tcPr/>
-                </a:tc>
-                <a:tc>
-                  <a:txBody>
-                    <a:bodyPr/>
-                    <a:lstStyle/>
-                    <a:p>
-                      <a:r>
-                        <a:rPr lang="de-CH" sz="800" dirty="0" smtClean="0"/>
+                    </a:p>
+                  </a:txBody>
+                  <a:tcPr/>
+                </a:tc>
+                <a:tc>
+                  <a:txBody>
+                    <a:bodyPr/>
+                    <a:lstStyle/>
+                    <a:p>
+                      <a:r>
+                        <a:rPr lang="de-CH" sz="800" dirty="0"/>
                         <a:t>c</a:t>
                       </a:r>
-                      <a:endParaRPr lang="de-CH" sz="800" dirty="0"/>
-                    </a:p>
-                  </a:txBody>
-                  <a:tcPr/>
-                </a:tc>
-                <a:tc>
-                  <a:txBody>
-                    <a:bodyPr/>
-                    <a:lstStyle/>
-                    <a:p>
-                      <a:r>
-                        <a:rPr lang="de-CH" sz="800" dirty="0" smtClean="0"/>
+                    </a:p>
+                  </a:txBody>
+                  <a:tcPr/>
+                </a:tc>
+                <a:tc>
+                  <a:txBody>
+                    <a:bodyPr/>
+                    <a:lstStyle/>
+                    <a:p>
+                      <a:r>
+                        <a:rPr lang="de-CH" sz="800" dirty="0"/>
                         <a:t>n</a:t>
                       </a:r>
-                      <a:endParaRPr lang="de-CH" sz="800" dirty="0"/>
                     </a:p>
                   </a:txBody>
                   <a:tcPr/>
@@ -6742,7 +6866,7 @@
                     <a:lstStyle/>
                     <a:p>
                       <a:r>
-                        <a:rPr lang="de-CH" sz="800" dirty="0" err="1" smtClean="0"/>
+                        <a:rPr lang="de-CH" sz="800" dirty="0" err="1"/>
                         <a:t>RealFeld</a:t>
                       </a:r>
                       <a:endParaRPr lang="de-CH" sz="800" dirty="0"/>
@@ -6766,150 +6890,144 @@
                     <a:lstStyle/>
                     <a:p>
                       <a:r>
-                        <a:rPr lang="de-CH" sz="800" dirty="0" smtClean="0"/>
+                        <a:rPr lang="de-CH" sz="800" dirty="0"/>
                         <a:t>Double</a:t>
                       </a:r>
-                      <a:endParaRPr lang="de-CH" sz="800" dirty="0"/>
-                    </a:p>
-                  </a:txBody>
-                  <a:tcPr/>
-                </a:tc>
-                <a:tc>
-                  <a:txBody>
-                    <a:bodyPr/>
-                    <a:lstStyle/>
-                    <a:p>
-                      <a:endParaRPr lang="de-CH" sz="800" dirty="0"/>
-                    </a:p>
-                  </a:txBody>
-                  <a:tcPr/>
-                </a:tc>
-                <a:tc>
-                  <a:txBody>
-                    <a:bodyPr/>
-                    <a:lstStyle/>
-                    <a:p>
-                      <a:r>
-                        <a:rPr lang="de-CH" sz="800" dirty="0" smtClean="0"/>
+                    </a:p>
+                  </a:txBody>
+                  <a:tcPr/>
+                </a:tc>
+                <a:tc>
+                  <a:txBody>
+                    <a:bodyPr/>
+                    <a:lstStyle/>
+                    <a:p>
+                      <a:endParaRPr lang="de-CH" sz="800" dirty="0"/>
+                    </a:p>
+                  </a:txBody>
+                  <a:tcPr/>
+                </a:tc>
+                <a:tc>
+                  <a:txBody>
+                    <a:bodyPr/>
+                    <a:lstStyle/>
+                    <a:p>
+                      <a:r>
+                        <a:rPr lang="de-CH" sz="800" dirty="0"/>
                         <a:t>N</a:t>
                       </a:r>
-                      <a:endParaRPr lang="de-CH" sz="800" dirty="0"/>
-                    </a:p>
-                  </a:txBody>
-                  <a:tcPr/>
-                </a:tc>
-                <a:tc>
-                  <a:txBody>
-                    <a:bodyPr/>
-                    <a:lstStyle/>
-                    <a:p>
-                      <a:endParaRPr lang="de-CH" sz="800" dirty="0"/>
-                    </a:p>
-                  </a:txBody>
-                  <a:tcPr/>
-                </a:tc>
-                <a:tc>
-                  <a:txBody>
-                    <a:bodyPr/>
-                    <a:lstStyle/>
-                    <a:p>
-                      <a:endParaRPr lang="de-CH" sz="800" dirty="0"/>
-                    </a:p>
-                  </a:txBody>
-                  <a:tcPr/>
-                </a:tc>
-                <a:tc>
-                  <a:txBody>
-                    <a:bodyPr/>
-                    <a:lstStyle/>
-                    <a:p>
-                      <a:endParaRPr lang="de-CH" sz="800" dirty="0"/>
-                    </a:p>
-                  </a:txBody>
-                  <a:tcPr/>
-                </a:tc>
-                <a:tc>
-                  <a:txBody>
-                    <a:bodyPr/>
-                    <a:lstStyle/>
-                    <a:p>
-                      <a:endParaRPr lang="de-CH" sz="800" dirty="0"/>
-                    </a:p>
-                  </a:txBody>
-                  <a:tcPr/>
-                </a:tc>
-                <a:tc>
-                  <a:txBody>
-                    <a:bodyPr/>
-                    <a:lstStyle/>
-                    <a:p>
-                      <a:r>
-                        <a:rPr lang="de-CH" sz="800" dirty="0" smtClean="0"/>
+                    </a:p>
+                  </a:txBody>
+                  <a:tcPr/>
+                </a:tc>
+                <a:tc>
+                  <a:txBody>
+                    <a:bodyPr/>
+                    <a:lstStyle/>
+                    <a:p>
+                      <a:endParaRPr lang="de-CH" sz="800" dirty="0"/>
+                    </a:p>
+                  </a:txBody>
+                  <a:tcPr/>
+                </a:tc>
+                <a:tc>
+                  <a:txBody>
+                    <a:bodyPr/>
+                    <a:lstStyle/>
+                    <a:p>
+                      <a:endParaRPr lang="de-CH" sz="800" dirty="0"/>
+                    </a:p>
+                  </a:txBody>
+                  <a:tcPr/>
+                </a:tc>
+                <a:tc>
+                  <a:txBody>
+                    <a:bodyPr/>
+                    <a:lstStyle/>
+                    <a:p>
+                      <a:endParaRPr lang="de-CH" sz="800" dirty="0"/>
+                    </a:p>
+                  </a:txBody>
+                  <a:tcPr/>
+                </a:tc>
+                <a:tc>
+                  <a:txBody>
+                    <a:bodyPr/>
+                    <a:lstStyle/>
+                    <a:p>
+                      <a:endParaRPr lang="de-CH" sz="800" dirty="0"/>
+                    </a:p>
+                  </a:txBody>
+                  <a:tcPr/>
+                </a:tc>
+                <a:tc>
+                  <a:txBody>
+                    <a:bodyPr/>
+                    <a:lstStyle/>
+                    <a:p>
+                      <a:r>
+                        <a:rPr lang="de-CH" sz="800" dirty="0"/>
                         <a:t>c</a:t>
                       </a:r>
-                      <a:endParaRPr lang="de-CH" sz="800" dirty="0"/>
-                    </a:p>
-                  </a:txBody>
-                  <a:tcPr/>
-                </a:tc>
-                <a:tc>
-                  <a:txBody>
-                    <a:bodyPr/>
-                    <a:lstStyle/>
-                    <a:p>
-                      <a:endParaRPr lang="de-CH" sz="800" dirty="0"/>
-                    </a:p>
-                  </a:txBody>
-                  <a:tcPr/>
-                </a:tc>
-                <a:tc>
-                  <a:txBody>
-                    <a:bodyPr/>
-                    <a:lstStyle/>
-                    <a:p>
-                      <a:endParaRPr lang="de-CH" sz="800" dirty="0"/>
-                    </a:p>
-                  </a:txBody>
-                  <a:tcPr/>
-                </a:tc>
-                <a:tc>
-                  <a:txBody>
-                    <a:bodyPr/>
-                    <a:lstStyle/>
-                    <a:p>
-                      <a:r>
-                        <a:rPr lang="de-CH" sz="800" dirty="0" smtClean="0"/>
+                    </a:p>
+                  </a:txBody>
+                  <a:tcPr/>
+                </a:tc>
+                <a:tc>
+                  <a:txBody>
+                    <a:bodyPr/>
+                    <a:lstStyle/>
+                    <a:p>
+                      <a:endParaRPr lang="de-CH" sz="800" dirty="0"/>
+                    </a:p>
+                  </a:txBody>
+                  <a:tcPr/>
+                </a:tc>
+                <a:tc>
+                  <a:txBody>
+                    <a:bodyPr/>
+                    <a:lstStyle/>
+                    <a:p>
+                      <a:endParaRPr lang="de-CH" sz="800" dirty="0"/>
+                    </a:p>
+                  </a:txBody>
+                  <a:tcPr/>
+                </a:tc>
+                <a:tc>
+                  <a:txBody>
+                    <a:bodyPr/>
+                    <a:lstStyle/>
+                    <a:p>
+                      <a:r>
+                        <a:rPr lang="de-CH" sz="800" dirty="0"/>
                         <a:t>c</a:t>
                       </a:r>
-                      <a:endParaRPr lang="de-CH" sz="800" dirty="0"/>
-                    </a:p>
-                  </a:txBody>
-                  <a:tcPr/>
-                </a:tc>
-                <a:tc>
-                  <a:txBody>
-                    <a:bodyPr/>
-                    <a:lstStyle/>
-                    <a:p>
-                      <a:r>
-                        <a:rPr lang="de-CH" sz="800" dirty="0" smtClean="0"/>
+                    </a:p>
+                  </a:txBody>
+                  <a:tcPr/>
+                </a:tc>
+                <a:tc>
+                  <a:txBody>
+                    <a:bodyPr/>
+                    <a:lstStyle/>
+                    <a:p>
+                      <a:r>
+                        <a:rPr lang="de-CH" sz="800" dirty="0"/>
                         <a:t>c</a:t>
                       </a:r>
-                      <a:endParaRPr lang="de-CH" sz="800" dirty="0"/>
-                    </a:p>
-                  </a:txBody>
-                  <a:tcPr/>
-                </a:tc>
-                <a:tc>
-                  <a:txBody>
-                    <a:bodyPr/>
-                    <a:lstStyle/>
-                    <a:p>
-                      <a:r>
-                        <a:rPr lang="de-CH" sz="800" dirty="0" smtClean="0"/>
+                    </a:p>
+                  </a:txBody>
+                  <a:tcPr/>
+                </a:tc>
+                <a:tc>
+                  <a:txBody>
+                    <a:bodyPr/>
+                    <a:lstStyle/>
+                    <a:p>
+                      <a:r>
+                        <a:rPr lang="de-CH" sz="800" dirty="0"/>
                         <a:t>n</a:t>
                       </a:r>
-                      <a:endParaRPr lang="de-CH" sz="800" dirty="0"/>
                     </a:p>
                   </a:txBody>
                   <a:tcPr/>
@@ -6937,7 +7055,7 @@
                     <a:lstStyle/>
                     <a:p>
                       <a:r>
-                        <a:rPr lang="de-CH" sz="800" dirty="0" err="1" smtClean="0"/>
+                        <a:rPr lang="de-CH" sz="800" dirty="0" err="1"/>
                         <a:t>DateFeld</a:t>
                       </a:r>
                       <a:endParaRPr lang="de-CH" sz="800" dirty="0"/>
@@ -6961,158 +7079,150 @@
                     <a:lstStyle/>
                     <a:p>
                       <a:r>
-                        <a:rPr lang="de-CH" sz="800" dirty="0" smtClean="0"/>
+                        <a:rPr lang="de-CH" sz="800" dirty="0"/>
                         <a:t>Date</a:t>
                       </a:r>
-                      <a:endParaRPr lang="de-CH" sz="800" dirty="0"/>
-                    </a:p>
-                  </a:txBody>
-                  <a:tcPr/>
-                </a:tc>
-                <a:tc>
-                  <a:txBody>
-                    <a:bodyPr/>
-                    <a:lstStyle/>
-                    <a:p>
-                      <a:endParaRPr lang="de-CH" sz="800" dirty="0"/>
-                    </a:p>
-                  </a:txBody>
-                  <a:tcPr/>
-                </a:tc>
-                <a:tc>
-                  <a:txBody>
-                    <a:bodyPr/>
-                    <a:lstStyle/>
-                    <a:p>
-                      <a:endParaRPr lang="de-CH" sz="800" dirty="0"/>
-                    </a:p>
-                  </a:txBody>
-                  <a:tcPr/>
-                </a:tc>
-                <a:tc>
-                  <a:txBody>
-                    <a:bodyPr/>
-                    <a:lstStyle/>
-                    <a:p>
-                      <a:r>
-                        <a:rPr lang="de-CH" sz="800" dirty="0" smtClean="0"/>
+                    </a:p>
+                  </a:txBody>
+                  <a:tcPr/>
+                </a:tc>
+                <a:tc>
+                  <a:txBody>
+                    <a:bodyPr/>
+                    <a:lstStyle/>
+                    <a:p>
+                      <a:endParaRPr lang="de-CH" sz="800" dirty="0"/>
+                    </a:p>
+                  </a:txBody>
+                  <a:tcPr/>
+                </a:tc>
+                <a:tc>
+                  <a:txBody>
+                    <a:bodyPr/>
+                    <a:lstStyle/>
+                    <a:p>
+                      <a:endParaRPr lang="de-CH" sz="800" dirty="0"/>
+                    </a:p>
+                  </a:txBody>
+                  <a:tcPr/>
+                </a:tc>
+                <a:tc>
+                  <a:txBody>
+                    <a:bodyPr/>
+                    <a:lstStyle/>
+                    <a:p>
+                      <a:r>
+                        <a:rPr lang="de-CH" sz="800" dirty="0"/>
                         <a:t>c</a:t>
                       </a:r>
-                      <a:endParaRPr lang="de-CH" sz="800" dirty="0"/>
-                    </a:p>
-                  </a:txBody>
-                  <a:tcPr/>
-                </a:tc>
-                <a:tc>
-                  <a:txBody>
-                    <a:bodyPr/>
-                    <a:lstStyle/>
-                    <a:p>
-                      <a:r>
-                        <a:rPr lang="de-CH" sz="800" dirty="0" smtClean="0"/>
+                    </a:p>
+                  </a:txBody>
+                  <a:tcPr/>
+                </a:tc>
+                <a:tc>
+                  <a:txBody>
+                    <a:bodyPr/>
+                    <a:lstStyle/>
+                    <a:p>
+                      <a:r>
+                        <a:rPr lang="de-CH" sz="800" dirty="0"/>
                         <a:t>c</a:t>
                       </a:r>
-                      <a:endParaRPr lang="de-CH" sz="800" dirty="0"/>
-                    </a:p>
-                  </a:txBody>
-                  <a:tcPr/>
-                </a:tc>
-                <a:tc>
-                  <a:txBody>
-                    <a:bodyPr/>
-                    <a:lstStyle/>
-                    <a:p>
-                      <a:r>
-                        <a:rPr lang="de-CH" sz="800" dirty="0" smtClean="0"/>
+                    </a:p>
+                  </a:txBody>
+                  <a:tcPr/>
+                </a:tc>
+                <a:tc>
+                  <a:txBody>
+                    <a:bodyPr/>
+                    <a:lstStyle/>
+                    <a:p>
+                      <a:r>
+                        <a:rPr lang="de-CH" sz="800" dirty="0"/>
                         <a:t>c</a:t>
                       </a:r>
-                      <a:endParaRPr lang="de-CH" sz="800" dirty="0"/>
-                    </a:p>
-                  </a:txBody>
-                  <a:tcPr/>
-                </a:tc>
-                <a:tc>
-                  <a:txBody>
-                    <a:bodyPr/>
-                    <a:lstStyle/>
-                    <a:p>
-                      <a:r>
-                        <a:rPr lang="de-CH" sz="800" dirty="0" smtClean="0"/>
+                    </a:p>
+                  </a:txBody>
+                  <a:tcPr/>
+                </a:tc>
+                <a:tc>
+                  <a:txBody>
+                    <a:bodyPr/>
+                    <a:lstStyle/>
+                    <a:p>
+                      <a:r>
+                        <a:rPr lang="de-CH" sz="800" dirty="0"/>
                         <a:t>c</a:t>
                       </a:r>
-                      <a:endParaRPr lang="de-CH" sz="800" dirty="0"/>
-                    </a:p>
-                  </a:txBody>
-                  <a:tcPr/>
-                </a:tc>
-                <a:tc>
-                  <a:txBody>
-                    <a:bodyPr/>
-                    <a:lstStyle/>
-                    <a:p>
-                      <a:endParaRPr lang="de-CH" sz="800" dirty="0"/>
-                    </a:p>
-                  </a:txBody>
-                  <a:tcPr/>
-                </a:tc>
-                <a:tc>
-                  <a:txBody>
-                    <a:bodyPr/>
-                    <a:lstStyle/>
-                    <a:p>
-                      <a:endParaRPr lang="de-CH" sz="800" dirty="0"/>
-                    </a:p>
-                  </a:txBody>
-                  <a:tcPr/>
-                </a:tc>
-                <a:tc>
-                  <a:txBody>
-                    <a:bodyPr/>
-                    <a:lstStyle/>
-                    <a:p>
-                      <a:r>
-                        <a:rPr lang="de-CH" sz="800" dirty="0" smtClean="0"/>
+                    </a:p>
+                  </a:txBody>
+                  <a:tcPr/>
+                </a:tc>
+                <a:tc>
+                  <a:txBody>
+                    <a:bodyPr/>
+                    <a:lstStyle/>
+                    <a:p>
+                      <a:endParaRPr lang="de-CH" sz="800" dirty="0"/>
+                    </a:p>
+                  </a:txBody>
+                  <a:tcPr/>
+                </a:tc>
+                <a:tc>
+                  <a:txBody>
+                    <a:bodyPr/>
+                    <a:lstStyle/>
+                    <a:p>
+                      <a:endParaRPr lang="de-CH" sz="800" dirty="0"/>
+                    </a:p>
+                  </a:txBody>
+                  <a:tcPr/>
+                </a:tc>
+                <a:tc>
+                  <a:txBody>
+                    <a:bodyPr/>
+                    <a:lstStyle/>
+                    <a:p>
+                      <a:r>
+                        <a:rPr lang="de-CH" sz="800" dirty="0"/>
                         <a:t>c</a:t>
                       </a:r>
-                      <a:endParaRPr lang="de-CH" sz="800" dirty="0"/>
-                    </a:p>
-                  </a:txBody>
-                  <a:tcPr/>
-                </a:tc>
-                <a:tc>
-                  <a:txBody>
-                    <a:bodyPr/>
-                    <a:lstStyle/>
-                    <a:p>
-                      <a:r>
-                        <a:rPr lang="de-CH" sz="800" dirty="0" smtClean="0"/>
+                    </a:p>
+                  </a:txBody>
+                  <a:tcPr/>
+                </a:tc>
+                <a:tc>
+                  <a:txBody>
+                    <a:bodyPr/>
+                    <a:lstStyle/>
+                    <a:p>
+                      <a:r>
+                        <a:rPr lang="de-CH" sz="800" dirty="0"/>
                         <a:t>c</a:t>
                       </a:r>
-                      <a:endParaRPr lang="de-CH" sz="800" dirty="0"/>
-                    </a:p>
-                  </a:txBody>
-                  <a:tcPr/>
-                </a:tc>
-                <a:tc>
-                  <a:txBody>
-                    <a:bodyPr/>
-                    <a:lstStyle/>
-                    <a:p>
-                      <a:endParaRPr lang="de-CH" sz="800" dirty="0"/>
-                    </a:p>
-                  </a:txBody>
-                  <a:tcPr/>
-                </a:tc>
-                <a:tc>
-                  <a:txBody>
-                    <a:bodyPr/>
-                    <a:lstStyle/>
-                    <a:p>
-                      <a:r>
-                        <a:rPr lang="de-CH" sz="800" dirty="0" smtClean="0"/>
+                    </a:p>
+                  </a:txBody>
+                  <a:tcPr/>
+                </a:tc>
+                <a:tc>
+                  <a:txBody>
+                    <a:bodyPr/>
+                    <a:lstStyle/>
+                    <a:p>
+                      <a:endParaRPr lang="de-CH" sz="800" dirty="0"/>
+                    </a:p>
+                  </a:txBody>
+                  <a:tcPr/>
+                </a:tc>
+                <a:tc>
+                  <a:txBody>
+                    <a:bodyPr/>
+                    <a:lstStyle/>
+                    <a:p>
+                      <a:r>
+                        <a:rPr lang="de-CH" sz="800" dirty="0"/>
                         <a:t>n</a:t>
                       </a:r>
-                      <a:endParaRPr lang="de-CH" sz="800" dirty="0"/>
                     </a:p>
                   </a:txBody>
                   <a:tcPr/>
@@ -7140,7 +7250,7 @@
                     <a:lstStyle/>
                     <a:p>
                       <a:r>
-                        <a:rPr lang="de-CH" sz="800" dirty="0" err="1" smtClean="0"/>
+                        <a:rPr lang="de-CH" sz="800" dirty="0" err="1"/>
                         <a:t>DateTimeFeld</a:t>
                       </a:r>
                       <a:endParaRPr lang="de-CH" sz="800" dirty="0"/>
@@ -7164,158 +7274,150 @@
                     <a:lstStyle/>
                     <a:p>
                       <a:r>
-                        <a:rPr lang="de-CH" sz="800" dirty="0" smtClean="0"/>
+                        <a:rPr lang="de-CH" sz="800" dirty="0"/>
                         <a:t>Date</a:t>
                       </a:r>
-                      <a:endParaRPr lang="de-CH" sz="800" dirty="0"/>
-                    </a:p>
-                  </a:txBody>
-                  <a:tcPr/>
-                </a:tc>
-                <a:tc>
-                  <a:txBody>
-                    <a:bodyPr/>
-                    <a:lstStyle/>
-                    <a:p>
-                      <a:endParaRPr lang="de-CH" sz="800" dirty="0"/>
-                    </a:p>
-                  </a:txBody>
-                  <a:tcPr/>
-                </a:tc>
-                <a:tc>
-                  <a:txBody>
-                    <a:bodyPr/>
-                    <a:lstStyle/>
-                    <a:p>
-                      <a:endParaRPr lang="de-CH" sz="800" dirty="0"/>
-                    </a:p>
-                  </a:txBody>
-                  <a:tcPr/>
-                </a:tc>
-                <a:tc>
-                  <a:txBody>
-                    <a:bodyPr/>
-                    <a:lstStyle/>
-                    <a:p>
-                      <a:r>
-                        <a:rPr lang="de-CH" sz="800" dirty="0" smtClean="0"/>
+                    </a:p>
+                  </a:txBody>
+                  <a:tcPr/>
+                </a:tc>
+                <a:tc>
+                  <a:txBody>
+                    <a:bodyPr/>
+                    <a:lstStyle/>
+                    <a:p>
+                      <a:endParaRPr lang="de-CH" sz="800" dirty="0"/>
+                    </a:p>
+                  </a:txBody>
+                  <a:tcPr/>
+                </a:tc>
+                <a:tc>
+                  <a:txBody>
+                    <a:bodyPr/>
+                    <a:lstStyle/>
+                    <a:p>
+                      <a:endParaRPr lang="de-CH" sz="800" dirty="0"/>
+                    </a:p>
+                  </a:txBody>
+                  <a:tcPr/>
+                </a:tc>
+                <a:tc>
+                  <a:txBody>
+                    <a:bodyPr/>
+                    <a:lstStyle/>
+                    <a:p>
+                      <a:r>
+                        <a:rPr lang="de-CH" sz="800" dirty="0"/>
                         <a:t>c</a:t>
                       </a:r>
-                      <a:endParaRPr lang="de-CH" sz="800" dirty="0"/>
-                    </a:p>
-                  </a:txBody>
-                  <a:tcPr/>
-                </a:tc>
-                <a:tc>
-                  <a:txBody>
-                    <a:bodyPr/>
-                    <a:lstStyle/>
-                    <a:p>
-                      <a:r>
-                        <a:rPr lang="de-CH" sz="800" dirty="0" smtClean="0"/>
+                    </a:p>
+                  </a:txBody>
+                  <a:tcPr/>
+                </a:tc>
+                <a:tc>
+                  <a:txBody>
+                    <a:bodyPr/>
+                    <a:lstStyle/>
+                    <a:p>
+                      <a:r>
+                        <a:rPr lang="de-CH" sz="800" dirty="0"/>
                         <a:t>c</a:t>
                       </a:r>
-                      <a:endParaRPr lang="de-CH" sz="800" dirty="0"/>
-                    </a:p>
-                  </a:txBody>
-                  <a:tcPr/>
-                </a:tc>
-                <a:tc>
-                  <a:txBody>
-                    <a:bodyPr/>
-                    <a:lstStyle/>
-                    <a:p>
-                      <a:r>
-                        <a:rPr lang="de-CH" sz="800" dirty="0" smtClean="0"/>
+                    </a:p>
+                  </a:txBody>
+                  <a:tcPr/>
+                </a:tc>
+                <a:tc>
+                  <a:txBody>
+                    <a:bodyPr/>
+                    <a:lstStyle/>
+                    <a:p>
+                      <a:r>
+                        <a:rPr lang="de-CH" sz="800" dirty="0"/>
                         <a:t>c</a:t>
                       </a:r>
-                      <a:endParaRPr lang="de-CH" sz="800" dirty="0"/>
-                    </a:p>
-                  </a:txBody>
-                  <a:tcPr/>
-                </a:tc>
-                <a:tc>
-                  <a:txBody>
-                    <a:bodyPr/>
-                    <a:lstStyle/>
-                    <a:p>
-                      <a:r>
-                        <a:rPr lang="de-CH" sz="800" dirty="0" smtClean="0"/>
+                    </a:p>
+                  </a:txBody>
+                  <a:tcPr/>
+                </a:tc>
+                <a:tc>
+                  <a:txBody>
+                    <a:bodyPr/>
+                    <a:lstStyle/>
+                    <a:p>
+                      <a:r>
+                        <a:rPr lang="de-CH" sz="800" dirty="0"/>
                         <a:t>c</a:t>
                       </a:r>
-                      <a:endParaRPr lang="de-CH" sz="800" dirty="0"/>
-                    </a:p>
-                  </a:txBody>
-                  <a:tcPr/>
-                </a:tc>
-                <a:tc>
-                  <a:txBody>
-                    <a:bodyPr/>
-                    <a:lstStyle/>
-                    <a:p>
-                      <a:endParaRPr lang="de-CH" sz="800" dirty="0"/>
-                    </a:p>
-                  </a:txBody>
-                  <a:tcPr/>
-                </a:tc>
-                <a:tc>
-                  <a:txBody>
-                    <a:bodyPr/>
-                    <a:lstStyle/>
-                    <a:p>
-                      <a:endParaRPr lang="de-CH" sz="800" dirty="0"/>
-                    </a:p>
-                  </a:txBody>
-                  <a:tcPr/>
-                </a:tc>
-                <a:tc>
-                  <a:txBody>
-                    <a:bodyPr/>
-                    <a:lstStyle/>
-                    <a:p>
-                      <a:r>
-                        <a:rPr lang="de-CH" sz="800" dirty="0" smtClean="0"/>
+                    </a:p>
+                  </a:txBody>
+                  <a:tcPr/>
+                </a:tc>
+                <a:tc>
+                  <a:txBody>
+                    <a:bodyPr/>
+                    <a:lstStyle/>
+                    <a:p>
+                      <a:endParaRPr lang="de-CH" sz="800" dirty="0"/>
+                    </a:p>
+                  </a:txBody>
+                  <a:tcPr/>
+                </a:tc>
+                <a:tc>
+                  <a:txBody>
+                    <a:bodyPr/>
+                    <a:lstStyle/>
+                    <a:p>
+                      <a:endParaRPr lang="de-CH" sz="800" dirty="0"/>
+                    </a:p>
+                  </a:txBody>
+                  <a:tcPr/>
+                </a:tc>
+                <a:tc>
+                  <a:txBody>
+                    <a:bodyPr/>
+                    <a:lstStyle/>
+                    <a:p>
+                      <a:r>
+                        <a:rPr lang="de-CH" sz="800" dirty="0"/>
                         <a:t>c</a:t>
                       </a:r>
-                      <a:endParaRPr lang="de-CH" sz="800" dirty="0"/>
-                    </a:p>
-                  </a:txBody>
-                  <a:tcPr/>
-                </a:tc>
-                <a:tc>
-                  <a:txBody>
-                    <a:bodyPr/>
-                    <a:lstStyle/>
-                    <a:p>
-                      <a:r>
-                        <a:rPr lang="de-CH" sz="800" dirty="0" smtClean="0"/>
+                    </a:p>
+                  </a:txBody>
+                  <a:tcPr/>
+                </a:tc>
+                <a:tc>
+                  <a:txBody>
+                    <a:bodyPr/>
+                    <a:lstStyle/>
+                    <a:p>
+                      <a:r>
+                        <a:rPr lang="de-CH" sz="800" dirty="0"/>
                         <a:t>c</a:t>
                       </a:r>
-                      <a:endParaRPr lang="de-CH" sz="800" dirty="0"/>
-                    </a:p>
-                  </a:txBody>
-                  <a:tcPr/>
-                </a:tc>
-                <a:tc>
-                  <a:txBody>
-                    <a:bodyPr/>
-                    <a:lstStyle/>
-                    <a:p>
-                      <a:endParaRPr lang="de-CH" sz="800" dirty="0"/>
-                    </a:p>
-                  </a:txBody>
-                  <a:tcPr/>
-                </a:tc>
-                <a:tc>
-                  <a:txBody>
-                    <a:bodyPr/>
-                    <a:lstStyle/>
-                    <a:p>
-                      <a:r>
-                        <a:rPr lang="de-CH" sz="800" dirty="0" smtClean="0"/>
+                    </a:p>
+                  </a:txBody>
+                  <a:tcPr/>
+                </a:tc>
+                <a:tc>
+                  <a:txBody>
+                    <a:bodyPr/>
+                    <a:lstStyle/>
+                    <a:p>
+                      <a:endParaRPr lang="de-CH" sz="800" dirty="0"/>
+                    </a:p>
+                  </a:txBody>
+                  <a:tcPr/>
+                </a:tc>
+                <a:tc>
+                  <a:txBody>
+                    <a:bodyPr/>
+                    <a:lstStyle/>
+                    <a:p>
+                      <a:r>
+                        <a:rPr lang="de-CH" sz="800" dirty="0"/>
                         <a:t>n</a:t>
                       </a:r>
-                      <a:endParaRPr lang="de-CH" sz="800" dirty="0"/>
                     </a:p>
                   </a:txBody>
                   <a:tcPr/>
@@ -7343,7 +7445,7 @@
                     <a:lstStyle/>
                     <a:p>
                       <a:r>
-                        <a:rPr lang="de-CH" sz="800" dirty="0" err="1" smtClean="0"/>
+                        <a:rPr lang="de-CH" sz="800" dirty="0" err="1"/>
                         <a:t>BoolFeld</a:t>
                       </a:r>
                       <a:endParaRPr lang="de-CH" sz="800" dirty="0"/>
@@ -7367,100 +7469,94 @@
                     <a:lstStyle/>
                     <a:p>
                       <a:r>
-                        <a:rPr lang="de-CH" sz="800" dirty="0" smtClean="0"/>
+                        <a:rPr lang="de-CH" sz="800" dirty="0"/>
                         <a:t>Short</a:t>
                       </a:r>
-                      <a:endParaRPr lang="de-CH" sz="800" dirty="0"/>
-                    </a:p>
-                  </a:txBody>
-                  <a:tcPr/>
-                </a:tc>
-                <a:tc>
-                  <a:txBody>
-                    <a:bodyPr/>
-                    <a:lstStyle/>
-                    <a:p>
-                      <a:endParaRPr lang="de-CH" sz="800" dirty="0"/>
-                    </a:p>
-                  </a:txBody>
-                  <a:tcPr/>
-                </a:tc>
-                <a:tc>
-                  <a:txBody>
-                    <a:bodyPr/>
-                    <a:lstStyle/>
-                    <a:p>
-                      <a:r>
-                        <a:rPr lang="de-CH" sz="800" dirty="0" smtClean="0"/>
+                    </a:p>
+                  </a:txBody>
+                  <a:tcPr/>
+                </a:tc>
+                <a:tc>
+                  <a:txBody>
+                    <a:bodyPr/>
+                    <a:lstStyle/>
+                    <a:p>
+                      <a:endParaRPr lang="de-CH" sz="800" dirty="0"/>
+                    </a:p>
+                  </a:txBody>
+                  <a:tcPr/>
+                </a:tc>
+                <a:tc>
+                  <a:txBody>
+                    <a:bodyPr/>
+                    <a:lstStyle/>
+                    <a:p>
+                      <a:r>
+                        <a:rPr lang="de-CH" sz="800" dirty="0"/>
                         <a:t>N</a:t>
                       </a:r>
-                      <a:endParaRPr lang="de-CH" sz="800" dirty="0"/>
-                    </a:p>
-                  </a:txBody>
-                  <a:tcPr/>
-                </a:tc>
-                <a:tc>
-                  <a:txBody>
-                    <a:bodyPr/>
-                    <a:lstStyle/>
-                    <a:p>
-                      <a:endParaRPr lang="de-CH" sz="800" dirty="0"/>
-                    </a:p>
-                  </a:txBody>
-                  <a:tcPr/>
-                </a:tc>
-                <a:tc>
-                  <a:txBody>
-                    <a:bodyPr/>
-                    <a:lstStyle/>
-                    <a:p>
-                      <a:r>
-                        <a:rPr lang="de-CH" sz="800" dirty="0" smtClean="0"/>
+                    </a:p>
+                  </a:txBody>
+                  <a:tcPr/>
+                </a:tc>
+                <a:tc>
+                  <a:txBody>
+                    <a:bodyPr/>
+                    <a:lstStyle/>
+                    <a:p>
+                      <a:endParaRPr lang="de-CH" sz="800" dirty="0"/>
+                    </a:p>
+                  </a:txBody>
+                  <a:tcPr/>
+                </a:tc>
+                <a:tc>
+                  <a:txBody>
+                    <a:bodyPr/>
+                    <a:lstStyle/>
+                    <a:p>
+                      <a:r>
+                        <a:rPr lang="de-CH" sz="800" dirty="0"/>
                         <a:t>c</a:t>
                       </a:r>
-                      <a:endParaRPr lang="de-CH" sz="800" dirty="0"/>
-                    </a:p>
-                  </a:txBody>
-                  <a:tcPr/>
-                </a:tc>
-                <a:tc>
-                  <a:txBody>
-                    <a:bodyPr/>
-                    <a:lstStyle/>
-                    <a:p>
-                      <a:r>
-                        <a:rPr lang="de-CH" sz="800" dirty="0" smtClean="0"/>
+                    </a:p>
+                  </a:txBody>
+                  <a:tcPr/>
+                </a:tc>
+                <a:tc>
+                  <a:txBody>
+                    <a:bodyPr/>
+                    <a:lstStyle/>
+                    <a:p>
+                      <a:r>
+                        <a:rPr lang="de-CH" sz="800" dirty="0"/>
                         <a:t>c</a:t>
                       </a:r>
-                      <a:endParaRPr lang="de-CH" sz="800" dirty="0"/>
-                    </a:p>
-                  </a:txBody>
-                  <a:tcPr/>
-                </a:tc>
-                <a:tc>
-                  <a:txBody>
-                    <a:bodyPr/>
-                    <a:lstStyle/>
-                    <a:p>
-                      <a:r>
-                        <a:rPr lang="de-CH" sz="800" dirty="0" smtClean="0"/>
+                    </a:p>
+                  </a:txBody>
+                  <a:tcPr/>
+                </a:tc>
+                <a:tc>
+                  <a:txBody>
+                    <a:bodyPr/>
+                    <a:lstStyle/>
+                    <a:p>
+                      <a:r>
+                        <a:rPr lang="de-CH" sz="800" dirty="0"/>
                         <a:t>c</a:t>
                       </a:r>
-                      <a:endParaRPr lang="de-CH" sz="800" dirty="0"/>
-                    </a:p>
-                  </a:txBody>
-                  <a:tcPr/>
-                </a:tc>
-                <a:tc>
-                  <a:txBody>
-                    <a:bodyPr/>
-                    <a:lstStyle/>
-                    <a:p>
-                      <a:r>
-                        <a:rPr lang="de-CH" sz="800" dirty="0" smtClean="0"/>
+                    </a:p>
+                  </a:txBody>
+                  <a:tcPr/>
+                </a:tc>
+                <a:tc>
+                  <a:txBody>
+                    <a:bodyPr/>
+                    <a:lstStyle/>
+                    <a:p>
+                      <a:r>
+                        <a:rPr lang="de-CH" sz="800" dirty="0"/>
                         <a:t>c</a:t>
                       </a:r>
-                      <a:endParaRPr lang="de-CH" sz="800" dirty="0"/>
                     </a:p>
                   </a:txBody>
                   <a:tcPr/>
@@ -7495,38 +7591,35 @@
                     <a:lstStyle/>
                     <a:p>
                       <a:r>
-                        <a:rPr lang="de-CH" sz="800" dirty="0" smtClean="0"/>
+                        <a:rPr lang="de-CH" sz="800" dirty="0"/>
                         <a:t>c</a:t>
                       </a:r>
-                      <a:endParaRPr lang="de-CH" sz="800" dirty="0"/>
-                    </a:p>
-                  </a:txBody>
-                  <a:tcPr/>
-                </a:tc>
-                <a:tc>
-                  <a:txBody>
-                    <a:bodyPr/>
-                    <a:lstStyle/>
-                    <a:p>
-                      <a:r>
-                        <a:rPr lang="de-CH" sz="800" dirty="0" smtClean="0"/>
+                    </a:p>
+                  </a:txBody>
+                  <a:tcPr/>
+                </a:tc>
+                <a:tc>
+                  <a:txBody>
+                    <a:bodyPr/>
+                    <a:lstStyle/>
+                    <a:p>
+                      <a:r>
+                        <a:rPr lang="de-CH" sz="800" dirty="0"/>
                         <a:t>c</a:t>
                       </a:r>
-                      <a:endParaRPr lang="de-CH" sz="800" dirty="0"/>
-                    </a:p>
-                  </a:txBody>
-                  <a:tcPr/>
-                </a:tc>
-                <a:tc>
-                  <a:txBody>
-                    <a:bodyPr/>
-                    <a:lstStyle/>
-                    <a:p>
-                      <a:r>
-                        <a:rPr lang="de-CH" sz="800" dirty="0" smtClean="0"/>
+                    </a:p>
+                  </a:txBody>
+                  <a:tcPr/>
+                </a:tc>
+                <a:tc>
+                  <a:txBody>
+                    <a:bodyPr/>
+                    <a:lstStyle/>
+                    <a:p>
+                      <a:r>
+                        <a:rPr lang="de-CH" sz="800" dirty="0"/>
                         <a:t>n</a:t>
                       </a:r>
-                      <a:endParaRPr lang="de-CH" sz="800" dirty="0"/>
                     </a:p>
                   </a:txBody>
                   <a:tcPr/>
@@ -7554,7 +7647,7 @@
                     <a:lstStyle/>
                     <a:p>
                       <a:r>
-                        <a:rPr lang="de-CH" sz="800" dirty="0" err="1" smtClean="0"/>
+                        <a:rPr lang="de-CH" sz="800" dirty="0" err="1"/>
                         <a:t>BlobFeld</a:t>
                       </a:r>
                       <a:endParaRPr lang="de-CH" sz="800" dirty="0"/>
@@ -7585,7 +7678,7 @@
                     <a:lstStyle/>
                     <a:p>
                       <a:r>
-                        <a:rPr lang="de-CH" sz="800" dirty="0" err="1" smtClean="0"/>
+                        <a:rPr lang="de-CH" sz="800" dirty="0" err="1"/>
                         <a:t>Blob</a:t>
                       </a:r>
                       <a:endParaRPr lang="de-CH" sz="800" dirty="0"/>
@@ -7636,7 +7729,7 @@
                         <a:defRPr/>
                       </a:pPr>
                       <a:r>
-                        <a:rPr lang="de-CH" sz="800" b="1" dirty="0" smtClean="0"/>
+                        <a:rPr lang="de-CH" sz="800" b="1" dirty="0"/>
                         <a:t>(c)</a:t>
                       </a:r>
                     </a:p>
@@ -7666,7 +7759,7 @@
                         <a:defRPr/>
                       </a:pPr>
                       <a:r>
-                        <a:rPr lang="de-CH" sz="800" b="1" dirty="0" smtClean="0"/>
+                        <a:rPr lang="de-CH" sz="800" b="1" dirty="0"/>
                         <a:t>(c)</a:t>
                       </a:r>
                     </a:p>
@@ -7696,7 +7789,7 @@
                         <a:defRPr/>
                       </a:pPr>
                       <a:r>
-                        <a:rPr lang="de-CH" sz="800" b="1" dirty="0" smtClean="0"/>
+                        <a:rPr lang="de-CH" sz="800" b="1" dirty="0"/>
                         <a:t>(c)</a:t>
                       </a:r>
                     </a:p>
@@ -7726,7 +7819,7 @@
                         <a:defRPr/>
                       </a:pPr>
                       <a:r>
-                        <a:rPr lang="de-CH" sz="800" b="1" dirty="0" smtClean="0"/>
+                        <a:rPr lang="de-CH" sz="800" b="1" dirty="0"/>
                         <a:t>(c)</a:t>
                       </a:r>
                     </a:p>
@@ -7739,31 +7832,30 @@
                     <a:lstStyle/>
                     <a:p>
                       <a:r>
-                        <a:rPr lang="de-CH" sz="800" b="1" dirty="0" smtClean="0"/>
+                        <a:rPr lang="de-CH" sz="800" b="1" dirty="0"/>
                         <a:t>(c)</a:t>
                       </a:r>
-                      <a:endParaRPr lang="de-CH" sz="800" b="1" dirty="0"/>
-                    </a:p>
-                  </a:txBody>
-                  <a:tcPr/>
-                </a:tc>
-                <a:tc>
-                  <a:txBody>
-                    <a:bodyPr/>
-                    <a:lstStyle/>
-                    <a:p>
-                      <a:endParaRPr lang="de-CH" sz="800" dirty="0"/>
-                    </a:p>
-                  </a:txBody>
-                  <a:tcPr/>
-                </a:tc>
-                <a:tc>
-                  <a:txBody>
-                    <a:bodyPr/>
-                    <a:lstStyle/>
-                    <a:p>
-                      <a:r>
-                        <a:rPr lang="de-CH" sz="800" b="1" dirty="0" smtClean="0"/>
+                    </a:p>
+                  </a:txBody>
+                  <a:tcPr/>
+                </a:tc>
+                <a:tc>
+                  <a:txBody>
+                    <a:bodyPr/>
+                    <a:lstStyle/>
+                    <a:p>
+                      <a:endParaRPr lang="de-CH" sz="800" dirty="0"/>
+                    </a:p>
+                  </a:txBody>
+                  <a:tcPr/>
+                </a:tc>
+                <a:tc>
+                  <a:txBody>
+                    <a:bodyPr/>
+                    <a:lstStyle/>
+                    <a:p>
+                      <a:r>
+                        <a:rPr lang="de-CH" sz="800" b="1" dirty="0"/>
                         <a:t>(c)</a:t>
                       </a:r>
                       <a:endParaRPr lang="de-CH" sz="800" dirty="0"/>
@@ -7794,21 +7886,21 @@
                         <a:defRPr/>
                       </a:pPr>
                       <a:r>
-                        <a:rPr lang="de-CH" sz="800" b="1" dirty="0" smtClean="0"/>
+                        <a:rPr lang="de-CH" sz="800" b="1" dirty="0"/>
                         <a:t>(c)</a:t>
                       </a:r>
-                      <a:endParaRPr lang="de-CH" sz="800" dirty="0" smtClean="0"/>
-                    </a:p>
-                  </a:txBody>
-                  <a:tcPr/>
-                </a:tc>
-                <a:tc>
-                  <a:txBody>
-                    <a:bodyPr/>
-                    <a:lstStyle/>
-                    <a:p>
-                      <a:r>
-                        <a:rPr lang="de-CH" sz="800" b="1" dirty="0" smtClean="0"/>
+                      <a:endParaRPr lang="de-CH" sz="800" dirty="0"/>
+                    </a:p>
+                  </a:txBody>
+                  <a:tcPr/>
+                </a:tc>
+                <a:tc>
+                  <a:txBody>
+                    <a:bodyPr/>
+                    <a:lstStyle/>
+                    <a:p>
+                      <a:r>
+                        <a:rPr lang="de-CH" sz="800" b="1" dirty="0"/>
                         <a:t>(c)</a:t>
                       </a:r>
                       <a:endParaRPr lang="de-CH" sz="800" dirty="0"/>
@@ -7849,7 +7941,7 @@
                     <a:lstStyle/>
                     <a:p>
                       <a:r>
-                        <a:rPr lang="de-CH" sz="800" dirty="0" err="1" smtClean="0">
+                        <a:rPr lang="de-CH" sz="800" dirty="0" err="1">
                           <a:solidFill>
                             <a:schemeClr val="tx1"/>
                           </a:solidFill>
@@ -7883,59 +7975,56 @@
                     <a:lstStyle/>
                     <a:p>
                       <a:r>
-                        <a:rPr lang="de-CH" sz="800" dirty="0" smtClean="0"/>
+                        <a:rPr lang="de-CH" sz="800" dirty="0"/>
                         <a:t>Double</a:t>
                       </a:r>
-                      <a:endParaRPr lang="de-CH" sz="800" dirty="0"/>
-                    </a:p>
-                  </a:txBody>
-                  <a:tcPr/>
-                </a:tc>
-                <a:tc>
-                  <a:txBody>
-                    <a:bodyPr/>
-                    <a:lstStyle/>
-                    <a:p>
-                      <a:r>
-                        <a:rPr lang="de-CH" sz="800" dirty="0" smtClean="0"/>
+                    </a:p>
+                  </a:txBody>
+                  <a:tcPr/>
+                </a:tc>
+                <a:tc>
+                  <a:txBody>
+                    <a:bodyPr/>
+                    <a:lstStyle/>
+                    <a:p>
+                      <a:r>
+                        <a:rPr lang="de-CH" sz="800" dirty="0"/>
                         <a:t>-</a:t>
                       </a:r>
-                      <a:endParaRPr lang="de-CH" sz="800" dirty="0"/>
-                    </a:p>
-                  </a:txBody>
-                  <a:tcPr/>
-                </a:tc>
-                <a:tc>
-                  <a:txBody>
-                    <a:bodyPr/>
-                    <a:lstStyle/>
-                    <a:p>
-                      <a:endParaRPr lang="de-CH" sz="800" dirty="0"/>
-                    </a:p>
-                  </a:txBody>
-                  <a:tcPr/>
-                </a:tc>
-                <a:tc>
-                  <a:txBody>
-                    <a:bodyPr/>
-                    <a:lstStyle/>
-                    <a:p>
-                      <a:r>
-                        <a:rPr lang="de-CH" sz="800" i="1" u="sng" dirty="0" smtClean="0"/>
+                    </a:p>
+                  </a:txBody>
+                  <a:tcPr/>
+                </a:tc>
+                <a:tc>
+                  <a:txBody>
+                    <a:bodyPr/>
+                    <a:lstStyle/>
+                    <a:p>
+                      <a:endParaRPr lang="de-CH" sz="800" dirty="0"/>
+                    </a:p>
+                  </a:txBody>
+                  <a:tcPr/>
+                </a:tc>
+                <a:tc>
+                  <a:txBody>
+                    <a:bodyPr/>
+                    <a:lstStyle/>
+                    <a:p>
+                      <a:r>
+                        <a:rPr lang="de-CH" sz="800" i="1" u="sng" dirty="0"/>
                         <a:t>(r)</a:t>
                       </a:r>
-                      <a:endParaRPr lang="de-CH" sz="800" i="1" u="sng" dirty="0"/>
-                    </a:p>
-                  </a:txBody>
-                  <a:tcPr/>
-                </a:tc>
-                <a:tc>
-                  <a:txBody>
-                    <a:bodyPr/>
-                    <a:lstStyle/>
-                    <a:p>
-                      <a:r>
-                        <a:rPr lang="de-CH" sz="800" i="1" u="sng" dirty="0" smtClean="0"/>
+                    </a:p>
+                  </a:txBody>
+                  <a:tcPr/>
+                </a:tc>
+                <a:tc>
+                  <a:txBody>
+                    <a:bodyPr/>
+                    <a:lstStyle/>
+                    <a:p>
+                      <a:r>
+                        <a:rPr lang="de-CH" sz="800" i="1" u="sng" dirty="0"/>
                         <a:t>(r)</a:t>
                       </a:r>
                       <a:endParaRPr lang="de-CH" sz="800" dirty="0"/>
@@ -7966,10 +8055,10 @@
                         <a:defRPr/>
                       </a:pPr>
                       <a:r>
-                        <a:rPr lang="de-CH" sz="800" i="1" u="sng" dirty="0" smtClean="0"/>
+                        <a:rPr lang="de-CH" sz="800" i="1" u="sng" dirty="0"/>
                         <a:t>(r)</a:t>
                       </a:r>
-                      <a:endParaRPr lang="de-CH" sz="800" dirty="0" smtClean="0"/>
+                      <a:endParaRPr lang="de-CH" sz="800" dirty="0"/>
                     </a:p>
                   </a:txBody>
                   <a:tcPr/>
@@ -7997,24 +8086,23 @@
                         <a:defRPr/>
                       </a:pPr>
                       <a:r>
-                        <a:rPr lang="de-CH" sz="800" i="1" u="sng" dirty="0" smtClean="0"/>
+                        <a:rPr lang="de-CH" sz="800" i="1" u="sng" dirty="0"/>
                         <a:t>(r)</a:t>
                       </a:r>
-                      <a:endParaRPr lang="de-CH" sz="800" dirty="0" smtClean="0"/>
-                    </a:p>
-                  </a:txBody>
-                  <a:tcPr/>
-                </a:tc>
-                <a:tc>
-                  <a:txBody>
-                    <a:bodyPr/>
-                    <a:lstStyle/>
-                    <a:p>
-                      <a:r>
-                        <a:rPr lang="de-CH" sz="800" dirty="0" smtClean="0"/>
+                      <a:endParaRPr lang="de-CH" sz="800" dirty="0"/>
+                    </a:p>
+                  </a:txBody>
+                  <a:tcPr/>
+                </a:tc>
+                <a:tc>
+                  <a:txBody>
+                    <a:bodyPr/>
+                    <a:lstStyle/>
+                    <a:p>
+                      <a:r>
+                        <a:rPr lang="de-CH" sz="800" dirty="0"/>
                         <a:t>c</a:t>
                       </a:r>
-                      <a:endParaRPr lang="de-CH" sz="800" dirty="0"/>
                     </a:p>
                   </a:txBody>
                   <a:tcPr/>
@@ -8052,7 +8140,7 @@
                         <a:defRPr/>
                       </a:pPr>
                       <a:r>
-                        <a:rPr lang="de-CH" sz="800" i="1" u="sng" dirty="0" smtClean="0"/>
+                        <a:rPr lang="de-CH" sz="800" i="1" u="sng" dirty="0"/>
                         <a:t>(r)</a:t>
                       </a:r>
                     </a:p>
@@ -8065,7 +8153,7 @@
                     <a:lstStyle/>
                     <a:p>
                       <a:r>
-                        <a:rPr lang="de-CH" sz="800" i="1" u="sng" dirty="0" smtClean="0"/>
+                        <a:rPr lang="de-CH" sz="800" i="1" u="sng" dirty="0"/>
                         <a:t>(r)</a:t>
                       </a:r>
                       <a:endParaRPr lang="de-CH" sz="800" dirty="0"/>
@@ -8096,7 +8184,7 @@
                         <a:defRPr/>
                       </a:pPr>
                       <a:r>
-                        <a:rPr lang="de-CH" sz="800" dirty="0" smtClean="0"/>
+                        <a:rPr lang="de-CH" sz="800" dirty="0"/>
                         <a:t>c</a:t>
                       </a:r>
                     </a:p>
@@ -8126,7 +8214,7 @@
                         <a:defRPr/>
                       </a:pPr>
                       <a:r>
-                        <a:rPr lang="de-CH" sz="800" dirty="0" smtClean="0"/>
+                        <a:rPr lang="de-CH" sz="800" dirty="0"/>
                         <a:t>c</a:t>
                       </a:r>
                     </a:p>
@@ -8156,7 +8244,7 @@
                     <a:lstStyle/>
                     <a:p>
                       <a:r>
-                        <a:rPr lang="de-CH" sz="800" dirty="0" err="1" smtClean="0">
+                        <a:rPr lang="de-CH" sz="800" dirty="0" err="1">
                           <a:solidFill>
                             <a:schemeClr val="tx1"/>
                           </a:solidFill>
@@ -8190,59 +8278,56 @@
                     <a:lstStyle/>
                     <a:p>
                       <a:r>
-                        <a:rPr lang="de-CH" sz="800" dirty="0" smtClean="0"/>
+                        <a:rPr lang="de-CH" sz="800" dirty="0"/>
                         <a:t>Double</a:t>
                       </a:r>
-                      <a:endParaRPr lang="de-CH" sz="800" dirty="0"/>
-                    </a:p>
-                  </a:txBody>
-                  <a:tcPr/>
-                </a:tc>
-                <a:tc>
-                  <a:txBody>
-                    <a:bodyPr/>
-                    <a:lstStyle/>
-                    <a:p>
-                      <a:r>
-                        <a:rPr lang="de-CH" sz="800" dirty="0" smtClean="0"/>
+                    </a:p>
+                  </a:txBody>
+                  <a:tcPr/>
+                </a:tc>
+                <a:tc>
+                  <a:txBody>
+                    <a:bodyPr/>
+                    <a:lstStyle/>
+                    <a:p>
+                      <a:r>
+                        <a:rPr lang="de-CH" sz="800" dirty="0"/>
                         <a:t>-</a:t>
                       </a:r>
-                      <a:endParaRPr lang="de-CH" sz="800" dirty="0"/>
-                    </a:p>
-                  </a:txBody>
-                  <a:tcPr/>
-                </a:tc>
-                <a:tc>
-                  <a:txBody>
-                    <a:bodyPr/>
-                    <a:lstStyle/>
-                    <a:p>
-                      <a:endParaRPr lang="de-CH" sz="800" dirty="0"/>
-                    </a:p>
-                  </a:txBody>
-                  <a:tcPr/>
-                </a:tc>
-                <a:tc>
-                  <a:txBody>
-                    <a:bodyPr/>
-                    <a:lstStyle/>
-                    <a:p>
-                      <a:r>
-                        <a:rPr lang="de-CH" sz="800" i="1" u="sng" dirty="0" smtClean="0"/>
+                    </a:p>
+                  </a:txBody>
+                  <a:tcPr/>
+                </a:tc>
+                <a:tc>
+                  <a:txBody>
+                    <a:bodyPr/>
+                    <a:lstStyle/>
+                    <a:p>
+                      <a:endParaRPr lang="de-CH" sz="800" dirty="0"/>
+                    </a:p>
+                  </a:txBody>
+                  <a:tcPr/>
+                </a:tc>
+                <a:tc>
+                  <a:txBody>
+                    <a:bodyPr/>
+                    <a:lstStyle/>
+                    <a:p>
+                      <a:r>
+                        <a:rPr lang="de-CH" sz="800" i="1" u="sng" dirty="0"/>
                         <a:t>(r)</a:t>
                       </a:r>
-                      <a:endParaRPr lang="de-CH" sz="800" i="1" u="sng" dirty="0"/>
-                    </a:p>
-                  </a:txBody>
-                  <a:tcPr/>
-                </a:tc>
-                <a:tc>
-                  <a:txBody>
-                    <a:bodyPr/>
-                    <a:lstStyle/>
-                    <a:p>
-                      <a:r>
-                        <a:rPr lang="de-CH" sz="800" i="1" u="sng" dirty="0" smtClean="0"/>
+                    </a:p>
+                  </a:txBody>
+                  <a:tcPr/>
+                </a:tc>
+                <a:tc>
+                  <a:txBody>
+                    <a:bodyPr/>
+                    <a:lstStyle/>
+                    <a:p>
+                      <a:r>
+                        <a:rPr lang="de-CH" sz="800" i="1" u="sng" dirty="0"/>
                         <a:t>(r)</a:t>
                       </a:r>
                       <a:endParaRPr lang="de-CH" sz="800" dirty="0"/>
@@ -8273,10 +8358,10 @@
                         <a:defRPr/>
                       </a:pPr>
                       <a:r>
-                        <a:rPr lang="de-CH" sz="800" i="1" u="sng" dirty="0" smtClean="0"/>
+                        <a:rPr lang="de-CH" sz="800" i="1" u="sng" dirty="0"/>
                         <a:t>(r)</a:t>
                       </a:r>
-                      <a:endParaRPr lang="de-CH" sz="800" dirty="0" smtClean="0"/>
+                      <a:endParaRPr lang="de-CH" sz="800" dirty="0"/>
                     </a:p>
                   </a:txBody>
                   <a:tcPr/>
@@ -8304,24 +8389,23 @@
                         <a:defRPr/>
                       </a:pPr>
                       <a:r>
-                        <a:rPr lang="de-CH" sz="800" i="1" u="sng" dirty="0" smtClean="0"/>
+                        <a:rPr lang="de-CH" sz="800" i="1" u="sng" dirty="0"/>
                         <a:t>(r)</a:t>
                       </a:r>
-                      <a:endParaRPr lang="de-CH" sz="800" dirty="0" smtClean="0"/>
-                    </a:p>
-                  </a:txBody>
-                  <a:tcPr/>
-                </a:tc>
-                <a:tc>
-                  <a:txBody>
-                    <a:bodyPr/>
-                    <a:lstStyle/>
-                    <a:p>
-                      <a:r>
-                        <a:rPr lang="de-CH" sz="800" dirty="0" smtClean="0"/>
+                      <a:endParaRPr lang="de-CH" sz="800" dirty="0"/>
+                    </a:p>
+                  </a:txBody>
+                  <a:tcPr/>
+                </a:tc>
+                <a:tc>
+                  <a:txBody>
+                    <a:bodyPr/>
+                    <a:lstStyle/>
+                    <a:p>
+                      <a:r>
+                        <a:rPr lang="de-CH" sz="800" dirty="0"/>
                         <a:t>c</a:t>
                       </a:r>
-                      <a:endParaRPr lang="de-CH" sz="800" dirty="0"/>
                     </a:p>
                   </a:txBody>
                   <a:tcPr/>
@@ -8359,7 +8443,7 @@
                         <a:defRPr/>
                       </a:pPr>
                       <a:r>
-                        <a:rPr lang="de-CH" sz="800" i="1" u="sng" dirty="0" smtClean="0"/>
+                        <a:rPr lang="de-CH" sz="800" i="1" u="sng" dirty="0"/>
                         <a:t>(r)</a:t>
                       </a:r>
                     </a:p>
@@ -8372,7 +8456,7 @@
                     <a:lstStyle/>
                     <a:p>
                       <a:r>
-                        <a:rPr lang="de-CH" sz="800" i="1" u="sng" dirty="0" smtClean="0"/>
+                        <a:rPr lang="de-CH" sz="800" i="1" u="sng" dirty="0"/>
                         <a:t>(r)</a:t>
                       </a:r>
                       <a:endParaRPr lang="de-CH" sz="800" dirty="0"/>
@@ -8403,7 +8487,7 @@
                         <a:defRPr/>
                       </a:pPr>
                       <a:r>
-                        <a:rPr lang="de-CH" sz="800" dirty="0" smtClean="0"/>
+                        <a:rPr lang="de-CH" sz="800" dirty="0"/>
                         <a:t>c</a:t>
                       </a:r>
                     </a:p>
@@ -8433,7 +8517,7 @@
                         <a:defRPr/>
                       </a:pPr>
                       <a:r>
-                        <a:rPr lang="de-CH" sz="800" dirty="0" smtClean="0"/>
+                        <a:rPr lang="de-CH" sz="800" dirty="0"/>
                         <a:t>c</a:t>
                       </a:r>
                     </a:p>
@@ -8463,10 +8547,9 @@
                     <a:lstStyle/>
                     <a:p>
                       <a:r>
-                        <a:rPr lang="de-CH" sz="800" dirty="0" smtClean="0"/>
+                        <a:rPr lang="de-CH" sz="800" dirty="0"/>
                         <a:t>Text300NotNullFeld</a:t>
                       </a:r>
-                      <a:endParaRPr lang="de-CH" sz="800" dirty="0"/>
                     </a:p>
                   </a:txBody>
                   <a:tcPr/>
@@ -8487,138 +8570,135 @@
                     <a:lstStyle/>
                     <a:p>
                       <a:r>
-                        <a:rPr lang="de-CH" sz="800" dirty="0" smtClean="0"/>
+                        <a:rPr lang="de-CH" sz="800" dirty="0"/>
                         <a:t>Text</a:t>
                       </a:r>
-                      <a:endParaRPr lang="de-CH" sz="800" dirty="0"/>
-                    </a:p>
-                  </a:txBody>
-                  <a:tcPr/>
-                </a:tc>
-                <a:tc>
-                  <a:txBody>
-                    <a:bodyPr/>
-                    <a:lstStyle/>
-                    <a:p>
-                      <a:endParaRPr lang="de-CH" sz="800" dirty="0"/>
-                    </a:p>
-                  </a:txBody>
-                  <a:tcPr/>
-                </a:tc>
-                <a:tc>
-                  <a:txBody>
-                    <a:bodyPr/>
-                    <a:lstStyle/>
-                    <a:p>
-                      <a:r>
-                        <a:rPr lang="de-CH" sz="800" dirty="0" smtClean="0"/>
+                    </a:p>
+                  </a:txBody>
+                  <a:tcPr/>
+                </a:tc>
+                <a:tc>
+                  <a:txBody>
+                    <a:bodyPr/>
+                    <a:lstStyle/>
+                    <a:p>
+                      <a:endParaRPr lang="de-CH" sz="800" dirty="0"/>
+                    </a:p>
+                  </a:txBody>
+                  <a:tcPr/>
+                </a:tc>
+                <a:tc>
+                  <a:txBody>
+                    <a:bodyPr/>
+                    <a:lstStyle/>
+                    <a:p>
+                      <a:r>
+                        <a:rPr lang="de-CH" sz="800" dirty="0"/>
                         <a:t>N</a:t>
                       </a:r>
-                      <a:endParaRPr lang="de-CH" sz="800" dirty="0"/>
-                    </a:p>
-                  </a:txBody>
-                  <a:tcPr/>
-                </a:tc>
-                <a:tc>
-                  <a:txBody>
-                    <a:bodyPr/>
-                    <a:lstStyle/>
-                    <a:p>
-                      <a:endParaRPr lang="de-CH" sz="800" dirty="0"/>
-                    </a:p>
-                  </a:txBody>
-                  <a:tcPr/>
-                </a:tc>
-                <a:tc>
-                  <a:txBody>
-                    <a:bodyPr/>
-                    <a:lstStyle/>
-                    <a:p>
-                      <a:endParaRPr lang="de-CH" sz="800" dirty="0"/>
-                    </a:p>
-                  </a:txBody>
-                  <a:tcPr/>
-                </a:tc>
-                <a:tc>
-                  <a:txBody>
-                    <a:bodyPr/>
-                    <a:lstStyle/>
-                    <a:p>
-                      <a:endParaRPr lang="de-CH" sz="800" dirty="0"/>
-                    </a:p>
-                  </a:txBody>
-                  <a:tcPr/>
-                </a:tc>
-                <a:tc>
-                  <a:txBody>
-                    <a:bodyPr/>
-                    <a:lstStyle/>
-                    <a:p>
-                      <a:endParaRPr lang="de-CH" sz="800" dirty="0"/>
-                    </a:p>
-                  </a:txBody>
-                  <a:tcPr/>
-                </a:tc>
-                <a:tc>
-                  <a:txBody>
-                    <a:bodyPr/>
-                    <a:lstStyle/>
-                    <a:p>
-                      <a:endParaRPr lang="de-CH" sz="800" dirty="0"/>
-                    </a:p>
-                  </a:txBody>
-                  <a:tcPr/>
-                </a:tc>
-                <a:tc>
-                  <a:txBody>
-                    <a:bodyPr/>
-                    <a:lstStyle/>
-                    <a:p>
-                      <a:endParaRPr lang="de-CH" sz="800" dirty="0"/>
-                    </a:p>
-                  </a:txBody>
-                  <a:tcPr/>
-                </a:tc>
-                <a:tc>
-                  <a:txBody>
-                    <a:bodyPr/>
-                    <a:lstStyle/>
-                    <a:p>
-                      <a:endParaRPr lang="de-CH" sz="800" dirty="0"/>
-                    </a:p>
-                  </a:txBody>
-                  <a:tcPr/>
-                </a:tc>
-                <a:tc>
-                  <a:txBody>
-                    <a:bodyPr/>
-                    <a:lstStyle/>
-                    <a:p>
-                      <a:endParaRPr lang="de-CH" sz="800" dirty="0"/>
-                    </a:p>
-                  </a:txBody>
-                  <a:tcPr/>
-                </a:tc>
-                <a:tc>
-                  <a:txBody>
-                    <a:bodyPr/>
-                    <a:lstStyle/>
-                    <a:p>
-                      <a:endParaRPr lang="de-CH" sz="800" dirty="0"/>
-                    </a:p>
-                  </a:txBody>
-                  <a:tcPr/>
-                </a:tc>
-                <a:tc>
-                  <a:txBody>
-                    <a:bodyPr/>
-                    <a:lstStyle/>
-                    <a:p>
-                      <a:r>
-                        <a:rPr lang="de-CH" sz="800" b="1" dirty="0" smtClean="0"/>
+                    </a:p>
+                  </a:txBody>
+                  <a:tcPr/>
+                </a:tc>
+                <a:tc>
+                  <a:txBody>
+                    <a:bodyPr/>
+                    <a:lstStyle/>
+                    <a:p>
+                      <a:endParaRPr lang="de-CH" sz="800" dirty="0"/>
+                    </a:p>
+                  </a:txBody>
+                  <a:tcPr/>
+                </a:tc>
+                <a:tc>
+                  <a:txBody>
+                    <a:bodyPr/>
+                    <a:lstStyle/>
+                    <a:p>
+                      <a:endParaRPr lang="de-CH" sz="800" dirty="0"/>
+                    </a:p>
+                  </a:txBody>
+                  <a:tcPr/>
+                </a:tc>
+                <a:tc>
+                  <a:txBody>
+                    <a:bodyPr/>
+                    <a:lstStyle/>
+                    <a:p>
+                      <a:endParaRPr lang="de-CH" sz="800" dirty="0"/>
+                    </a:p>
+                  </a:txBody>
+                  <a:tcPr/>
+                </a:tc>
+                <a:tc>
+                  <a:txBody>
+                    <a:bodyPr/>
+                    <a:lstStyle/>
+                    <a:p>
+                      <a:endParaRPr lang="de-CH" sz="800" dirty="0"/>
+                    </a:p>
+                  </a:txBody>
+                  <a:tcPr/>
+                </a:tc>
+                <a:tc>
+                  <a:txBody>
+                    <a:bodyPr/>
+                    <a:lstStyle/>
+                    <a:p>
+                      <a:endParaRPr lang="de-CH" sz="800" dirty="0"/>
+                    </a:p>
+                  </a:txBody>
+                  <a:tcPr/>
+                </a:tc>
+                <a:tc>
+                  <a:txBody>
+                    <a:bodyPr/>
+                    <a:lstStyle/>
+                    <a:p>
+                      <a:endParaRPr lang="de-CH" sz="800" dirty="0"/>
+                    </a:p>
+                  </a:txBody>
+                  <a:tcPr/>
+                </a:tc>
+                <a:tc>
+                  <a:txBody>
+                    <a:bodyPr/>
+                    <a:lstStyle/>
+                    <a:p>
+                      <a:endParaRPr lang="de-CH" sz="800" dirty="0"/>
+                    </a:p>
+                  </a:txBody>
+                  <a:tcPr/>
+                </a:tc>
+                <a:tc>
+                  <a:txBody>
+                    <a:bodyPr/>
+                    <a:lstStyle/>
+                    <a:p>
+                      <a:endParaRPr lang="de-CH" sz="800" dirty="0"/>
+                    </a:p>
+                  </a:txBody>
+                  <a:tcPr/>
+                </a:tc>
+                <a:tc>
+                  <a:txBody>
+                    <a:bodyPr/>
+                    <a:lstStyle/>
+                    <a:p>
+                      <a:endParaRPr lang="de-CH" sz="800" dirty="0"/>
+                    </a:p>
+                  </a:txBody>
+                  <a:tcPr/>
+                </a:tc>
+                <a:tc>
+                  <a:txBody>
+                    <a:bodyPr/>
+                    <a:lstStyle/>
+                    <a:p>
+                      <a:r>
+                        <a:rPr lang="de-CH" sz="800" b="1" dirty="0"/>
                         <a:t>(n)</a:t>
                       </a:r>
-                      <a:endParaRPr lang="de-CH" sz="800" b="1" dirty="0"/>
                     </a:p>
                   </a:txBody>
                   <a:tcPr/>
@@ -8646,7 +8726,7 @@
                     <a:lstStyle/>
                     <a:p>
                       <a:r>
-                        <a:rPr lang="de-CH" sz="800" dirty="0" err="1" smtClean="0"/>
+                        <a:rPr lang="de-CH" sz="800" dirty="0" err="1"/>
                         <a:t>DateNotNullFeld</a:t>
                       </a:r>
                       <a:endParaRPr lang="de-CH" sz="800" dirty="0"/>
@@ -8670,10 +8750,9 @@
                     <a:lstStyle/>
                     <a:p>
                       <a:r>
-                        <a:rPr lang="de-CH" sz="800" dirty="0" smtClean="0"/>
+                        <a:rPr lang="de-CH" sz="800" dirty="0"/>
                         <a:t>Date</a:t>
                       </a:r>
-                      <a:endParaRPr lang="de-CH" sz="800" dirty="0"/>
                     </a:p>
                   </a:txBody>
                   <a:tcPr/>
@@ -8694,138 +8773,130 @@
                     <a:lstStyle/>
                     <a:p>
                       <a:r>
-                        <a:rPr lang="de-CH" sz="800" dirty="0" smtClean="0"/>
+                        <a:rPr lang="de-CH" sz="800" dirty="0"/>
                         <a:t>N</a:t>
                       </a:r>
-                      <a:endParaRPr lang="de-CH" sz="800" dirty="0"/>
-                    </a:p>
-                  </a:txBody>
-                  <a:tcPr/>
-                </a:tc>
-                <a:tc>
-                  <a:txBody>
-                    <a:bodyPr/>
-                    <a:lstStyle/>
-                    <a:p>
-                      <a:r>
-                        <a:rPr lang="de-CH" sz="800" dirty="0" smtClean="0"/>
+                    </a:p>
+                  </a:txBody>
+                  <a:tcPr/>
+                </a:tc>
+                <a:tc>
+                  <a:txBody>
+                    <a:bodyPr/>
+                    <a:lstStyle/>
+                    <a:p>
+                      <a:r>
+                        <a:rPr lang="de-CH" sz="800" dirty="0"/>
                         <a:t>c</a:t>
                       </a:r>
-                      <a:endParaRPr lang="de-CH" sz="800" dirty="0"/>
-                    </a:p>
-                  </a:txBody>
-                  <a:tcPr/>
-                </a:tc>
-                <a:tc>
-                  <a:txBody>
-                    <a:bodyPr/>
-                    <a:lstStyle/>
-                    <a:p>
-                      <a:r>
-                        <a:rPr lang="de-CH" sz="800" dirty="0" smtClean="0"/>
+                    </a:p>
+                  </a:txBody>
+                  <a:tcPr/>
+                </a:tc>
+                <a:tc>
+                  <a:txBody>
+                    <a:bodyPr/>
+                    <a:lstStyle/>
+                    <a:p>
+                      <a:r>
+                        <a:rPr lang="de-CH" sz="800" dirty="0"/>
                         <a:t>c</a:t>
                       </a:r>
-                      <a:endParaRPr lang="de-CH" sz="800" dirty="0"/>
-                    </a:p>
-                  </a:txBody>
-                  <a:tcPr/>
-                </a:tc>
-                <a:tc>
-                  <a:txBody>
-                    <a:bodyPr/>
-                    <a:lstStyle/>
-                    <a:p>
-                      <a:r>
-                        <a:rPr lang="de-CH" sz="800" dirty="0" smtClean="0"/>
+                    </a:p>
+                  </a:txBody>
+                  <a:tcPr/>
+                </a:tc>
+                <a:tc>
+                  <a:txBody>
+                    <a:bodyPr/>
+                    <a:lstStyle/>
+                    <a:p>
+                      <a:r>
+                        <a:rPr lang="de-CH" sz="800" dirty="0"/>
                         <a:t>c</a:t>
                       </a:r>
-                      <a:endParaRPr lang="de-CH" sz="800" dirty="0"/>
-                    </a:p>
-                  </a:txBody>
-                  <a:tcPr/>
-                </a:tc>
-                <a:tc>
-                  <a:txBody>
-                    <a:bodyPr/>
-                    <a:lstStyle/>
-                    <a:p>
-                      <a:r>
-                        <a:rPr lang="de-CH" sz="800" dirty="0" smtClean="0"/>
+                    </a:p>
+                  </a:txBody>
+                  <a:tcPr/>
+                </a:tc>
+                <a:tc>
+                  <a:txBody>
+                    <a:bodyPr/>
+                    <a:lstStyle/>
+                    <a:p>
+                      <a:r>
+                        <a:rPr lang="de-CH" sz="800" dirty="0"/>
                         <a:t>c</a:t>
                       </a:r>
-                      <a:endParaRPr lang="de-CH" sz="800" dirty="0"/>
-                    </a:p>
-                  </a:txBody>
-                  <a:tcPr/>
-                </a:tc>
-                <a:tc>
-                  <a:txBody>
-                    <a:bodyPr/>
-                    <a:lstStyle/>
-                    <a:p>
-                      <a:endParaRPr lang="de-CH" sz="800" dirty="0"/>
-                    </a:p>
-                  </a:txBody>
-                  <a:tcPr/>
-                </a:tc>
-                <a:tc>
-                  <a:txBody>
-                    <a:bodyPr/>
-                    <a:lstStyle/>
-                    <a:p>
-                      <a:endParaRPr lang="de-CH" sz="800" dirty="0"/>
-                    </a:p>
-                  </a:txBody>
-                  <a:tcPr/>
-                </a:tc>
-                <a:tc>
-                  <a:txBody>
-                    <a:bodyPr/>
-                    <a:lstStyle/>
-                    <a:p>
-                      <a:r>
-                        <a:rPr lang="de-CH" sz="800" dirty="0" smtClean="0"/>
+                    </a:p>
+                  </a:txBody>
+                  <a:tcPr/>
+                </a:tc>
+                <a:tc>
+                  <a:txBody>
+                    <a:bodyPr/>
+                    <a:lstStyle/>
+                    <a:p>
+                      <a:endParaRPr lang="de-CH" sz="800" dirty="0"/>
+                    </a:p>
+                  </a:txBody>
+                  <a:tcPr/>
+                </a:tc>
+                <a:tc>
+                  <a:txBody>
+                    <a:bodyPr/>
+                    <a:lstStyle/>
+                    <a:p>
+                      <a:endParaRPr lang="de-CH" sz="800" dirty="0"/>
+                    </a:p>
+                  </a:txBody>
+                  <a:tcPr/>
+                </a:tc>
+                <a:tc>
+                  <a:txBody>
+                    <a:bodyPr/>
+                    <a:lstStyle/>
+                    <a:p>
+                      <a:r>
+                        <a:rPr lang="de-CH" sz="800" dirty="0"/>
                         <a:t>c</a:t>
                       </a:r>
-                      <a:endParaRPr lang="de-CH" sz="800" dirty="0"/>
-                    </a:p>
-                  </a:txBody>
-                  <a:tcPr/>
-                </a:tc>
-                <a:tc>
-                  <a:txBody>
-                    <a:bodyPr/>
-                    <a:lstStyle/>
-                    <a:p>
-                      <a:r>
-                        <a:rPr lang="de-CH" sz="800" dirty="0" smtClean="0"/>
+                    </a:p>
+                  </a:txBody>
+                  <a:tcPr/>
+                </a:tc>
+                <a:tc>
+                  <a:txBody>
+                    <a:bodyPr/>
+                    <a:lstStyle/>
+                    <a:p>
+                      <a:r>
+                        <a:rPr lang="de-CH" sz="800" dirty="0"/>
                         <a:t>c</a:t>
                       </a:r>
-                      <a:endParaRPr lang="de-CH" sz="800" dirty="0"/>
-                    </a:p>
-                  </a:txBody>
-                  <a:tcPr/>
-                </a:tc>
-                <a:tc>
-                  <a:txBody>
-                    <a:bodyPr/>
-                    <a:lstStyle/>
-                    <a:p>
-                      <a:endParaRPr lang="de-CH" sz="800" dirty="0"/>
-                    </a:p>
-                  </a:txBody>
-                  <a:tcPr/>
-                </a:tc>
-                <a:tc>
-                  <a:txBody>
-                    <a:bodyPr/>
-                    <a:lstStyle/>
-                    <a:p>
-                      <a:r>
-                        <a:rPr lang="de-CH" sz="800" dirty="0" smtClean="0"/>
+                    </a:p>
+                  </a:txBody>
+                  <a:tcPr/>
+                </a:tc>
+                <a:tc>
+                  <a:txBody>
+                    <a:bodyPr/>
+                    <a:lstStyle/>
+                    <a:p>
+                      <a:endParaRPr lang="de-CH" sz="800" dirty="0"/>
+                    </a:p>
+                  </a:txBody>
+                  <a:tcPr/>
+                </a:tc>
+                <a:tc>
+                  <a:txBody>
+                    <a:bodyPr/>
+                    <a:lstStyle/>
+                    <a:p>
+                      <a:r>
+                        <a:rPr lang="de-CH" sz="800" dirty="0"/>
                         <a:t>N</a:t>
                       </a:r>
-                      <a:endParaRPr lang="de-CH" sz="800" dirty="0"/>
                     </a:p>
                   </a:txBody>
                   <a:tcPr/>
@@ -9020,11 +9091,11 @@
                     <a:lstStyle/>
                     <a:p>
                       <a:r>
-                        <a:rPr lang="de-CH" sz="1000" dirty="0" smtClean="0"/>
+                        <a:rPr lang="de-CH" sz="1000" dirty="0"/>
                         <a:t>Errors </a:t>
                       </a:r>
                       <a:r>
-                        <a:rPr lang="de-CH" sz="1000" dirty="0" err="1" smtClean="0"/>
+                        <a:rPr lang="de-CH" sz="1000" dirty="0" err="1"/>
                         <a:t>expected</a:t>
                       </a:r>
                       <a:endParaRPr lang="de-CH" sz="1000" dirty="0"/>
@@ -9078,11 +9149,11 @@
                     <a:lstStyle/>
                     <a:p>
                       <a:r>
-                        <a:rPr lang="de-CH" sz="1000" dirty="0" smtClean="0"/>
+                        <a:rPr lang="de-CH" sz="1000" dirty="0"/>
                         <a:t>7, </a:t>
                       </a:r>
                       <a:r>
-                        <a:rPr lang="de-CH" sz="1000" dirty="0" smtClean="0">
+                        <a:rPr lang="de-CH" sz="1000" dirty="0">
                           <a:solidFill>
                             <a:srgbClr val="FFC000"/>
                           </a:solidFill>
@@ -9090,7 +9161,7 @@
                         <a:t>3</a:t>
                       </a:r>
                       <a:r>
-                        <a:rPr lang="de-CH" sz="1000" dirty="0" smtClean="0">
+                        <a:rPr lang="de-CH" sz="1000" dirty="0">
                           <a:solidFill>
                             <a:schemeClr val="tx1"/>
                           </a:solidFill>
@@ -9098,33 +9169,28 @@
                         <a:t>, </a:t>
                       </a:r>
                       <a:r>
-                        <a:rPr lang="de-CH" sz="1000" dirty="0" smtClean="0">
+                        <a:rPr lang="de-CH" sz="1000" dirty="0">
                           <a:solidFill>
                             <a:srgbClr val="FF66FF"/>
                           </a:solidFill>
                         </a:rPr>
                         <a:t>4</a:t>
                       </a:r>
-                      <a:endParaRPr lang="de-CH" sz="1000" dirty="0">
-                        <a:solidFill>
-                          <a:srgbClr val="FF66FF"/>
-                        </a:solidFill>
-                      </a:endParaRPr>
-                    </a:p>
-                  </a:txBody>
-                  <a:tcPr/>
-                </a:tc>
-                <a:tc>
-                  <a:txBody>
-                    <a:bodyPr/>
-                    <a:lstStyle/>
-                    <a:p>
-                      <a:r>
-                        <a:rPr lang="de-CH" sz="1000" dirty="0" smtClean="0"/>
+                    </a:p>
+                  </a:txBody>
+                  <a:tcPr/>
+                </a:tc>
+                <a:tc>
+                  <a:txBody>
+                    <a:bodyPr/>
+                    <a:lstStyle/>
+                    <a:p>
+                      <a:r>
+                        <a:rPr lang="de-CH" sz="1000" dirty="0"/>
                         <a:t>10, </a:t>
                       </a:r>
                       <a:r>
-                        <a:rPr lang="de-CH" sz="1000" dirty="0" smtClean="0">
+                        <a:rPr lang="de-CH" sz="1000" dirty="0">
                           <a:solidFill>
                             <a:srgbClr val="FFC000"/>
                           </a:solidFill>
@@ -9132,7 +9198,7 @@
                         <a:t>5</a:t>
                       </a:r>
                       <a:r>
-                        <a:rPr lang="de-CH" sz="1000" dirty="0" smtClean="0">
+                        <a:rPr lang="de-CH" sz="1000" dirty="0">
                           <a:solidFill>
                             <a:schemeClr val="tx1"/>
                           </a:solidFill>
@@ -9140,7 +9206,7 @@
                         <a:t>,</a:t>
                       </a:r>
                       <a:r>
-                        <a:rPr lang="de-CH" sz="1000" dirty="0" smtClean="0">
+                        <a:rPr lang="de-CH" sz="1000" dirty="0">
                           <a:solidFill>
                             <a:srgbClr val="FFC000"/>
                           </a:solidFill>
@@ -9148,33 +9214,28 @@
                         <a:t> </a:t>
                       </a:r>
                       <a:r>
-                        <a:rPr lang="de-CH" sz="1000" dirty="0" smtClean="0">
+                        <a:rPr lang="de-CH" sz="1000" dirty="0">
                           <a:solidFill>
                             <a:srgbClr val="FF66FF"/>
                           </a:solidFill>
                         </a:rPr>
                         <a:t>9</a:t>
                       </a:r>
-                      <a:endParaRPr lang="de-CH" sz="1000" dirty="0">
-                        <a:solidFill>
-                          <a:srgbClr val="FF66FF"/>
-                        </a:solidFill>
-                      </a:endParaRPr>
-                    </a:p>
-                  </a:txBody>
-                  <a:tcPr/>
-                </a:tc>
-                <a:tc>
-                  <a:txBody>
-                    <a:bodyPr/>
-                    <a:lstStyle/>
-                    <a:p>
-                      <a:r>
-                        <a:rPr lang="de-CH" sz="1000" dirty="0" smtClean="0"/>
+                    </a:p>
+                  </a:txBody>
+                  <a:tcPr/>
+                </a:tc>
+                <a:tc>
+                  <a:txBody>
+                    <a:bodyPr/>
+                    <a:lstStyle/>
+                    <a:p>
+                      <a:r>
+                        <a:rPr lang="de-CH" sz="1000" dirty="0"/>
                         <a:t>11, </a:t>
                       </a:r>
                       <a:r>
-                        <a:rPr lang="de-CH" sz="1000" dirty="0" smtClean="0">
+                        <a:rPr lang="de-CH" sz="1000" dirty="0">
                           <a:solidFill>
                             <a:srgbClr val="FFC000"/>
                           </a:solidFill>
@@ -9182,7 +9243,7 @@
                         <a:t>6</a:t>
                       </a:r>
                       <a:r>
-                        <a:rPr lang="de-CH" sz="1000" dirty="0" smtClean="0">
+                        <a:rPr lang="de-CH" sz="1000" dirty="0">
                           <a:solidFill>
                             <a:schemeClr val="tx1"/>
                           </a:solidFill>
@@ -9190,33 +9251,28 @@
                         <a:t>, </a:t>
                       </a:r>
                       <a:r>
-                        <a:rPr lang="de-CH" sz="1000" dirty="0" smtClean="0">
+                        <a:rPr lang="de-CH" sz="1000" dirty="0">
                           <a:solidFill>
                             <a:srgbClr val="FF66FF"/>
                           </a:solidFill>
                         </a:rPr>
                         <a:t>8</a:t>
                       </a:r>
-                      <a:endParaRPr lang="de-CH" sz="1000" dirty="0">
-                        <a:solidFill>
-                          <a:srgbClr val="FF66FF"/>
-                        </a:solidFill>
-                      </a:endParaRPr>
-                    </a:p>
-                  </a:txBody>
-                  <a:tcPr/>
-                </a:tc>
-                <a:tc>
-                  <a:txBody>
-                    <a:bodyPr/>
-                    <a:lstStyle/>
-                    <a:p>
-                      <a:r>
-                        <a:rPr lang="de-CH" sz="1000" dirty="0" smtClean="0"/>
+                    </a:p>
+                  </a:txBody>
+                  <a:tcPr/>
+                </a:tc>
+                <a:tc>
+                  <a:txBody>
+                    <a:bodyPr/>
+                    <a:lstStyle/>
+                    <a:p>
+                      <a:r>
+                        <a:rPr lang="de-CH" sz="1000" dirty="0"/>
                         <a:t>12, </a:t>
                       </a:r>
                       <a:r>
-                        <a:rPr lang="de-CH" sz="1000" dirty="0" smtClean="0">
+                        <a:rPr lang="de-CH" sz="1000" dirty="0">
                           <a:solidFill>
                             <a:srgbClr val="FFC000"/>
                           </a:solidFill>
@@ -9224,37 +9280,32 @@
                         <a:t>7</a:t>
                       </a:r>
                       <a:r>
-                        <a:rPr lang="de-CH" sz="1000" dirty="0" smtClean="0"/>
+                        <a:rPr lang="de-CH" sz="1000" dirty="0"/>
                         <a:t>, </a:t>
                       </a:r>
                       <a:r>
-                        <a:rPr lang="de-CH" sz="1000" dirty="0" smtClean="0">
+                        <a:rPr lang="de-CH" sz="1000" dirty="0">
                           <a:solidFill>
                             <a:srgbClr val="FF66FF"/>
                           </a:solidFill>
                         </a:rPr>
                         <a:t>9</a:t>
                       </a:r>
-                      <a:endParaRPr lang="de-CH" sz="1000" dirty="0">
-                        <a:solidFill>
-                          <a:srgbClr val="FF66FF"/>
-                        </a:solidFill>
-                      </a:endParaRPr>
-                    </a:p>
-                  </a:txBody>
-                  <a:tcPr/>
-                </a:tc>
-                <a:tc>
-                  <a:txBody>
-                    <a:bodyPr/>
-                    <a:lstStyle/>
-                    <a:p>
-                      <a:r>
-                        <a:rPr lang="de-CH" sz="1000" dirty="0" smtClean="0"/>
+                    </a:p>
+                  </a:txBody>
+                  <a:tcPr/>
+                </a:tc>
+                <a:tc>
+                  <a:txBody>
+                    <a:bodyPr/>
+                    <a:lstStyle/>
+                    <a:p>
+                      <a:r>
+                        <a:rPr lang="de-CH" sz="1000" dirty="0"/>
                         <a:t>11, </a:t>
                       </a:r>
                       <a:r>
-                        <a:rPr lang="de-CH" sz="1000" dirty="0" smtClean="0">
+                        <a:rPr lang="de-CH" sz="1000" dirty="0">
                           <a:solidFill>
                             <a:srgbClr val="FFC000"/>
                           </a:solidFill>
@@ -9262,22 +9313,17 @@
                         <a:t>7</a:t>
                       </a:r>
                       <a:r>
-                        <a:rPr lang="de-CH" sz="1000" dirty="0" smtClean="0"/>
+                        <a:rPr lang="de-CH" sz="1000" dirty="0"/>
                         <a:t>, </a:t>
                       </a:r>
                       <a:r>
-                        <a:rPr lang="de-CH" sz="1000" dirty="0" smtClean="0">
+                        <a:rPr lang="de-CH" sz="1000" dirty="0">
                           <a:solidFill>
                             <a:srgbClr val="FF66FF"/>
                           </a:solidFill>
                         </a:rPr>
                         <a:t>9</a:t>
                       </a:r>
-                      <a:endParaRPr lang="de-CH" sz="1000" dirty="0">
-                        <a:solidFill>
-                          <a:srgbClr val="FF66FF"/>
-                        </a:solidFill>
-                      </a:endParaRPr>
                     </a:p>
                   </a:txBody>
                   <a:tcPr/>
@@ -9298,11 +9344,11 @@
                     <a:lstStyle/>
                     <a:p>
                       <a:r>
-                        <a:rPr lang="de-CH" sz="1000" dirty="0" smtClean="0"/>
+                        <a:rPr lang="de-CH" sz="1000" dirty="0"/>
                         <a:t>7, </a:t>
                       </a:r>
                       <a:r>
-                        <a:rPr lang="de-CH" sz="1000" dirty="0" smtClean="0">
+                        <a:rPr lang="de-CH" sz="1000" dirty="0">
                           <a:solidFill>
                             <a:srgbClr val="FFC000"/>
                           </a:solidFill>
@@ -9310,37 +9356,32 @@
                         <a:t>3</a:t>
                       </a:r>
                       <a:r>
-                        <a:rPr lang="de-CH" sz="1000" dirty="0" smtClean="0"/>
+                        <a:rPr lang="de-CH" sz="1000" dirty="0"/>
                         <a:t>, </a:t>
                       </a:r>
                       <a:r>
-                        <a:rPr lang="de-CH" sz="1000" dirty="0" smtClean="0">
+                        <a:rPr lang="de-CH" sz="1000" dirty="0">
                           <a:solidFill>
                             <a:srgbClr val="FF66FF"/>
                           </a:solidFill>
                         </a:rPr>
                         <a:t>4</a:t>
                       </a:r>
-                      <a:endParaRPr lang="de-CH" sz="1000" dirty="0">
-                        <a:solidFill>
-                          <a:srgbClr val="FF66FF"/>
-                        </a:solidFill>
-                      </a:endParaRPr>
-                    </a:p>
-                  </a:txBody>
-                  <a:tcPr/>
-                </a:tc>
-                <a:tc>
-                  <a:txBody>
-                    <a:bodyPr/>
-                    <a:lstStyle/>
-                    <a:p>
-                      <a:r>
-                        <a:rPr lang="de-CH" sz="1000" dirty="0" smtClean="0"/>
+                    </a:p>
+                  </a:txBody>
+                  <a:tcPr/>
+                </a:tc>
+                <a:tc>
+                  <a:txBody>
+                    <a:bodyPr/>
+                    <a:lstStyle/>
+                    <a:p>
+                      <a:r>
+                        <a:rPr lang="de-CH" sz="1000" dirty="0"/>
                         <a:t>13, </a:t>
                       </a:r>
                       <a:r>
-                        <a:rPr lang="de-CH" sz="1000" dirty="0" smtClean="0">
+                        <a:rPr lang="de-CH" sz="1000" dirty="0">
                           <a:solidFill>
                             <a:srgbClr val="FFC000"/>
                           </a:solidFill>
@@ -9348,25 +9389,24 @@
                         <a:t>10</a:t>
                       </a:r>
                       <a:r>
-                        <a:rPr lang="de-CH" sz="1000" dirty="0" smtClean="0"/>
+                        <a:rPr lang="de-CH" sz="1000" dirty="0"/>
                         <a:t>, 12 </a:t>
                       </a:r>
-                      <a:endParaRPr lang="de-CH" sz="1000" dirty="0"/>
-                    </a:p>
-                  </a:txBody>
-                  <a:tcPr/>
-                </a:tc>
-                <a:tc>
-                  <a:txBody>
-                    <a:bodyPr/>
-                    <a:lstStyle/>
-                    <a:p>
-                      <a:r>
-                        <a:rPr lang="de-CH" sz="1000" dirty="0" smtClean="0"/>
+                    </a:p>
+                  </a:txBody>
+                  <a:tcPr/>
+                </a:tc>
+                <a:tc>
+                  <a:txBody>
+                    <a:bodyPr/>
+                    <a:lstStyle/>
+                    <a:p>
+                      <a:r>
+                        <a:rPr lang="de-CH" sz="1000" dirty="0"/>
                         <a:t>10, </a:t>
                       </a:r>
                       <a:r>
-                        <a:rPr lang="de-CH" sz="1000" dirty="0" smtClean="0">
+                        <a:rPr lang="de-CH" sz="1000" dirty="0">
                           <a:solidFill>
                             <a:srgbClr val="FFC000"/>
                           </a:solidFill>
@@ -9374,37 +9414,32 @@
                         <a:t>7</a:t>
                       </a:r>
                       <a:r>
-                        <a:rPr lang="de-CH" sz="1000" dirty="0" smtClean="0"/>
+                        <a:rPr lang="de-CH" sz="1000" dirty="0"/>
                         <a:t>, </a:t>
                       </a:r>
                       <a:r>
-                        <a:rPr lang="de-CH" sz="1000" dirty="0" smtClean="0">
+                        <a:rPr lang="de-CH" sz="1000" dirty="0">
                           <a:solidFill>
                             <a:srgbClr val="FF66FF"/>
                           </a:solidFill>
                         </a:rPr>
                         <a:t>9</a:t>
                       </a:r>
-                      <a:endParaRPr lang="de-CH" sz="1000" dirty="0">
-                        <a:solidFill>
-                          <a:srgbClr val="FF66FF"/>
-                        </a:solidFill>
-                      </a:endParaRPr>
-                    </a:p>
-                  </a:txBody>
-                  <a:tcPr/>
-                </a:tc>
-                <a:tc>
-                  <a:txBody>
-                    <a:bodyPr/>
-                    <a:lstStyle/>
-                    <a:p>
-                      <a:r>
-                        <a:rPr lang="de-CH" sz="1000" dirty="0" smtClean="0"/>
+                    </a:p>
+                  </a:txBody>
+                  <a:tcPr/>
+                </a:tc>
+                <a:tc>
+                  <a:txBody>
+                    <a:bodyPr/>
+                    <a:lstStyle/>
+                    <a:p>
+                      <a:r>
+                        <a:rPr lang="de-CH" sz="1000" dirty="0"/>
                         <a:t>11, </a:t>
                       </a:r>
                       <a:r>
-                        <a:rPr lang="de-CH" sz="1000" dirty="0" smtClean="0">
+                        <a:rPr lang="de-CH" sz="1000" dirty="0">
                           <a:solidFill>
                             <a:srgbClr val="FFC000"/>
                           </a:solidFill>
@@ -9412,22 +9447,17 @@
                         <a:t>12</a:t>
                       </a:r>
                       <a:r>
-                        <a:rPr lang="de-CH" sz="1000" dirty="0" smtClean="0"/>
+                        <a:rPr lang="de-CH" sz="1000" dirty="0"/>
                         <a:t>,  </a:t>
                       </a:r>
                       <a:r>
-                        <a:rPr lang="de-CH" sz="1000" dirty="0" smtClean="0">
+                        <a:rPr lang="de-CH" sz="1000" dirty="0">
                           <a:solidFill>
                             <a:srgbClr val="FF66FF"/>
                           </a:solidFill>
                         </a:rPr>
                         <a:t>14</a:t>
                       </a:r>
-                      <a:endParaRPr lang="de-CH" sz="1000" dirty="0">
-                        <a:solidFill>
-                          <a:srgbClr val="FF66FF"/>
-                        </a:solidFill>
-                      </a:endParaRPr>
                     </a:p>
                   </a:txBody>
                   <a:tcPr/>
@@ -9455,15 +9485,15 @@
                     <a:lstStyle/>
                     <a:p>
                       <a:r>
-                        <a:rPr lang="de-CH" sz="1000" dirty="0" err="1" smtClean="0"/>
+                        <a:rPr lang="de-CH" sz="1000" dirty="0" err="1"/>
                         <a:t>Valids</a:t>
                       </a:r>
                       <a:r>
-                        <a:rPr lang="de-CH" sz="1000" dirty="0" smtClean="0"/>
+                        <a:rPr lang="de-CH" sz="1000" dirty="0"/>
                         <a:t> </a:t>
                       </a:r>
                       <a:r>
-                        <a:rPr lang="de-CH" sz="1000" dirty="0" err="1" smtClean="0"/>
+                        <a:rPr lang="de-CH" sz="1000" dirty="0" err="1"/>
                         <a:t>expected</a:t>
                       </a:r>
                       <a:endParaRPr lang="de-CH" sz="1000" dirty="0"/>
@@ -9517,11 +9547,11 @@
                     <a:lstStyle/>
                     <a:p>
                       <a:r>
-                        <a:rPr lang="de-CH" sz="1000" dirty="0" smtClean="0"/>
+                        <a:rPr lang="de-CH" sz="1000" dirty="0"/>
                         <a:t>8, </a:t>
                       </a:r>
                       <a:r>
-                        <a:rPr lang="de-CH" sz="1000" dirty="0" smtClean="0">
+                        <a:rPr lang="de-CH" sz="1000" dirty="0">
                           <a:solidFill>
                             <a:srgbClr val="FFC000"/>
                           </a:solidFill>
@@ -9529,37 +9559,32 @@
                         <a:t>9</a:t>
                       </a:r>
                       <a:r>
-                        <a:rPr lang="de-CH" sz="1000" dirty="0" smtClean="0"/>
+                        <a:rPr lang="de-CH" sz="1000" dirty="0"/>
                         <a:t>, </a:t>
                       </a:r>
                       <a:r>
-                        <a:rPr lang="de-CH" sz="1000" dirty="0" smtClean="0">
+                        <a:rPr lang="de-CH" sz="1000" dirty="0">
                           <a:solidFill>
                             <a:srgbClr val="FF66FF"/>
                           </a:solidFill>
                         </a:rPr>
                         <a:t>10</a:t>
                       </a:r>
-                      <a:endParaRPr lang="de-CH" sz="1000" dirty="0">
-                        <a:solidFill>
-                          <a:srgbClr val="FF66FF"/>
-                        </a:solidFill>
-                      </a:endParaRPr>
-                    </a:p>
-                  </a:txBody>
-                  <a:tcPr/>
-                </a:tc>
-                <a:tc>
-                  <a:txBody>
-                    <a:bodyPr/>
-                    <a:lstStyle/>
-                    <a:p>
-                      <a:r>
-                        <a:rPr lang="de-CH" sz="1000" dirty="0" smtClean="0"/>
+                    </a:p>
+                  </a:txBody>
+                  <a:tcPr/>
+                </a:tc>
+                <a:tc>
+                  <a:txBody>
+                    <a:bodyPr/>
+                    <a:lstStyle/>
+                    <a:p>
+                      <a:r>
+                        <a:rPr lang="de-CH" sz="1000" dirty="0"/>
                         <a:t>5, </a:t>
                       </a:r>
                       <a:r>
-                        <a:rPr lang="de-CH" sz="1000" dirty="0" smtClean="0">
+                        <a:rPr lang="de-CH" sz="1000" dirty="0">
                           <a:solidFill>
                             <a:srgbClr val="FFC000"/>
                           </a:solidFill>
@@ -9567,37 +9592,32 @@
                         <a:t>7</a:t>
                       </a:r>
                       <a:r>
-                        <a:rPr lang="de-CH" sz="1000" dirty="0" smtClean="0"/>
+                        <a:rPr lang="de-CH" sz="1000" dirty="0"/>
                         <a:t>, </a:t>
                       </a:r>
                       <a:r>
-                        <a:rPr lang="de-CH" sz="1000" dirty="0" smtClean="0">
+                        <a:rPr lang="de-CH" sz="1000" dirty="0">
                           <a:solidFill>
                             <a:srgbClr val="FF66FF"/>
                           </a:solidFill>
                         </a:rPr>
                         <a:t>5</a:t>
                       </a:r>
-                      <a:endParaRPr lang="de-CH" sz="1000" dirty="0">
-                        <a:solidFill>
-                          <a:srgbClr val="FF66FF"/>
-                        </a:solidFill>
-                      </a:endParaRPr>
-                    </a:p>
-                  </a:txBody>
-                  <a:tcPr/>
-                </a:tc>
-                <a:tc>
-                  <a:txBody>
-                    <a:bodyPr/>
-                    <a:lstStyle/>
-                    <a:p>
-                      <a:r>
-                        <a:rPr lang="de-CH" sz="1000" dirty="0" smtClean="0"/>
+                    </a:p>
+                  </a:txBody>
+                  <a:tcPr/>
+                </a:tc>
+                <a:tc>
+                  <a:txBody>
+                    <a:bodyPr/>
+                    <a:lstStyle/>
+                    <a:p>
+                      <a:r>
+                        <a:rPr lang="de-CH" sz="1000" dirty="0"/>
                         <a:t>4, </a:t>
                       </a:r>
                       <a:r>
-                        <a:rPr lang="de-CH" sz="1000" dirty="0" smtClean="0">
+                        <a:rPr lang="de-CH" sz="1000" dirty="0">
                           <a:solidFill>
                             <a:srgbClr val="FFC000"/>
                           </a:solidFill>
@@ -9605,37 +9625,32 @@
                         <a:t>6</a:t>
                       </a:r>
                       <a:r>
-                        <a:rPr lang="de-CH" sz="1000" dirty="0" smtClean="0"/>
+                        <a:rPr lang="de-CH" sz="1000" dirty="0"/>
                         <a:t>, </a:t>
                       </a:r>
                       <a:r>
-                        <a:rPr lang="de-CH" sz="1000" dirty="0" smtClean="0">
+                        <a:rPr lang="de-CH" sz="1000" dirty="0">
                           <a:solidFill>
                             <a:srgbClr val="FF66FF"/>
                           </a:solidFill>
                         </a:rPr>
                         <a:t>6</a:t>
                       </a:r>
-                      <a:endParaRPr lang="de-CH" sz="1000" dirty="0">
-                        <a:solidFill>
-                          <a:srgbClr val="FF66FF"/>
-                        </a:solidFill>
-                      </a:endParaRPr>
-                    </a:p>
-                  </a:txBody>
-                  <a:tcPr/>
-                </a:tc>
-                <a:tc>
-                  <a:txBody>
-                    <a:bodyPr/>
-                    <a:lstStyle/>
-                    <a:p>
-                      <a:r>
-                        <a:rPr lang="de-CH" sz="1000" dirty="0" smtClean="0"/>
+                    </a:p>
+                  </a:txBody>
+                  <a:tcPr/>
+                </a:tc>
+                <a:tc>
+                  <a:txBody>
+                    <a:bodyPr/>
+                    <a:lstStyle/>
+                    <a:p>
+                      <a:r>
+                        <a:rPr lang="de-CH" sz="1000" dirty="0"/>
                         <a:t>3, </a:t>
                       </a:r>
                       <a:r>
-                        <a:rPr lang="de-CH" sz="1000" dirty="0" smtClean="0">
+                        <a:rPr lang="de-CH" sz="1000" dirty="0">
                           <a:solidFill>
                             <a:srgbClr val="FFC000"/>
                           </a:solidFill>
@@ -9643,37 +9658,32 @@
                         <a:t>5</a:t>
                       </a:r>
                       <a:r>
-                        <a:rPr lang="de-CH" sz="1000" dirty="0" smtClean="0"/>
+                        <a:rPr lang="de-CH" sz="1000" dirty="0"/>
                         <a:t>, </a:t>
                       </a:r>
                       <a:r>
-                        <a:rPr lang="de-CH" sz="1000" dirty="0" smtClean="0">
+                        <a:rPr lang="de-CH" sz="1000" dirty="0">
                           <a:solidFill>
                             <a:srgbClr val="FF66FF"/>
                           </a:solidFill>
                         </a:rPr>
                         <a:t>5</a:t>
                       </a:r>
-                      <a:endParaRPr lang="de-CH" sz="1000" dirty="0">
-                        <a:solidFill>
-                          <a:srgbClr val="FF66FF"/>
-                        </a:solidFill>
-                      </a:endParaRPr>
-                    </a:p>
-                  </a:txBody>
-                  <a:tcPr/>
-                </a:tc>
-                <a:tc>
-                  <a:txBody>
-                    <a:bodyPr/>
-                    <a:lstStyle/>
-                    <a:p>
-                      <a:r>
-                        <a:rPr lang="de-CH" sz="1000" dirty="0" smtClean="0"/>
+                    </a:p>
+                  </a:txBody>
+                  <a:tcPr/>
+                </a:tc>
+                <a:tc>
+                  <a:txBody>
+                    <a:bodyPr/>
+                    <a:lstStyle/>
+                    <a:p>
+                      <a:r>
+                        <a:rPr lang="de-CH" sz="1000" dirty="0"/>
                         <a:t>4, </a:t>
                       </a:r>
                       <a:r>
-                        <a:rPr lang="de-CH" sz="1000" dirty="0" smtClean="0">
+                        <a:rPr lang="de-CH" sz="1000" dirty="0">
                           <a:solidFill>
                             <a:srgbClr val="FFC000"/>
                           </a:solidFill>
@@ -9681,22 +9691,17 @@
                         <a:t>5</a:t>
                       </a:r>
                       <a:r>
-                        <a:rPr lang="de-CH" sz="1000" dirty="0" smtClean="0"/>
+                        <a:rPr lang="de-CH" sz="1000" dirty="0"/>
                         <a:t>, </a:t>
                       </a:r>
                       <a:r>
-                        <a:rPr lang="de-CH" sz="1000" dirty="0" smtClean="0">
+                        <a:rPr lang="de-CH" sz="1000" dirty="0">
                           <a:solidFill>
                             <a:srgbClr val="FF66FF"/>
                           </a:solidFill>
                         </a:rPr>
                         <a:t>5</a:t>
                       </a:r>
-                      <a:endParaRPr lang="de-CH" sz="1000" dirty="0">
-                        <a:solidFill>
-                          <a:srgbClr val="FF66FF"/>
-                        </a:solidFill>
-                      </a:endParaRPr>
                     </a:p>
                   </a:txBody>
                   <a:tcPr/>
@@ -9717,11 +9722,11 @@
                     <a:lstStyle/>
                     <a:p>
                       <a:r>
-                        <a:rPr lang="de-CH" sz="1000" dirty="0" smtClean="0"/>
+                        <a:rPr lang="de-CH" sz="1000" dirty="0"/>
                         <a:t>8, </a:t>
                       </a:r>
                       <a:r>
-                        <a:rPr lang="de-CH" sz="1000" dirty="0" smtClean="0">
+                        <a:rPr lang="de-CH" sz="1000" dirty="0">
                           <a:solidFill>
                             <a:srgbClr val="FFC000"/>
                           </a:solidFill>
@@ -9729,37 +9734,32 @@
                         <a:t>9</a:t>
                       </a:r>
                       <a:r>
-                        <a:rPr lang="de-CH" sz="1000" dirty="0" smtClean="0"/>
+                        <a:rPr lang="de-CH" sz="1000" dirty="0"/>
                         <a:t>, </a:t>
                       </a:r>
                       <a:r>
-                        <a:rPr lang="de-CH" sz="1000" dirty="0" smtClean="0">
+                        <a:rPr lang="de-CH" sz="1000" dirty="0">
                           <a:solidFill>
                             <a:srgbClr val="FF66FF"/>
                           </a:solidFill>
                         </a:rPr>
                         <a:t>10</a:t>
                       </a:r>
-                      <a:endParaRPr lang="de-CH" sz="1000" dirty="0">
-                        <a:solidFill>
-                          <a:srgbClr val="FF66FF"/>
-                        </a:solidFill>
-                      </a:endParaRPr>
-                    </a:p>
-                  </a:txBody>
-                  <a:tcPr/>
-                </a:tc>
-                <a:tc>
-                  <a:txBody>
-                    <a:bodyPr/>
-                    <a:lstStyle/>
-                    <a:p>
-                      <a:r>
-                        <a:rPr lang="de-CH" sz="1000" dirty="0" smtClean="0"/>
+                    </a:p>
+                  </a:txBody>
+                  <a:tcPr/>
+                </a:tc>
+                <a:tc>
+                  <a:txBody>
+                    <a:bodyPr/>
+                    <a:lstStyle/>
+                    <a:p>
+                      <a:r>
+                        <a:rPr lang="de-CH" sz="1000" dirty="0"/>
                         <a:t>2, </a:t>
                       </a:r>
                       <a:r>
-                        <a:rPr lang="de-CH" sz="1000" dirty="0" smtClean="0">
+                        <a:rPr lang="de-CH" sz="1000" dirty="0">
                           <a:solidFill>
                             <a:srgbClr val="FFC000"/>
                           </a:solidFill>
@@ -9767,25 +9767,24 @@
                         <a:t>2</a:t>
                       </a:r>
                       <a:r>
-                        <a:rPr lang="de-CH" sz="1000" dirty="0" smtClean="0"/>
+                        <a:rPr lang="de-CH" sz="1000" dirty="0"/>
                         <a:t>, 2</a:t>
                       </a:r>
-                      <a:endParaRPr lang="de-CH" sz="1000" dirty="0"/>
-                    </a:p>
-                  </a:txBody>
-                  <a:tcPr/>
-                </a:tc>
-                <a:tc>
-                  <a:txBody>
-                    <a:bodyPr/>
-                    <a:lstStyle/>
-                    <a:p>
-                      <a:r>
-                        <a:rPr lang="de-CH" sz="1000" dirty="0" smtClean="0"/>
+                    </a:p>
+                  </a:txBody>
+                  <a:tcPr/>
+                </a:tc>
+                <a:tc>
+                  <a:txBody>
+                    <a:bodyPr/>
+                    <a:lstStyle/>
+                    <a:p>
+                      <a:r>
+                        <a:rPr lang="de-CH" sz="1000" dirty="0"/>
                         <a:t>5, </a:t>
                       </a:r>
                       <a:r>
-                        <a:rPr lang="de-CH" sz="1000" dirty="0" smtClean="0">
+                        <a:rPr lang="de-CH" sz="1000" dirty="0">
                           <a:solidFill>
                             <a:srgbClr val="FFC000"/>
                           </a:solidFill>
@@ -9793,37 +9792,32 @@
                         <a:t>5</a:t>
                       </a:r>
                       <a:r>
-                        <a:rPr lang="de-CH" sz="1000" dirty="0" smtClean="0"/>
+                        <a:rPr lang="de-CH" sz="1000" dirty="0"/>
                         <a:t>, </a:t>
                       </a:r>
                       <a:r>
-                        <a:rPr lang="de-CH" sz="1000" dirty="0" smtClean="0">
+                        <a:rPr lang="de-CH" sz="1000" dirty="0">
                           <a:solidFill>
                             <a:srgbClr val="FF66FF"/>
                           </a:solidFill>
                         </a:rPr>
                         <a:t>5</a:t>
                       </a:r>
-                      <a:endParaRPr lang="de-CH" sz="1000" dirty="0">
-                        <a:solidFill>
-                          <a:srgbClr val="FF66FF"/>
-                        </a:solidFill>
-                      </a:endParaRPr>
-                    </a:p>
-                  </a:txBody>
-                  <a:tcPr/>
-                </a:tc>
-                <a:tc>
-                  <a:txBody>
-                    <a:bodyPr/>
-                    <a:lstStyle/>
-                    <a:p>
-                      <a:r>
-                        <a:rPr lang="de-CH" sz="1000" dirty="0" smtClean="0"/>
+                    </a:p>
+                  </a:txBody>
+                  <a:tcPr/>
+                </a:tc>
+                <a:tc>
+                  <a:txBody>
+                    <a:bodyPr/>
+                    <a:lstStyle/>
+                    <a:p>
+                      <a:r>
+                        <a:rPr lang="de-CH" sz="1000" dirty="0"/>
                         <a:t>4, </a:t>
                       </a:r>
                       <a:r>
-                        <a:rPr lang="de-CH" sz="1000" dirty="0" smtClean="0">
+                        <a:rPr lang="de-CH" sz="1000" dirty="0">
                           <a:solidFill>
                             <a:srgbClr val="FFC000"/>
                           </a:solidFill>
@@ -9831,22 +9825,17 @@
                         <a:t>0</a:t>
                       </a:r>
                       <a:r>
-                        <a:rPr lang="de-CH" sz="1000" dirty="0" smtClean="0"/>
+                        <a:rPr lang="de-CH" sz="1000" dirty="0"/>
                         <a:t>, </a:t>
                       </a:r>
                       <a:r>
-                        <a:rPr lang="de-CH" sz="1000" dirty="0" smtClean="0">
+                        <a:rPr lang="de-CH" sz="1000" dirty="0">
                           <a:solidFill>
                             <a:srgbClr val="FF66FF"/>
                           </a:solidFill>
                         </a:rPr>
                         <a:t>0</a:t>
                       </a:r>
-                      <a:endParaRPr lang="de-CH" sz="1000" dirty="0">
-                        <a:solidFill>
-                          <a:srgbClr val="FF66FF"/>
-                        </a:solidFill>
-                      </a:endParaRPr>
                     </a:p>
                   </a:txBody>
                   <a:tcPr/>
@@ -9895,61 +9884,53 @@
           <a:p>
             <a:r>
               <a:rPr lang="de-CH" sz="1200" dirty="0"/>
-              <a:t>r</a:t>
-            </a:r>
-            <a:r>
-              <a:rPr lang="de-CH" sz="1200" dirty="0" smtClean="0"/>
-              <a:t> = </a:t>
-            </a:r>
-            <a:r>
-              <a:rPr lang="de-CH" sz="1200" dirty="0" err="1" smtClean="0"/>
+              <a:t>r = </a:t>
+            </a:r>
+            <a:r>
+              <a:rPr lang="de-CH" sz="1200" dirty="0" err="1"/>
               <a:t>read-only</a:t>
             </a:r>
-            <a:endParaRPr lang="de-CH" sz="1200" dirty="0" smtClean="0"/>
+            <a:endParaRPr lang="de-CH" sz="1200" dirty="0"/>
           </a:p>
           <a:p>
             <a:r>
               <a:rPr lang="de-CH" sz="1200" dirty="0"/>
-              <a:t>c</a:t>
-            </a:r>
-            <a:r>
-              <a:rPr lang="de-CH" sz="1200" dirty="0" smtClean="0"/>
-              <a:t> = </a:t>
-            </a:r>
-            <a:r>
-              <a:rPr lang="de-CH" sz="1200" dirty="0" err="1" smtClean="0"/>
+              <a:t>c = </a:t>
+            </a:r>
+            <a:r>
+              <a:rPr lang="de-CH" sz="1200" dirty="0" err="1"/>
               <a:t>cast</a:t>
             </a:r>
             <a:r>
-              <a:rPr lang="de-CH" sz="1200" dirty="0" smtClean="0"/>
+              <a:rPr lang="de-CH" sz="1200" dirty="0"/>
               <a:t>-error</a:t>
             </a:r>
           </a:p>
           <a:p>
             <a:r>
-              <a:rPr lang="de-CH" sz="1200" dirty="0" smtClean="0"/>
+              <a:rPr lang="de-CH" sz="1200" dirty="0"/>
               <a:t>l = </a:t>
             </a:r>
             <a:r>
-              <a:rPr lang="de-CH" sz="1200" dirty="0" err="1" smtClean="0"/>
+              <a:rPr lang="de-CH" sz="1200" dirty="0" err="1"/>
               <a:t>length</a:t>
             </a:r>
             <a:r>
-              <a:rPr lang="de-CH" sz="1200" dirty="0" smtClean="0"/>
+              <a:rPr lang="de-CH" sz="1200" dirty="0"/>
               <a:t>-limit</a:t>
             </a:r>
           </a:p>
           <a:p>
             <a:r>
-              <a:rPr lang="de-CH" sz="1200" dirty="0" smtClean="0"/>
+              <a:rPr lang="de-CH" sz="1200" dirty="0"/>
               <a:t>n = not </a:t>
             </a:r>
             <a:r>
-              <a:rPr lang="de-CH" sz="1200" dirty="0" err="1" smtClean="0"/>
+              <a:rPr lang="de-CH" sz="1200" dirty="0" err="1"/>
               <a:t>nullable</a:t>
             </a:r>
             <a:r>
-              <a:rPr lang="de-CH" sz="1200" dirty="0" smtClean="0"/>
+              <a:rPr lang="de-CH" sz="1200" dirty="0"/>
               <a:t>  </a:t>
             </a:r>
           </a:p>
@@ -9978,7 +9959,7 @@
           <a:lstStyle/>
           <a:p>
             <a:r>
-              <a:rPr lang="de-CH" sz="1200" dirty="0" smtClean="0">
+              <a:rPr lang="de-CH" sz="1200" dirty="0">
                 <a:solidFill>
                   <a:srgbClr val="FFC000"/>
                 </a:solidFill>
@@ -9986,14 +9967,14 @@
               <a:t>SHP</a:t>
             </a:r>
             <a:r>
-              <a:rPr lang="de-CH" sz="1200" dirty="0" smtClean="0"/>
+              <a:rPr lang="de-CH" sz="1200" dirty="0"/>
               <a:t>: 12 </a:t>
             </a:r>
             <a:r>
-              <a:rPr lang="de-CH" sz="1200" dirty="0" err="1" smtClean="0"/>
+              <a:rPr lang="de-CH" sz="1200" dirty="0" err="1"/>
               <a:t>fields</a:t>
             </a:r>
-            <a:endParaRPr lang="de-CH" sz="1200" dirty="0" smtClean="0"/>
+            <a:endParaRPr lang="de-CH" sz="1200" dirty="0"/>
           </a:p>
         </p:txBody>
       </p:sp>
@@ -10020,7 +10001,7 @@
           <a:lstStyle/>
           <a:p>
             <a:r>
-              <a:rPr lang="de-CH" sz="1200" dirty="0" smtClean="0">
+              <a:rPr lang="de-CH" sz="1200" dirty="0">
                 <a:solidFill>
                   <a:srgbClr val="FF66FF"/>
                 </a:solidFill>
@@ -10028,14 +10009,14 @@
               <a:t>GPKG</a:t>
             </a:r>
             <a:r>
-              <a:rPr lang="de-CH" sz="1200" dirty="0" smtClean="0"/>
+              <a:rPr lang="de-CH" sz="1200" dirty="0"/>
               <a:t>: 14 </a:t>
             </a:r>
             <a:r>
-              <a:rPr lang="de-CH" sz="1200" dirty="0" err="1" smtClean="0"/>
+              <a:rPr lang="de-CH" sz="1200" dirty="0" err="1"/>
               <a:t>fields</a:t>
             </a:r>
-            <a:endParaRPr lang="de-CH" sz="1200" dirty="0" smtClean="0"/>
+            <a:endParaRPr lang="de-CH" sz="1200" dirty="0"/>
           </a:p>
         </p:txBody>
       </p:sp>
@@ -10067,14 +10048,14 @@
           <a:lstStyle/>
           <a:p>
             <a:r>
-              <a:rPr lang="de-CH" sz="1200" dirty="0" smtClean="0"/>
+              <a:rPr lang="de-CH" sz="1200" dirty="0"/>
               <a:t>Not </a:t>
             </a:r>
             <a:r>
-              <a:rPr lang="de-CH" sz="1200" dirty="0" err="1" smtClean="0"/>
+              <a:rPr lang="de-CH" sz="1200" dirty="0" err="1"/>
               <a:t>available</a:t>
             </a:r>
-            <a:endParaRPr lang="de-CH" sz="1200" dirty="0" smtClean="0"/>
+            <a:endParaRPr lang="de-CH" sz="1200" dirty="0"/>
           </a:p>
         </p:txBody>
       </p:sp>
@@ -10103,14 +10084,14 @@
           <a:lstStyle/>
           <a:p>
             <a:r>
-              <a:rPr lang="de-CH" sz="1200" dirty="0" smtClean="0"/>
+              <a:rPr lang="de-CH" sz="1200" dirty="0"/>
               <a:t>Not </a:t>
             </a:r>
             <a:r>
-              <a:rPr lang="de-CH" sz="1200" dirty="0" err="1" smtClean="0"/>
+              <a:rPr lang="de-CH" sz="1200" dirty="0" err="1"/>
               <a:t>available</a:t>
             </a:r>
-            <a:endParaRPr lang="de-CH" sz="1200" dirty="0" smtClean="0"/>
+            <a:endParaRPr lang="de-CH" sz="1200" dirty="0"/>
           </a:p>
         </p:txBody>
       </p:sp>
@@ -10137,7 +10118,7 @@
           <a:lstStyle/>
           <a:p>
             <a:r>
-              <a:rPr lang="de-CH" sz="1200" dirty="0" smtClean="0">
+              <a:rPr lang="de-CH" sz="1200" dirty="0">
                 <a:solidFill>
                   <a:srgbClr val="002060"/>
                 </a:solidFill>
@@ -10145,14 +10126,14 @@
               <a:t>FGDB</a:t>
             </a:r>
             <a:r>
-              <a:rPr lang="de-CH" sz="1200" dirty="0" smtClean="0"/>
+              <a:rPr lang="de-CH" sz="1200" dirty="0"/>
               <a:t>: 13 </a:t>
             </a:r>
             <a:r>
-              <a:rPr lang="de-CH" sz="1200" dirty="0" err="1" smtClean="0"/>
+              <a:rPr lang="de-CH" sz="1200" dirty="0" err="1"/>
               <a:t>fields</a:t>
             </a:r>
-            <a:endParaRPr lang="de-CH" sz="1200" dirty="0" smtClean="0"/>
+            <a:endParaRPr lang="de-CH" sz="1200" dirty="0"/>
           </a:p>
         </p:txBody>
       </p:sp>
@@ -10183,14 +10164,14 @@
           <a:lstStyle/>
           <a:p>
             <a:r>
-              <a:rPr lang="de-CH" sz="1200" dirty="0" smtClean="0"/>
+              <a:rPr lang="de-CH" sz="1200" dirty="0"/>
               <a:t>Not </a:t>
             </a:r>
             <a:r>
-              <a:rPr lang="de-CH" sz="1200" dirty="0" err="1" smtClean="0"/>
+              <a:rPr lang="de-CH" sz="1200" dirty="0" err="1"/>
               <a:t>available</a:t>
             </a:r>
-            <a:endParaRPr lang="de-CH" sz="1200" dirty="0" smtClean="0"/>
+            <a:endParaRPr lang="de-CH" sz="1200" dirty="0"/>
           </a:p>
         </p:txBody>
       </p:sp>

--- a/doc/GdalNetCoreGraphicsToExplain.pptx
+++ b/doc/GdalNetCoreGraphicsToExplain.pptx
@@ -246,7 +246,7 @@
           <a:p>
             <a:fld id="{CEE1A4D8-EFF7-4BF9-AC3C-4BFBCCD56EE7}" type="datetimeFigureOut">
               <a:rPr lang="de-CH" smtClean="0"/>
-              <a:t>13.07.2024</a:t>
+              <a:t>14.07.2024</a:t>
             </a:fld>
             <a:endParaRPr lang="de-CH"/>
           </a:p>
@@ -416,7 +416,7 @@
           <a:p>
             <a:fld id="{CEE1A4D8-EFF7-4BF9-AC3C-4BFBCCD56EE7}" type="datetimeFigureOut">
               <a:rPr lang="de-CH" smtClean="0"/>
-              <a:t>13.07.2024</a:t>
+              <a:t>14.07.2024</a:t>
             </a:fld>
             <a:endParaRPr lang="de-CH"/>
           </a:p>
@@ -596,7 +596,7 @@
           <a:p>
             <a:fld id="{CEE1A4D8-EFF7-4BF9-AC3C-4BFBCCD56EE7}" type="datetimeFigureOut">
               <a:rPr lang="de-CH" smtClean="0"/>
-              <a:t>13.07.2024</a:t>
+              <a:t>14.07.2024</a:t>
             </a:fld>
             <a:endParaRPr lang="de-CH"/>
           </a:p>
@@ -766,7 +766,7 @@
           <a:p>
             <a:fld id="{CEE1A4D8-EFF7-4BF9-AC3C-4BFBCCD56EE7}" type="datetimeFigureOut">
               <a:rPr lang="de-CH" smtClean="0"/>
-              <a:t>13.07.2024</a:t>
+              <a:t>14.07.2024</a:t>
             </a:fld>
             <a:endParaRPr lang="de-CH"/>
           </a:p>
@@ -1012,7 +1012,7 @@
           <a:p>
             <a:fld id="{CEE1A4D8-EFF7-4BF9-AC3C-4BFBCCD56EE7}" type="datetimeFigureOut">
               <a:rPr lang="de-CH" smtClean="0"/>
-              <a:t>13.07.2024</a:t>
+              <a:t>14.07.2024</a:t>
             </a:fld>
             <a:endParaRPr lang="de-CH"/>
           </a:p>
@@ -1244,7 +1244,7 @@
           <a:p>
             <a:fld id="{CEE1A4D8-EFF7-4BF9-AC3C-4BFBCCD56EE7}" type="datetimeFigureOut">
               <a:rPr lang="de-CH" smtClean="0"/>
-              <a:t>13.07.2024</a:t>
+              <a:t>14.07.2024</a:t>
             </a:fld>
             <a:endParaRPr lang="de-CH"/>
           </a:p>
@@ -1611,7 +1611,7 @@
           <a:p>
             <a:fld id="{CEE1A4D8-EFF7-4BF9-AC3C-4BFBCCD56EE7}" type="datetimeFigureOut">
               <a:rPr lang="de-CH" smtClean="0"/>
-              <a:t>13.07.2024</a:t>
+              <a:t>14.07.2024</a:t>
             </a:fld>
             <a:endParaRPr lang="de-CH"/>
           </a:p>
@@ -1729,7 +1729,7 @@
           <a:p>
             <a:fld id="{CEE1A4D8-EFF7-4BF9-AC3C-4BFBCCD56EE7}" type="datetimeFigureOut">
               <a:rPr lang="de-CH" smtClean="0"/>
-              <a:t>13.07.2024</a:t>
+              <a:t>14.07.2024</a:t>
             </a:fld>
             <a:endParaRPr lang="de-CH"/>
           </a:p>
@@ -1824,7 +1824,7 @@
           <a:p>
             <a:fld id="{CEE1A4D8-EFF7-4BF9-AC3C-4BFBCCD56EE7}" type="datetimeFigureOut">
               <a:rPr lang="de-CH" smtClean="0"/>
-              <a:t>13.07.2024</a:t>
+              <a:t>14.07.2024</a:t>
             </a:fld>
             <a:endParaRPr lang="de-CH"/>
           </a:p>
@@ -2101,7 +2101,7 @@
           <a:p>
             <a:fld id="{CEE1A4D8-EFF7-4BF9-AC3C-4BFBCCD56EE7}" type="datetimeFigureOut">
               <a:rPr lang="de-CH" smtClean="0"/>
-              <a:t>13.07.2024</a:t>
+              <a:t>14.07.2024</a:t>
             </a:fld>
             <a:endParaRPr lang="de-CH"/>
           </a:p>
@@ -2354,7 +2354,7 @@
           <a:p>
             <a:fld id="{CEE1A4D8-EFF7-4BF9-AC3C-4BFBCCD56EE7}" type="datetimeFigureOut">
               <a:rPr lang="de-CH" smtClean="0"/>
-              <a:t>13.07.2024</a:t>
+              <a:t>14.07.2024</a:t>
             </a:fld>
             <a:endParaRPr lang="de-CH"/>
           </a:p>
@@ -2567,7 +2567,7 @@
           <a:p>
             <a:fld id="{CEE1A4D8-EFF7-4BF9-AC3C-4BFBCCD56EE7}" type="datetimeFigureOut">
               <a:rPr lang="de-CH" smtClean="0"/>
-              <a:t>13.07.2024</a:t>
+              <a:t>14.07.2024</a:t>
             </a:fld>
             <a:endParaRPr lang="de-CH"/>
           </a:p>
@@ -3938,7 +3938,7 @@
           <p:nvPr>
             <p:extLst>
               <p:ext uri="{D42A27DB-BD31-4B8C-83A1-F6EECF244321}">
-                <p14:modId xmlns:p14="http://schemas.microsoft.com/office/powerpoint/2010/main" val="3606899825"/>
+                <p14:modId xmlns:p14="http://schemas.microsoft.com/office/powerpoint/2010/main" val="914442828"/>
               </p:ext>
             </p:extLst>
           </p:nvPr>
@@ -4311,7 +4311,7 @@
                             <a:noFill/>
                           </a:ln>
                           <a:solidFill>
-                            <a:prstClr val="black"/>
+                            <a:schemeClr val="tx1"/>
                           </a:solidFill>
                           <a:effectLst/>
                           <a:uLnTx/>
@@ -4327,7 +4327,7 @@
                           <a:noFill/>
                         </a:ln>
                         <a:solidFill>
-                          <a:prstClr val="black"/>
+                          <a:schemeClr val="tx1"/>
                         </a:solidFill>
                         <a:effectLst/>
                         <a:uLnTx/>
@@ -4342,14 +4342,14 @@
                       <a:r>
                         <a:rPr lang="de-CH" sz="1400" dirty="0" err="1">
                           <a:solidFill>
-                            <a:srgbClr val="FF0000"/>
+                            <a:schemeClr val="tx1"/>
                           </a:solidFill>
                         </a:rPr>
                         <a:t>CopyLayer</a:t>
                       </a:r>
                       <a:endParaRPr lang="de-CH" sz="1400" dirty="0">
                         <a:solidFill>
-                          <a:srgbClr val="FF0000"/>
+                          <a:schemeClr val="tx1"/>
                         </a:solidFill>
                       </a:endParaRPr>
                     </a:p>
@@ -4372,7 +4372,7 @@
                             <a:noFill/>
                           </a:ln>
                           <a:solidFill>
-                            <a:srgbClr val="FF0000"/>
+                            <a:schemeClr val="tx1"/>
                           </a:solidFill>
                           <a:effectLst/>
                           <a:uLnTx/>
@@ -4389,7 +4389,7 @@
                       <a:r>
                         <a:rPr lang="de-CH" sz="1400" kern="1200" dirty="0" err="1">
                           <a:solidFill>
-                            <a:schemeClr val="dk1"/>
+                            <a:schemeClr val="tx1"/>
                           </a:solidFill>
                           <a:latin typeface="+mn-lt"/>
                           <a:ea typeface="+mn-ea"/>
@@ -4399,7 +4399,7 @@
                       </a:r>
                       <a:endParaRPr lang="de-CH" sz="1400" kern="1200" dirty="0">
                         <a:solidFill>
-                          <a:schemeClr val="dk1"/>
+                          <a:schemeClr val="tx1"/>
                         </a:solidFill>
                         <a:latin typeface="+mn-lt"/>
                         <a:ea typeface="+mn-ea"/>
@@ -4441,7 +4441,7 @@
                             <a:noFill/>
                           </a:ln>
                           <a:solidFill>
-                            <a:prstClr val="black"/>
+                            <a:schemeClr val="tx1"/>
                           </a:solidFill>
                           <a:effectLst/>
                           <a:uLnTx/>
@@ -4457,7 +4457,7 @@
                           <a:noFill/>
                         </a:ln>
                         <a:solidFill>
-                          <a:prstClr val="black"/>
+                          <a:schemeClr val="tx1"/>
                         </a:solidFill>
                         <a:effectLst/>
                         <a:uLnTx/>
@@ -4470,10 +4470,18 @@
                     <a:p>
                       <a:pPr algn="ctr"/>
                       <a:r>
-                        <a:rPr lang="de-CH" sz="1400" dirty="0" err="1"/>
+                        <a:rPr lang="de-CH" sz="1400" dirty="0" err="1">
+                          <a:solidFill>
+                            <a:schemeClr val="tx1"/>
+                          </a:solidFill>
+                        </a:rPr>
                         <a:t>CopyLayer</a:t>
                       </a:r>
-                      <a:endParaRPr lang="de-CH" sz="1400" dirty="0"/>
+                      <a:endParaRPr lang="de-CH" sz="1400" dirty="0">
+                        <a:solidFill>
+                          <a:schemeClr val="tx1"/>
+                        </a:solidFill>
+                      </a:endParaRPr>
                     </a:p>
                   </a:txBody>
                   <a:tcPr>
@@ -4530,7 +4538,7 @@
                             <a:noFill/>
                           </a:ln>
                           <a:solidFill>
-                            <a:prstClr val="black"/>
+                            <a:schemeClr val="tx1"/>
                           </a:solidFill>
                           <a:effectLst/>
                           <a:uLnTx/>
@@ -4546,7 +4554,7 @@
                           <a:noFill/>
                         </a:ln>
                         <a:solidFill>
-                          <a:prstClr val="black"/>
+                          <a:schemeClr val="tx1"/>
                         </a:solidFill>
                         <a:effectLst/>
                         <a:uLnTx/>
@@ -4561,7 +4569,7 @@
                       <a:r>
                         <a:rPr lang="de-CH" sz="1400" kern="1200" dirty="0" err="1">
                           <a:solidFill>
-                            <a:srgbClr val="FF0000"/>
+                            <a:schemeClr val="tx1"/>
                           </a:solidFill>
                           <a:latin typeface="+mn-lt"/>
                           <a:ea typeface="+mn-ea"/>
@@ -4571,7 +4579,7 @@
                       </a:r>
                       <a:endParaRPr lang="de-CH" sz="1400" kern="1200" dirty="0">
                         <a:solidFill>
-                          <a:srgbClr val="FF0000"/>
+                          <a:schemeClr val="tx1"/>
                         </a:solidFill>
                         <a:latin typeface="+mn-lt"/>
                         <a:ea typeface="+mn-ea"/>
@@ -4610,7 +4618,7 @@
                       <a:r>
                         <a:rPr lang="de-CH" sz="1400" kern="1200" dirty="0" err="1">
                           <a:solidFill>
-                            <a:schemeClr val="dk1"/>
+                            <a:schemeClr val="tx1"/>
                           </a:solidFill>
                           <a:latin typeface="+mn-lt"/>
                           <a:ea typeface="+mn-ea"/>
@@ -4620,7 +4628,7 @@
                       </a:r>
                       <a:endParaRPr lang="de-CH" sz="1400" kern="1200" dirty="0">
                         <a:solidFill>
-                          <a:schemeClr val="dk1"/>
+                          <a:schemeClr val="tx1"/>
                         </a:solidFill>
                         <a:latin typeface="+mn-lt"/>
                         <a:ea typeface="+mn-ea"/>
@@ -4662,7 +4670,7 @@
                             <a:noFill/>
                           </a:ln>
                           <a:solidFill>
-                            <a:prstClr val="black"/>
+                            <a:schemeClr val="tx1"/>
                           </a:solidFill>
                           <a:effectLst/>
                           <a:uLnTx/>
@@ -4671,24 +4679,7 @@
                           <a:ea typeface="+mn-ea"/>
                           <a:cs typeface="+mn-cs"/>
                         </a:rPr>
-                        <a:t>Internal / </a:t>
-                      </a:r>
-                      <a:r>
-                        <a:rPr kumimoji="0" lang="de-CH" sz="1000" b="0" i="0" u="none" strike="noStrike" kern="1200" cap="none" spc="0" normalizeH="0" baseline="0" dirty="0">
-                          <a:ln>
-                            <a:noFill/>
-                          </a:ln>
-                          <a:solidFill>
-                            <a:srgbClr val="FF0000"/>
-                          </a:solidFill>
-                          <a:effectLst/>
-                          <a:uLnTx/>
-                          <a:uFillTx/>
-                          <a:latin typeface="+mn-lt"/>
-                          <a:ea typeface="+mn-ea"/>
-                          <a:cs typeface="+mn-cs"/>
-                        </a:rPr>
-                        <a:t>External</a:t>
+                        <a:t>Internal / External</a:t>
                       </a:r>
                     </a:p>
                     <a:p>
@@ -4696,7 +4687,7 @@
                       <a:r>
                         <a:rPr lang="de-CH" sz="1400" kern="1200" dirty="0" err="1">
                           <a:solidFill>
-                            <a:schemeClr val="dk1"/>
+                            <a:schemeClr val="tx1"/>
                           </a:solidFill>
                           <a:latin typeface="+mn-lt"/>
                           <a:ea typeface="+mn-ea"/>
@@ -4706,7 +4697,7 @@
                       </a:r>
                       <a:endParaRPr lang="de-CH" sz="1400" kern="1200" dirty="0">
                         <a:solidFill>
-                          <a:schemeClr val="dk1"/>
+                          <a:schemeClr val="tx1"/>
                         </a:solidFill>
                         <a:latin typeface="+mn-lt"/>
                         <a:ea typeface="+mn-ea"/>
@@ -4827,102 +4818,6 @@
           </a:prstGeom>
         </p:spPr>
       </p:pic>
-      <p:sp>
-        <p:nvSpPr>
-          <p:cNvPr id="2" name="Textfeld 1">
-            <a:extLst>
-              <a:ext uri="{FF2B5EF4-FFF2-40B4-BE49-F238E27FC236}">
-                <a16:creationId xmlns:a16="http://schemas.microsoft.com/office/drawing/2014/main" id="{FACCDE38-58E5-FB04-7521-121DC9AA073E}"/>
-              </a:ext>
-            </a:extLst>
-          </p:cNvPr>
-          <p:cNvSpPr txBox="1"/>
-          <p:nvPr/>
-        </p:nvSpPr>
-        <p:spPr>
-          <a:xfrm>
-            <a:off x="3178175" y="2486025"/>
-            <a:ext cx="1992853" cy="369332"/>
-          </a:xfrm>
-          <a:prstGeom prst="rect">
-            <a:avLst/>
-          </a:prstGeom>
-          <a:noFill/>
-        </p:spPr>
-        <p:txBody>
-          <a:bodyPr wrap="none" rtlCol="0">
-            <a:spAutoFit/>
-          </a:bodyPr>
-          <a:lstStyle/>
-          <a:p>
-            <a:r>
-              <a:rPr lang="de-CH" sz="900" dirty="0">
-                <a:highlight>
-                  <a:srgbClr val="FFFF00"/>
-                </a:highlight>
-              </a:rPr>
-              <a:t>Felder mit Namen über 10 Buchstaben</a:t>
-            </a:r>
-          </a:p>
-          <a:p>
-            <a:r>
-              <a:rPr lang="de-CH" sz="800" dirty="0">
-                <a:highlight>
-                  <a:srgbClr val="FFFF00"/>
-                </a:highlight>
-              </a:rPr>
-              <a:t>werden</a:t>
-            </a:r>
-            <a:r>
-              <a:rPr lang="de-CH" sz="900" dirty="0">
-                <a:highlight>
-                  <a:srgbClr val="FFFF00"/>
-                </a:highlight>
-              </a:rPr>
-              <a:t> nicht übertragen</a:t>
-            </a:r>
-          </a:p>
-        </p:txBody>
-      </p:sp>
-      <p:sp>
-        <p:nvSpPr>
-          <p:cNvPr id="3" name="Textfeld 2">
-            <a:extLst>
-              <a:ext uri="{FF2B5EF4-FFF2-40B4-BE49-F238E27FC236}">
-                <a16:creationId xmlns:a16="http://schemas.microsoft.com/office/drawing/2014/main" id="{90E0DF84-86EC-E6C5-49E1-2F2ADF6706FC}"/>
-              </a:ext>
-            </a:extLst>
-          </p:cNvPr>
-          <p:cNvSpPr txBox="1"/>
-          <p:nvPr/>
-        </p:nvSpPr>
-        <p:spPr>
-          <a:xfrm rot="1908585">
-            <a:off x="5593847" y="1834100"/>
-            <a:ext cx="649537" cy="215444"/>
-          </a:xfrm>
-          <a:prstGeom prst="rect">
-            <a:avLst/>
-          </a:prstGeom>
-          <a:noFill/>
-        </p:spPr>
-        <p:txBody>
-          <a:bodyPr wrap="none" rtlCol="0">
-            <a:spAutoFit/>
-          </a:bodyPr>
-          <a:lstStyle/>
-          <a:p>
-            <a:r>
-              <a:rPr lang="de-CH" sz="800" dirty="0">
-                <a:highlight>
-                  <a:srgbClr val="FFFF00"/>
-                </a:highlight>
-              </a:rPr>
-              <a:t>Noch offen</a:t>
-            </a:r>
-          </a:p>
-        </p:txBody>
-      </p:sp>
     </p:spTree>
     <p:extLst>
       <p:ext uri="{BB962C8B-B14F-4D97-AF65-F5344CB8AC3E}">
